--- a/apartment-parent/MAVEN+PROJECT+MANAGEMENT+TOOL.pptx
+++ b/apartment-parent/MAVEN+PROJECT+MANAGEMENT+TOOL.pptx
@@ -7,10 +7,10 @@
     <p:sldMasterId id="2147483653" r:id="rId3"/>
   </p:sldMasterIdLst>
   <p:notesMasterIdLst>
-    <p:notesMasterId r:id="rId22"/>
+    <p:notesMasterId r:id="rId21"/>
   </p:notesMasterIdLst>
   <p:handoutMasterIdLst>
-    <p:handoutMasterId r:id="rId23"/>
+    <p:handoutMasterId r:id="rId22"/>
   </p:handoutMasterIdLst>
   <p:sldIdLst>
     <p:sldId id="256" r:id="rId4"/>
@@ -27,10 +27,9 @@
     <p:sldId id="313" r:id="rId15"/>
     <p:sldId id="308" r:id="rId16"/>
     <p:sldId id="309" r:id="rId17"/>
-    <p:sldId id="310" r:id="rId18"/>
-    <p:sldId id="322" r:id="rId19"/>
-    <p:sldId id="315" r:id="rId20"/>
-    <p:sldId id="312" r:id="rId21"/>
+    <p:sldId id="322" r:id="rId18"/>
+    <p:sldId id="315" r:id="rId19"/>
+    <p:sldId id="312" r:id="rId20"/>
   </p:sldIdLst>
   <p:sldSz cx="9144000" cy="5143500" type="screen16x9"/>
   <p:notesSz cx="6858000" cy="9144000"/>
@@ -242,7 +241,7 @@
           <a:p>
             <a:fld id="{2C86E7EE-C326-F042-8528-93B28CF2D898}" type="datetimeFigureOut">
               <a:rPr lang="en-US" smtClean="0"/>
-              <a:t>1/15/19</a:t>
+              <a:t>1/17/2019</a:t>
             </a:fld>
             <a:endParaRPr lang="en-US"/>
           </a:p>
@@ -420,7 +419,7 @@
           <a:p>
             <a:fld id="{3316643D-DD54-EF4B-BB50-8E75F9F0BE5E}" type="datetimeFigureOut">
               <a:rPr lang="en-US" smtClean="0"/>
-              <a:t>1/15/19</a:t>
+              <a:t>1/17/2019</a:t>
             </a:fld>
             <a:endParaRPr lang="en-US"/>
           </a:p>
@@ -5761,7 +5760,7 @@
           </a:lstStyle>
           <a:p>
             <a:r>
-              <a:rPr lang="en-US" b="0" dirty="0" err="1">
+              <a:rPr lang="en-US" b="0" dirty="0">
                 <a:gradFill flip="none" rotWithShape="1">
                   <a:gsLst>
                     <a:gs pos="69000">
@@ -5787,30 +5786,6 @@
               </a:rPr>
               <a:t>mrinmay</a:t>
             </a:r>
-            <a:endParaRPr lang="en-US" b="0" dirty="0">
-              <a:gradFill flip="none" rotWithShape="1">
-                <a:gsLst>
-                  <a:gs pos="69000">
-                    <a:srgbClr val="D04A3A">
-                      <a:lumMod val="100000"/>
-                    </a:srgbClr>
-                  </a:gs>
-                  <a:gs pos="33000">
-                    <a:srgbClr val="BE2D44"/>
-                  </a:gs>
-                  <a:gs pos="0">
-                    <a:srgbClr val="82297A"/>
-                  </a:gs>
-                  <a:gs pos="100000">
-                    <a:srgbClr val="F2BE79"/>
-                  </a:gs>
-                </a:gsLst>
-                <a:lin ang="0" scaled="1"/>
-                <a:tileRect/>
-              </a:gradFill>
-              <a:effectLst/>
-              <a:latin typeface="Century Gothic" panose="020B0502020202020204" pitchFamily="34" charset="0"/>
-            </a:endParaRPr>
           </a:p>
         </p:txBody>
       </p:sp>
@@ -5951,6 +5926,13 @@
   <p:clrMapOvr>
     <a:masterClrMapping/>
   </p:clrMapOvr>
+  <p:timing>
+    <p:tnLst>
+      <p:par>
+        <p:cTn id="1" dur="indefinite" restart="never" nodeType="tmRoot"/>
+      </p:par>
+    </p:tnLst>
+  </p:timing>
 </p:sld>
 </file>
 
@@ -5989,29 +5971,6 @@
             <a:r>
               <a:rPr lang="en-US" altLang="ko-KR" dirty="0"/>
               <a:t>Archetype And Skeleton</a:t>
-            </a:r>
-          </a:p>
-        </p:txBody>
-      </p:sp>
-      <p:sp>
-        <p:nvSpPr>
-          <p:cNvPr id="3" name="Text Placeholder 2"/>
-          <p:cNvSpPr>
-            <a:spLocks noGrp="1"/>
-          </p:cNvSpPr>
-          <p:nvPr>
-            <p:ph type="body" sz="quarter" idx="11"/>
-          </p:nvPr>
-        </p:nvSpPr>
-        <p:spPr/>
-        <p:txBody>
-          <a:bodyPr/>
-          <a:lstStyle/>
-          <a:p>
-            <a:pPr lvl="0"/>
-            <a:r>
-              <a:rPr lang="en-US" altLang="ko-KR" dirty="0"/>
-              <a:t>Application skeleton creator</a:t>
             </a:r>
           </a:p>
         </p:txBody>
@@ -8372,6 +8331,13 @@
   <p:clrMapOvr>
     <a:masterClrMapping/>
   </p:clrMapOvr>
+  <p:timing>
+    <p:tnLst>
+      <p:par>
+        <p:cTn id="1" dur="indefinite" restart="never" nodeType="tmRoot"/>
+      </p:par>
+    </p:tnLst>
+  </p:timing>
 </p:sld>
 </file>
 
@@ -8458,34 +8424,6 @@
             <a:r>
               <a:rPr lang="en-US" altLang="ko-KR" dirty="0"/>
               <a:t>Dependency Resolver</a:t>
-            </a:r>
-          </a:p>
-        </p:txBody>
-      </p:sp>
-      <p:sp>
-        <p:nvSpPr>
-          <p:cNvPr id="3" name="Text Placeholder 2"/>
-          <p:cNvSpPr>
-            <a:spLocks noGrp="1"/>
-          </p:cNvSpPr>
-          <p:nvPr>
-            <p:ph type="body" sz="quarter" idx="11"/>
-          </p:nvPr>
-        </p:nvSpPr>
-        <p:spPr>
-          <a:xfrm>
-            <a:off x="0" y="699542"/>
-            <a:ext cx="9144000" cy="288032"/>
-          </a:xfrm>
-        </p:spPr>
-        <p:txBody>
-          <a:bodyPr/>
-          <a:lstStyle/>
-          <a:p>
-            <a:pPr lvl="0"/>
-            <a:r>
-              <a:rPr lang="en-US" altLang="ko-KR" dirty="0"/>
-              <a:t>Neighbor defines address</a:t>
             </a:r>
           </a:p>
         </p:txBody>
@@ -10147,6 +10085,13 @@
   <p:clrMapOvr>
     <a:masterClrMapping/>
   </p:clrMapOvr>
+  <p:timing>
+    <p:tnLst>
+      <p:par>
+        <p:cTn id="1" dur="indefinite" restart="never" nodeType="tmRoot"/>
+      </p:par>
+    </p:tnLst>
+  </p:timing>
 </p:sld>
 </file>
 
@@ -10188,37 +10133,2631 @@
           <a:lstStyle/>
           <a:p>
             <a:r>
+              <a:rPr lang="en-US" altLang="ko-KR" dirty="0" smtClean="0"/>
+              <a:t>Dependency </a:t>
+            </a:r>
+            <a:r>
               <a:rPr lang="en-US" altLang="ko-KR" dirty="0"/>
-              <a:t>Transitive Dependency</a:t>
+              <a:t>Scope</a:t>
             </a:r>
           </a:p>
         </p:txBody>
       </p:sp>
       <p:sp>
         <p:nvSpPr>
-          <p:cNvPr id="3" name="Text Placeholder 2"/>
-          <p:cNvSpPr>
-            <a:spLocks noGrp="1"/>
-          </p:cNvSpPr>
-          <p:nvPr>
-            <p:ph type="body" sz="quarter" idx="11"/>
-          </p:nvPr>
+          <p:cNvPr id="6" name="TextBox 5">
+            <a:extLst>
+              <a:ext uri="{FF2B5EF4-FFF2-40B4-BE49-F238E27FC236}">
+                <a16:creationId xmlns:a16="http://schemas.microsoft.com/office/drawing/2014/main" id="{90607A82-5844-6145-8C47-24B24C89B6C6}"/>
+              </a:ext>
+            </a:extLst>
+          </p:cNvPr>
+          <p:cNvSpPr txBox="1"/>
+          <p:nvPr/>
         </p:nvSpPr>
         <p:spPr>
           <a:xfrm>
-            <a:off x="0" y="699542"/>
-            <a:ext cx="9144000" cy="288032"/>
+            <a:off x="143508" y="1154596"/>
+            <a:ext cx="8640960" cy="461665"/>
           </a:xfrm>
+          <a:prstGeom prst="rect">
+            <a:avLst/>
+          </a:prstGeom>
+          <a:noFill/>
         </p:spPr>
         <p:txBody>
-          <a:bodyPr/>
+          <a:bodyPr wrap="square" rtlCol="0" anchor="ctr">
+            <a:spAutoFit/>
+          </a:bodyPr>
           <a:lstStyle/>
           <a:p>
-            <a:pPr lvl="0"/>
             <a:r>
-              <a:rPr lang="en-US" altLang="ko-KR" dirty="0"/>
-              <a:t>Neighbor defines address</a:t>
+              <a:rPr lang="en-US" altLang="ko-KR" sz="1200" dirty="0">
+                <a:solidFill>
+                  <a:schemeClr val="tx1">
+                    <a:lumMod val="75000"/>
+                    <a:lumOff val="25000"/>
+                  </a:schemeClr>
+                </a:solidFill>
+                <a:cs typeface="Arial" pitchFamily="34" charset="0"/>
+              </a:rPr>
+              <a:t>Dependency scope is used to limit the transitivity of a dependency, and also to affect the classpath used for various build tasks.</a:t>
             </a:r>
+            <a:endParaRPr lang="ko-KR" altLang="en-US" sz="1200" dirty="0">
+              <a:solidFill>
+                <a:schemeClr val="tx1">
+                  <a:lumMod val="75000"/>
+                  <a:lumOff val="25000"/>
+                </a:schemeClr>
+              </a:solidFill>
+              <a:cs typeface="Arial" pitchFamily="34" charset="0"/>
+            </a:endParaRPr>
+          </a:p>
+        </p:txBody>
+      </p:sp>
+      <p:sp>
+        <p:nvSpPr>
+          <p:cNvPr id="8" name="Rectangle 7">
+            <a:extLst>
+              <a:ext uri="{FF2B5EF4-FFF2-40B4-BE49-F238E27FC236}">
+                <a16:creationId xmlns:a16="http://schemas.microsoft.com/office/drawing/2014/main" id="{D9809BAC-3125-9248-BA76-1521F0260582}"/>
+              </a:ext>
+            </a:extLst>
+          </p:cNvPr>
+          <p:cNvSpPr/>
+          <p:nvPr/>
+        </p:nvSpPr>
+        <p:spPr>
+          <a:xfrm>
+            <a:off x="395536" y="1529090"/>
+            <a:ext cx="8388932" cy="3130892"/>
+          </a:xfrm>
+          <a:prstGeom prst="rect">
+            <a:avLst/>
+          </a:prstGeom>
+          <a:noFill/>
+          <a:ln>
+            <a:noFill/>
+          </a:ln>
+        </p:spPr>
+        <p:style>
+          <a:lnRef idx="2">
+            <a:schemeClr val="accent1">
+              <a:shade val="50000"/>
+            </a:schemeClr>
+          </a:lnRef>
+          <a:fillRef idx="1">
+            <a:schemeClr val="accent1"/>
+          </a:fillRef>
+          <a:effectRef idx="0">
+            <a:schemeClr val="accent1"/>
+          </a:effectRef>
+          <a:fontRef idx="minor">
+            <a:schemeClr val="lt1"/>
+          </a:fontRef>
+        </p:style>
+        <p:txBody>
+          <a:bodyPr rtlCol="0" anchor="ctr"/>
+          <a:lstStyle/>
+          <a:p>
+            <a:pPr algn="ctr"/>
+            <a:endParaRPr lang="en-US"/>
+          </a:p>
+        </p:txBody>
+      </p:sp>
+      <p:sp>
+        <p:nvSpPr>
+          <p:cNvPr id="9" name="TextBox 8">
+            <a:extLst>
+              <a:ext uri="{FF2B5EF4-FFF2-40B4-BE49-F238E27FC236}">
+                <a16:creationId xmlns:a16="http://schemas.microsoft.com/office/drawing/2014/main" id="{A6BCA9BD-0C74-BC42-BC62-50967A3FAD92}"/>
+              </a:ext>
+            </a:extLst>
+          </p:cNvPr>
+          <p:cNvSpPr txBox="1"/>
+          <p:nvPr/>
+        </p:nvSpPr>
+        <p:spPr>
+          <a:xfrm>
+            <a:off x="655745" y="1524174"/>
+            <a:ext cx="7804250" cy="430887"/>
+          </a:xfrm>
+          <a:prstGeom prst="rect">
+            <a:avLst/>
+          </a:prstGeom>
+          <a:noFill/>
+          <a:ln>
+            <a:noFill/>
+          </a:ln>
+        </p:spPr>
+        <p:txBody>
+          <a:bodyPr wrap="square" rtlCol="0" anchor="ctr">
+            <a:spAutoFit/>
+          </a:bodyPr>
+          <a:lstStyle/>
+          <a:p>
+            <a:pPr algn="just"/>
+            <a:r>
+              <a:rPr lang="en-US" altLang="ko-KR" sz="1200" b="1" dirty="0">
+                <a:solidFill>
+                  <a:schemeClr val="tx1">
+                    <a:lumMod val="75000"/>
+                    <a:lumOff val="25000"/>
+                  </a:schemeClr>
+                </a:solidFill>
+                <a:cs typeface="Arial" pitchFamily="34" charset="0"/>
+              </a:rPr>
+              <a:t>c</a:t>
+            </a:r>
+            <a:r>
+              <a:rPr lang="en-US" altLang="ko-KR" sz="1200" b="1" dirty="0" smtClean="0">
+                <a:solidFill>
+                  <a:schemeClr val="tx1">
+                    <a:lumMod val="75000"/>
+                    <a:lumOff val="25000"/>
+                  </a:schemeClr>
+                </a:solidFill>
+                <a:cs typeface="Arial" pitchFamily="34" charset="0"/>
+              </a:rPr>
+              <a:t>ompile </a:t>
+            </a:r>
+            <a:r>
+              <a:rPr lang="en-US" altLang="ko-KR" sz="1200" b="1" dirty="0" smtClean="0">
+                <a:solidFill>
+                  <a:schemeClr val="tx1">
+                    <a:lumMod val="75000"/>
+                    <a:lumOff val="25000"/>
+                  </a:schemeClr>
+                </a:solidFill>
+                <a:cs typeface="Arial" pitchFamily="34" charset="0"/>
+              </a:rPr>
+              <a:t>- </a:t>
+            </a:r>
+            <a:r>
+              <a:rPr lang="en-US" altLang="ko-KR" sz="1000" dirty="0">
+                <a:solidFill>
+                  <a:schemeClr val="tx1">
+                    <a:lumMod val="75000"/>
+                    <a:lumOff val="25000"/>
+                  </a:schemeClr>
+                </a:solidFill>
+                <a:cs typeface="Arial" pitchFamily="34" charset="0"/>
+              </a:rPr>
+              <a:t>This is the default </a:t>
+            </a:r>
+            <a:r>
+              <a:rPr lang="en-US" altLang="ko-KR" sz="1000" dirty="0" smtClean="0">
+                <a:solidFill>
+                  <a:schemeClr val="tx1">
+                    <a:lumMod val="75000"/>
+                    <a:lumOff val="25000"/>
+                  </a:schemeClr>
+                </a:solidFill>
+                <a:cs typeface="Arial" pitchFamily="34" charset="0"/>
+              </a:rPr>
+              <a:t>scope. </a:t>
+            </a:r>
+            <a:r>
+              <a:rPr lang="en-US" altLang="ko-KR" sz="1000" dirty="0">
+                <a:solidFill>
+                  <a:schemeClr val="tx1">
+                    <a:lumMod val="75000"/>
+                    <a:lumOff val="25000"/>
+                  </a:schemeClr>
+                </a:solidFill>
+                <a:cs typeface="Arial" pitchFamily="34" charset="0"/>
+              </a:rPr>
+              <a:t>Compile dependencies are available in all classpaths of a project. Furthermore, those dependencies are propagated to dependent projects.</a:t>
+            </a:r>
+            <a:r>
+              <a:rPr lang="en-US" altLang="ko-KR" sz="1000" b="1" dirty="0">
+                <a:solidFill>
+                  <a:schemeClr val="tx1">
+                    <a:lumMod val="75000"/>
+                    <a:lumOff val="25000"/>
+                  </a:schemeClr>
+                </a:solidFill>
+                <a:cs typeface="Arial" pitchFamily="34" charset="0"/>
+              </a:rPr>
+              <a:t> </a:t>
+            </a:r>
+          </a:p>
+        </p:txBody>
+      </p:sp>
+      <p:sp>
+        <p:nvSpPr>
+          <p:cNvPr id="10" name="TextBox 9">
+            <a:extLst>
+              <a:ext uri="{FF2B5EF4-FFF2-40B4-BE49-F238E27FC236}">
+                <a16:creationId xmlns:a16="http://schemas.microsoft.com/office/drawing/2014/main" id="{65DB7D65-912F-3646-9771-04A35AC3567E}"/>
+              </a:ext>
+            </a:extLst>
+          </p:cNvPr>
+          <p:cNvSpPr txBox="1"/>
+          <p:nvPr/>
+        </p:nvSpPr>
+        <p:spPr>
+          <a:xfrm>
+            <a:off x="655745" y="1975311"/>
+            <a:ext cx="7804250" cy="430887"/>
+          </a:xfrm>
+          <a:prstGeom prst="rect">
+            <a:avLst/>
+          </a:prstGeom>
+          <a:noFill/>
+          <a:ln>
+            <a:noFill/>
+          </a:ln>
+        </p:spPr>
+        <p:txBody>
+          <a:bodyPr wrap="square" rtlCol="0" anchor="ctr">
+            <a:spAutoFit/>
+          </a:bodyPr>
+          <a:lstStyle/>
+          <a:p>
+            <a:r>
+              <a:rPr lang="en-US" altLang="ko-KR" sz="1200" b="1" dirty="0">
+                <a:solidFill>
+                  <a:schemeClr val="tx1">
+                    <a:lumMod val="75000"/>
+                    <a:lumOff val="25000"/>
+                  </a:schemeClr>
+                </a:solidFill>
+                <a:cs typeface="Arial" pitchFamily="34" charset="0"/>
+              </a:rPr>
+              <a:t>p</a:t>
+            </a:r>
+            <a:r>
+              <a:rPr lang="en-US" altLang="ko-KR" sz="1200" b="1" dirty="0" smtClean="0">
+                <a:solidFill>
+                  <a:schemeClr val="tx1">
+                    <a:lumMod val="75000"/>
+                    <a:lumOff val="25000"/>
+                  </a:schemeClr>
+                </a:solidFill>
+                <a:cs typeface="Arial" pitchFamily="34" charset="0"/>
+              </a:rPr>
+              <a:t>rovided - </a:t>
+            </a:r>
+            <a:r>
+              <a:rPr lang="en-US" altLang="ko-KR" sz="1000" dirty="0" smtClean="0">
+                <a:solidFill>
+                  <a:schemeClr val="tx1">
+                    <a:lumMod val="75000"/>
+                    <a:lumOff val="25000"/>
+                  </a:schemeClr>
+                </a:solidFill>
+                <a:cs typeface="Arial" pitchFamily="34" charset="0"/>
+              </a:rPr>
+              <a:t>This </a:t>
+            </a:r>
+            <a:r>
+              <a:rPr lang="en-US" altLang="ko-KR" sz="1000" dirty="0">
+                <a:solidFill>
+                  <a:schemeClr val="tx1">
+                    <a:lumMod val="75000"/>
+                    <a:lumOff val="25000"/>
+                  </a:schemeClr>
+                </a:solidFill>
+                <a:cs typeface="Arial" pitchFamily="34" charset="0"/>
+              </a:rPr>
+              <a:t>is much like compile, but indicates you expect the JDK or a container to provide the dependency at </a:t>
+            </a:r>
+            <a:r>
+              <a:rPr lang="en-US" altLang="ko-KR" sz="1000" dirty="0" smtClean="0">
+                <a:solidFill>
+                  <a:schemeClr val="tx1">
+                    <a:lumMod val="75000"/>
+                    <a:lumOff val="25000"/>
+                  </a:schemeClr>
+                </a:solidFill>
+                <a:cs typeface="Arial" pitchFamily="34" charset="0"/>
+              </a:rPr>
+              <a:t>runtime Like Servlet </a:t>
+            </a:r>
+            <a:r>
+              <a:rPr lang="en-US" altLang="ko-KR" sz="1000" dirty="0">
+                <a:solidFill>
+                  <a:schemeClr val="tx1">
+                    <a:lumMod val="75000"/>
+                    <a:lumOff val="25000"/>
+                  </a:schemeClr>
+                </a:solidFill>
+                <a:cs typeface="Arial" pitchFamily="34" charset="0"/>
+              </a:rPr>
+              <a:t>API and related Java EE </a:t>
+            </a:r>
+            <a:r>
+              <a:rPr lang="en-US" altLang="ko-KR" sz="1000" dirty="0" smtClean="0">
+                <a:solidFill>
+                  <a:schemeClr val="tx1">
+                    <a:lumMod val="75000"/>
+                    <a:lumOff val="25000"/>
+                  </a:schemeClr>
+                </a:solidFill>
+                <a:cs typeface="Arial" pitchFamily="34" charset="0"/>
+              </a:rPr>
+              <a:t>APIs to scope provided because the web container provides those classes.</a:t>
+            </a:r>
+            <a:endParaRPr lang="en-US" altLang="ko-KR" sz="1000" dirty="0">
+              <a:solidFill>
+                <a:schemeClr val="tx1">
+                  <a:lumMod val="75000"/>
+                  <a:lumOff val="25000"/>
+                </a:schemeClr>
+              </a:solidFill>
+              <a:cs typeface="Arial" pitchFamily="34" charset="0"/>
+            </a:endParaRPr>
+          </a:p>
+        </p:txBody>
+      </p:sp>
+      <p:sp>
+        <p:nvSpPr>
+          <p:cNvPr id="17" name="Donut 24">
+            <a:extLst>
+              <a:ext uri="{FF2B5EF4-FFF2-40B4-BE49-F238E27FC236}">
+                <a16:creationId xmlns:a16="http://schemas.microsoft.com/office/drawing/2014/main" id="{EEE11EE6-D605-3A49-B378-614F784B1410}"/>
+              </a:ext>
+            </a:extLst>
+          </p:cNvPr>
+          <p:cNvSpPr/>
+          <p:nvPr/>
+        </p:nvSpPr>
+        <p:spPr>
+          <a:xfrm>
+            <a:off x="463204" y="1600555"/>
+            <a:ext cx="192977" cy="194548"/>
+          </a:xfrm>
+          <a:custGeom>
+            <a:avLst/>
+            <a:gdLst/>
+            <a:ahLst/>
+            <a:cxnLst/>
+            <a:rect l="l" t="t" r="r" b="b"/>
+            <a:pathLst>
+              <a:path w="3208412" h="3234532">
+                <a:moveTo>
+                  <a:pt x="1561445" y="1065858"/>
+                </a:moveTo>
+                <a:cubicBezTo>
+                  <a:pt x="1654998" y="1065858"/>
+                  <a:pt x="1743610" y="1087015"/>
+                  <a:pt x="1821879" y="1126644"/>
+                </a:cubicBezTo>
+                <a:lnTo>
+                  <a:pt x="1611352" y="1337172"/>
+                </a:lnTo>
+                <a:cubicBezTo>
+                  <a:pt x="1595200" y="1333388"/>
+                  <a:pt x="1578468" y="1332141"/>
+                  <a:pt x="1561445" y="1332141"/>
+                </a:cubicBezTo>
+                <a:cubicBezTo>
+                  <a:pt x="1373145" y="1332141"/>
+                  <a:pt x="1220499" y="1484787"/>
+                  <a:pt x="1220499" y="1673087"/>
+                </a:cubicBezTo>
+                <a:cubicBezTo>
+                  <a:pt x="1220499" y="1861387"/>
+                  <a:pt x="1373145" y="2014033"/>
+                  <a:pt x="1561445" y="2014033"/>
+                </a:cubicBezTo>
+                <a:cubicBezTo>
+                  <a:pt x="1749745" y="2014033"/>
+                  <a:pt x="1902391" y="1861387"/>
+                  <a:pt x="1902391" y="1673087"/>
+                </a:cubicBezTo>
+                <a:cubicBezTo>
+                  <a:pt x="1902391" y="1643675"/>
+                  <a:pt x="1898667" y="1615133"/>
+                  <a:pt x="1890450" y="1588219"/>
+                </a:cubicBezTo>
+                <a:lnTo>
+                  <a:pt x="2093156" y="1385512"/>
+                </a:lnTo>
+                <a:cubicBezTo>
+                  <a:pt x="2142229" y="1470075"/>
+                  <a:pt x="2168674" y="1568493"/>
+                  <a:pt x="2168674" y="1673087"/>
+                </a:cubicBezTo>
+                <a:cubicBezTo>
+                  <a:pt x="2168674" y="2008450"/>
+                  <a:pt x="1896808" y="2280316"/>
+                  <a:pt x="1561445" y="2280316"/>
+                </a:cubicBezTo>
+                <a:cubicBezTo>
+                  <a:pt x="1226082" y="2280316"/>
+                  <a:pt x="954217" y="2008450"/>
+                  <a:pt x="954217" y="1673087"/>
+                </a:cubicBezTo>
+                <a:cubicBezTo>
+                  <a:pt x="954217" y="1337724"/>
+                  <a:pt x="1226082" y="1065858"/>
+                  <a:pt x="1561445" y="1065858"/>
+                </a:cubicBezTo>
+                <a:close/>
+                <a:moveTo>
+                  <a:pt x="1561445" y="580076"/>
+                </a:moveTo>
+                <a:cubicBezTo>
+                  <a:pt x="1790175" y="580076"/>
+                  <a:pt x="2002494" y="650333"/>
+                  <a:pt x="2177834" y="770690"/>
+                </a:cubicBezTo>
+                <a:lnTo>
+                  <a:pt x="1968030" y="980494"/>
+                </a:lnTo>
+                <a:cubicBezTo>
+                  <a:pt x="1849962" y="907198"/>
+                  <a:pt x="1710422" y="866794"/>
+                  <a:pt x="1561445" y="866794"/>
+                </a:cubicBezTo>
+                <a:cubicBezTo>
+                  <a:pt x="1116142" y="866794"/>
+                  <a:pt x="755153" y="1227784"/>
+                  <a:pt x="755153" y="1673087"/>
+                </a:cubicBezTo>
+                <a:cubicBezTo>
+                  <a:pt x="755153" y="2118390"/>
+                  <a:pt x="1116142" y="2479380"/>
+                  <a:pt x="1561445" y="2479380"/>
+                </a:cubicBezTo>
+                <a:cubicBezTo>
+                  <a:pt x="2006748" y="2479380"/>
+                  <a:pt x="2367738" y="2118390"/>
+                  <a:pt x="2367738" y="1673087"/>
+                </a:cubicBezTo>
+                <a:cubicBezTo>
+                  <a:pt x="2367738" y="1513043"/>
+                  <a:pt x="2321108" y="1363890"/>
+                  <a:pt x="2239307" y="1239362"/>
+                </a:cubicBezTo>
+                <a:lnTo>
+                  <a:pt x="2445928" y="1032741"/>
+                </a:lnTo>
+                <a:cubicBezTo>
+                  <a:pt x="2577451" y="1212149"/>
+                  <a:pt x="2654457" y="1433625"/>
+                  <a:pt x="2654457" y="1673087"/>
+                </a:cubicBezTo>
+                <a:cubicBezTo>
+                  <a:pt x="2654457" y="2276741"/>
+                  <a:pt x="2165099" y="2766099"/>
+                  <a:pt x="1561445" y="2766099"/>
+                </a:cubicBezTo>
+                <a:cubicBezTo>
+                  <a:pt x="957792" y="2766099"/>
+                  <a:pt x="468434" y="2276741"/>
+                  <a:pt x="468434" y="1673087"/>
+                </a:cubicBezTo>
+                <a:cubicBezTo>
+                  <a:pt x="468434" y="1069433"/>
+                  <a:pt x="957792" y="580076"/>
+                  <a:pt x="1561445" y="580076"/>
+                </a:cubicBezTo>
+                <a:close/>
+                <a:moveTo>
+                  <a:pt x="1561445" y="111642"/>
+                </a:moveTo>
+                <a:cubicBezTo>
+                  <a:pt x="1890473" y="111642"/>
+                  <a:pt x="2195731" y="213411"/>
+                  <a:pt x="2447076" y="387744"/>
+                </a:cubicBezTo>
+                <a:lnTo>
+                  <a:pt x="2453780" y="494744"/>
+                </a:lnTo>
+                <a:lnTo>
+                  <a:pt x="2309436" y="639088"/>
+                </a:lnTo>
+                <a:cubicBezTo>
+                  <a:pt x="2099826" y="485554"/>
+                  <a:pt x="1841132" y="395669"/>
+                  <a:pt x="1561445" y="395669"/>
+                </a:cubicBezTo>
+                <a:cubicBezTo>
+                  <a:pt x="855947" y="395669"/>
+                  <a:pt x="284027" y="967589"/>
+                  <a:pt x="284027" y="1673087"/>
+                </a:cubicBezTo>
+                <a:cubicBezTo>
+                  <a:pt x="284027" y="2378585"/>
+                  <a:pt x="855947" y="2950505"/>
+                  <a:pt x="1561445" y="2950505"/>
+                </a:cubicBezTo>
+                <a:cubicBezTo>
+                  <a:pt x="2266943" y="2950505"/>
+                  <a:pt x="2838863" y="2378585"/>
+                  <a:pt x="2838863" y="1673087"/>
+                </a:cubicBezTo>
+                <a:cubicBezTo>
+                  <a:pt x="2838863" y="1382650"/>
+                  <a:pt x="2741936" y="1114852"/>
+                  <a:pt x="2577529" y="901139"/>
+                </a:cubicBezTo>
+                <a:lnTo>
+                  <a:pt x="2706681" y="771988"/>
+                </a:lnTo>
+                <a:lnTo>
+                  <a:pt x="2841540" y="780437"/>
+                </a:lnTo>
+                <a:cubicBezTo>
+                  <a:pt x="3019168" y="1032973"/>
+                  <a:pt x="3122890" y="1340917"/>
+                  <a:pt x="3122890" y="1673087"/>
+                </a:cubicBezTo>
+                <a:cubicBezTo>
+                  <a:pt x="3122890" y="2535449"/>
+                  <a:pt x="2423807" y="3234532"/>
+                  <a:pt x="1561445" y="3234532"/>
+                </a:cubicBezTo>
+                <a:cubicBezTo>
+                  <a:pt x="699083" y="3234532"/>
+                  <a:pt x="0" y="2535449"/>
+                  <a:pt x="0" y="1673087"/>
+                </a:cubicBezTo>
+                <a:cubicBezTo>
+                  <a:pt x="0" y="810725"/>
+                  <a:pt x="699083" y="111642"/>
+                  <a:pt x="1561445" y="111642"/>
+                </a:cubicBezTo>
+                <a:close/>
+                <a:moveTo>
+                  <a:pt x="2909110" y="0"/>
+                </a:moveTo>
+                <a:lnTo>
+                  <a:pt x="2926757" y="281655"/>
+                </a:lnTo>
+                <a:lnTo>
+                  <a:pt x="3208412" y="299301"/>
+                </a:lnTo>
+                <a:lnTo>
+                  <a:pt x="2863230" y="644483"/>
+                </a:lnTo>
+                <a:lnTo>
+                  <a:pt x="2685547" y="633351"/>
+                </a:lnTo>
+                <a:lnTo>
+                  <a:pt x="1718098" y="1600799"/>
+                </a:lnTo>
+                <a:cubicBezTo>
+                  <a:pt x="1729236" y="1622491"/>
+                  <a:pt x="1734939" y="1647123"/>
+                  <a:pt x="1734939" y="1673087"/>
+                </a:cubicBezTo>
+                <a:cubicBezTo>
+                  <a:pt x="1734939" y="1768905"/>
+                  <a:pt x="1657263" y="1846581"/>
+                  <a:pt x="1561445" y="1846581"/>
+                </a:cubicBezTo>
+                <a:cubicBezTo>
+                  <a:pt x="1465627" y="1846581"/>
+                  <a:pt x="1387951" y="1768905"/>
+                  <a:pt x="1387951" y="1673087"/>
+                </a:cubicBezTo>
+                <a:cubicBezTo>
+                  <a:pt x="1387951" y="1577269"/>
+                  <a:pt x="1465627" y="1499593"/>
+                  <a:pt x="1561445" y="1499593"/>
+                </a:cubicBezTo>
+                <a:lnTo>
+                  <a:pt x="1591006" y="1505561"/>
+                </a:lnTo>
+                <a:lnTo>
+                  <a:pt x="2574981" y="521587"/>
+                </a:lnTo>
+                <a:lnTo>
+                  <a:pt x="2563928" y="345182"/>
+                </a:lnTo>
+                <a:close/>
+              </a:path>
+            </a:pathLst>
+          </a:custGeom>
+          <a:solidFill>
+            <a:schemeClr val="accent6">
+              <a:lumMod val="50000"/>
+            </a:schemeClr>
+          </a:solidFill>
+          <a:ln>
+            <a:noFill/>
+          </a:ln>
+          <a:effectLst>
+            <a:outerShdw blurRad="63500" sx="102000" sy="102000" algn="ctr" rotWithShape="0">
+              <a:prstClr val="black">
+                <a:alpha val="40000"/>
+              </a:prstClr>
+            </a:outerShdw>
+          </a:effectLst>
+        </p:spPr>
+        <p:style>
+          <a:lnRef idx="2">
+            <a:schemeClr val="accent1">
+              <a:shade val="50000"/>
+            </a:schemeClr>
+          </a:lnRef>
+          <a:fillRef idx="1">
+            <a:schemeClr val="accent1"/>
+          </a:fillRef>
+          <a:effectRef idx="0">
+            <a:schemeClr val="accent1"/>
+          </a:effectRef>
+          <a:fontRef idx="minor">
+            <a:schemeClr val="lt1"/>
+          </a:fontRef>
+        </p:style>
+        <p:txBody>
+          <a:bodyPr rtlCol="0" anchor="ctr"/>
+          <a:lstStyle/>
+          <a:p>
+            <a:pPr algn="ctr"/>
+            <a:endParaRPr lang="ko-KR" altLang="en-US" dirty="0">
+              <a:solidFill>
+                <a:schemeClr val="tx1"/>
+              </a:solidFill>
+            </a:endParaRPr>
+          </a:p>
+        </p:txBody>
+      </p:sp>
+      <p:sp>
+        <p:nvSpPr>
+          <p:cNvPr id="18" name="Donut 24">
+            <a:extLst>
+              <a:ext uri="{FF2B5EF4-FFF2-40B4-BE49-F238E27FC236}">
+                <a16:creationId xmlns:a16="http://schemas.microsoft.com/office/drawing/2014/main" id="{248026DE-A427-1048-8C80-BDBB2A303FE9}"/>
+              </a:ext>
+            </a:extLst>
+          </p:cNvPr>
+          <p:cNvSpPr/>
+          <p:nvPr/>
+        </p:nvSpPr>
+        <p:spPr>
+          <a:xfrm>
+            <a:off x="449074" y="2029935"/>
+            <a:ext cx="192977" cy="194548"/>
+          </a:xfrm>
+          <a:custGeom>
+            <a:avLst/>
+            <a:gdLst/>
+            <a:ahLst/>
+            <a:cxnLst/>
+            <a:rect l="l" t="t" r="r" b="b"/>
+            <a:pathLst>
+              <a:path w="3208412" h="3234532">
+                <a:moveTo>
+                  <a:pt x="1561445" y="1065858"/>
+                </a:moveTo>
+                <a:cubicBezTo>
+                  <a:pt x="1654998" y="1065858"/>
+                  <a:pt x="1743610" y="1087015"/>
+                  <a:pt x="1821879" y="1126644"/>
+                </a:cubicBezTo>
+                <a:lnTo>
+                  <a:pt x="1611352" y="1337172"/>
+                </a:lnTo>
+                <a:cubicBezTo>
+                  <a:pt x="1595200" y="1333388"/>
+                  <a:pt x="1578468" y="1332141"/>
+                  <a:pt x="1561445" y="1332141"/>
+                </a:cubicBezTo>
+                <a:cubicBezTo>
+                  <a:pt x="1373145" y="1332141"/>
+                  <a:pt x="1220499" y="1484787"/>
+                  <a:pt x="1220499" y="1673087"/>
+                </a:cubicBezTo>
+                <a:cubicBezTo>
+                  <a:pt x="1220499" y="1861387"/>
+                  <a:pt x="1373145" y="2014033"/>
+                  <a:pt x="1561445" y="2014033"/>
+                </a:cubicBezTo>
+                <a:cubicBezTo>
+                  <a:pt x="1749745" y="2014033"/>
+                  <a:pt x="1902391" y="1861387"/>
+                  <a:pt x="1902391" y="1673087"/>
+                </a:cubicBezTo>
+                <a:cubicBezTo>
+                  <a:pt x="1902391" y="1643675"/>
+                  <a:pt x="1898667" y="1615133"/>
+                  <a:pt x="1890450" y="1588219"/>
+                </a:cubicBezTo>
+                <a:lnTo>
+                  <a:pt x="2093156" y="1385512"/>
+                </a:lnTo>
+                <a:cubicBezTo>
+                  <a:pt x="2142229" y="1470075"/>
+                  <a:pt x="2168674" y="1568493"/>
+                  <a:pt x="2168674" y="1673087"/>
+                </a:cubicBezTo>
+                <a:cubicBezTo>
+                  <a:pt x="2168674" y="2008450"/>
+                  <a:pt x="1896808" y="2280316"/>
+                  <a:pt x="1561445" y="2280316"/>
+                </a:cubicBezTo>
+                <a:cubicBezTo>
+                  <a:pt x="1226082" y="2280316"/>
+                  <a:pt x="954217" y="2008450"/>
+                  <a:pt x="954217" y="1673087"/>
+                </a:cubicBezTo>
+                <a:cubicBezTo>
+                  <a:pt x="954217" y="1337724"/>
+                  <a:pt x="1226082" y="1065858"/>
+                  <a:pt x="1561445" y="1065858"/>
+                </a:cubicBezTo>
+                <a:close/>
+                <a:moveTo>
+                  <a:pt x="1561445" y="580076"/>
+                </a:moveTo>
+                <a:cubicBezTo>
+                  <a:pt x="1790175" y="580076"/>
+                  <a:pt x="2002494" y="650333"/>
+                  <a:pt x="2177834" y="770690"/>
+                </a:cubicBezTo>
+                <a:lnTo>
+                  <a:pt x="1968030" y="980494"/>
+                </a:lnTo>
+                <a:cubicBezTo>
+                  <a:pt x="1849962" y="907198"/>
+                  <a:pt x="1710422" y="866794"/>
+                  <a:pt x="1561445" y="866794"/>
+                </a:cubicBezTo>
+                <a:cubicBezTo>
+                  <a:pt x="1116142" y="866794"/>
+                  <a:pt x="755153" y="1227784"/>
+                  <a:pt x="755153" y="1673087"/>
+                </a:cubicBezTo>
+                <a:cubicBezTo>
+                  <a:pt x="755153" y="2118390"/>
+                  <a:pt x="1116142" y="2479380"/>
+                  <a:pt x="1561445" y="2479380"/>
+                </a:cubicBezTo>
+                <a:cubicBezTo>
+                  <a:pt x="2006748" y="2479380"/>
+                  <a:pt x="2367738" y="2118390"/>
+                  <a:pt x="2367738" y="1673087"/>
+                </a:cubicBezTo>
+                <a:cubicBezTo>
+                  <a:pt x="2367738" y="1513043"/>
+                  <a:pt x="2321108" y="1363890"/>
+                  <a:pt x="2239307" y="1239362"/>
+                </a:cubicBezTo>
+                <a:lnTo>
+                  <a:pt x="2445928" y="1032741"/>
+                </a:lnTo>
+                <a:cubicBezTo>
+                  <a:pt x="2577451" y="1212149"/>
+                  <a:pt x="2654457" y="1433625"/>
+                  <a:pt x="2654457" y="1673087"/>
+                </a:cubicBezTo>
+                <a:cubicBezTo>
+                  <a:pt x="2654457" y="2276741"/>
+                  <a:pt x="2165099" y="2766099"/>
+                  <a:pt x="1561445" y="2766099"/>
+                </a:cubicBezTo>
+                <a:cubicBezTo>
+                  <a:pt x="957792" y="2766099"/>
+                  <a:pt x="468434" y="2276741"/>
+                  <a:pt x="468434" y="1673087"/>
+                </a:cubicBezTo>
+                <a:cubicBezTo>
+                  <a:pt x="468434" y="1069433"/>
+                  <a:pt x="957792" y="580076"/>
+                  <a:pt x="1561445" y="580076"/>
+                </a:cubicBezTo>
+                <a:close/>
+                <a:moveTo>
+                  <a:pt x="1561445" y="111642"/>
+                </a:moveTo>
+                <a:cubicBezTo>
+                  <a:pt x="1890473" y="111642"/>
+                  <a:pt x="2195731" y="213411"/>
+                  <a:pt x="2447076" y="387744"/>
+                </a:cubicBezTo>
+                <a:lnTo>
+                  <a:pt x="2453780" y="494744"/>
+                </a:lnTo>
+                <a:lnTo>
+                  <a:pt x="2309436" y="639088"/>
+                </a:lnTo>
+                <a:cubicBezTo>
+                  <a:pt x="2099826" y="485554"/>
+                  <a:pt x="1841132" y="395669"/>
+                  <a:pt x="1561445" y="395669"/>
+                </a:cubicBezTo>
+                <a:cubicBezTo>
+                  <a:pt x="855947" y="395669"/>
+                  <a:pt x="284027" y="967589"/>
+                  <a:pt x="284027" y="1673087"/>
+                </a:cubicBezTo>
+                <a:cubicBezTo>
+                  <a:pt x="284027" y="2378585"/>
+                  <a:pt x="855947" y="2950505"/>
+                  <a:pt x="1561445" y="2950505"/>
+                </a:cubicBezTo>
+                <a:cubicBezTo>
+                  <a:pt x="2266943" y="2950505"/>
+                  <a:pt x="2838863" y="2378585"/>
+                  <a:pt x="2838863" y="1673087"/>
+                </a:cubicBezTo>
+                <a:cubicBezTo>
+                  <a:pt x="2838863" y="1382650"/>
+                  <a:pt x="2741936" y="1114852"/>
+                  <a:pt x="2577529" y="901139"/>
+                </a:cubicBezTo>
+                <a:lnTo>
+                  <a:pt x="2706681" y="771988"/>
+                </a:lnTo>
+                <a:lnTo>
+                  <a:pt x="2841540" y="780437"/>
+                </a:lnTo>
+                <a:cubicBezTo>
+                  <a:pt x="3019168" y="1032973"/>
+                  <a:pt x="3122890" y="1340917"/>
+                  <a:pt x="3122890" y="1673087"/>
+                </a:cubicBezTo>
+                <a:cubicBezTo>
+                  <a:pt x="3122890" y="2535449"/>
+                  <a:pt x="2423807" y="3234532"/>
+                  <a:pt x="1561445" y="3234532"/>
+                </a:cubicBezTo>
+                <a:cubicBezTo>
+                  <a:pt x="699083" y="3234532"/>
+                  <a:pt x="0" y="2535449"/>
+                  <a:pt x="0" y="1673087"/>
+                </a:cubicBezTo>
+                <a:cubicBezTo>
+                  <a:pt x="0" y="810725"/>
+                  <a:pt x="699083" y="111642"/>
+                  <a:pt x="1561445" y="111642"/>
+                </a:cubicBezTo>
+                <a:close/>
+                <a:moveTo>
+                  <a:pt x="2909110" y="0"/>
+                </a:moveTo>
+                <a:lnTo>
+                  <a:pt x="2926757" y="281655"/>
+                </a:lnTo>
+                <a:lnTo>
+                  <a:pt x="3208412" y="299301"/>
+                </a:lnTo>
+                <a:lnTo>
+                  <a:pt x="2863230" y="644483"/>
+                </a:lnTo>
+                <a:lnTo>
+                  <a:pt x="2685547" y="633351"/>
+                </a:lnTo>
+                <a:lnTo>
+                  <a:pt x="1718098" y="1600799"/>
+                </a:lnTo>
+                <a:cubicBezTo>
+                  <a:pt x="1729236" y="1622491"/>
+                  <a:pt x="1734939" y="1647123"/>
+                  <a:pt x="1734939" y="1673087"/>
+                </a:cubicBezTo>
+                <a:cubicBezTo>
+                  <a:pt x="1734939" y="1768905"/>
+                  <a:pt x="1657263" y="1846581"/>
+                  <a:pt x="1561445" y="1846581"/>
+                </a:cubicBezTo>
+                <a:cubicBezTo>
+                  <a:pt x="1465627" y="1846581"/>
+                  <a:pt x="1387951" y="1768905"/>
+                  <a:pt x="1387951" y="1673087"/>
+                </a:cubicBezTo>
+                <a:cubicBezTo>
+                  <a:pt x="1387951" y="1577269"/>
+                  <a:pt x="1465627" y="1499593"/>
+                  <a:pt x="1561445" y="1499593"/>
+                </a:cubicBezTo>
+                <a:lnTo>
+                  <a:pt x="1591006" y="1505561"/>
+                </a:lnTo>
+                <a:lnTo>
+                  <a:pt x="2574981" y="521587"/>
+                </a:lnTo>
+                <a:lnTo>
+                  <a:pt x="2563928" y="345182"/>
+                </a:lnTo>
+                <a:close/>
+              </a:path>
+            </a:pathLst>
+          </a:custGeom>
+          <a:solidFill>
+            <a:schemeClr val="accent6">
+              <a:lumMod val="50000"/>
+            </a:schemeClr>
+          </a:solidFill>
+          <a:ln>
+            <a:noFill/>
+          </a:ln>
+          <a:effectLst>
+            <a:outerShdw blurRad="63500" sx="102000" sy="102000" algn="ctr" rotWithShape="0">
+              <a:prstClr val="black">
+                <a:alpha val="40000"/>
+              </a:prstClr>
+            </a:outerShdw>
+          </a:effectLst>
+        </p:spPr>
+        <p:style>
+          <a:lnRef idx="2">
+            <a:schemeClr val="accent1">
+              <a:shade val="50000"/>
+            </a:schemeClr>
+          </a:lnRef>
+          <a:fillRef idx="1">
+            <a:schemeClr val="accent1"/>
+          </a:fillRef>
+          <a:effectRef idx="0">
+            <a:schemeClr val="accent1"/>
+          </a:effectRef>
+          <a:fontRef idx="minor">
+            <a:schemeClr val="lt1"/>
+          </a:fontRef>
+        </p:style>
+        <p:txBody>
+          <a:bodyPr rtlCol="0" anchor="ctr"/>
+          <a:lstStyle/>
+          <a:p>
+            <a:pPr algn="ctr"/>
+            <a:endParaRPr lang="ko-KR" altLang="en-US" dirty="0">
+              <a:solidFill>
+                <a:schemeClr val="tx1"/>
+              </a:solidFill>
+            </a:endParaRPr>
+          </a:p>
+        </p:txBody>
+      </p:sp>
+      <p:sp>
+        <p:nvSpPr>
+          <p:cNvPr id="25" name="TextBox 24">
+            <a:extLst>
+              <a:ext uri="{FF2B5EF4-FFF2-40B4-BE49-F238E27FC236}">
+                <a16:creationId xmlns:a16="http://schemas.microsoft.com/office/drawing/2014/main" id="{A6BCA9BD-0C74-BC42-BC62-50967A3FAD92}"/>
+              </a:ext>
+            </a:extLst>
+          </p:cNvPr>
+          <p:cNvSpPr txBox="1"/>
+          <p:nvPr/>
+        </p:nvSpPr>
+        <p:spPr>
+          <a:xfrm>
+            <a:off x="649254" y="2491791"/>
+            <a:ext cx="7804250" cy="430887"/>
+          </a:xfrm>
+          <a:prstGeom prst="rect">
+            <a:avLst/>
+          </a:prstGeom>
+          <a:noFill/>
+          <a:ln>
+            <a:noFill/>
+          </a:ln>
+        </p:spPr>
+        <p:txBody>
+          <a:bodyPr wrap="square" rtlCol="0" anchor="ctr">
+            <a:spAutoFit/>
+          </a:bodyPr>
+          <a:lstStyle/>
+          <a:p>
+            <a:pPr algn="just"/>
+            <a:r>
+              <a:rPr lang="en-US" altLang="ko-KR" sz="1200" b="1" dirty="0">
+                <a:solidFill>
+                  <a:schemeClr val="tx1">
+                    <a:lumMod val="75000"/>
+                    <a:lumOff val="25000"/>
+                  </a:schemeClr>
+                </a:solidFill>
+                <a:cs typeface="Arial" pitchFamily="34" charset="0"/>
+              </a:rPr>
+              <a:t>runtime </a:t>
+            </a:r>
+            <a:r>
+              <a:rPr lang="en-US" altLang="ko-KR" sz="1200" b="1" dirty="0" smtClean="0">
+                <a:solidFill>
+                  <a:schemeClr val="tx1">
+                    <a:lumMod val="75000"/>
+                    <a:lumOff val="25000"/>
+                  </a:schemeClr>
+                </a:solidFill>
+                <a:cs typeface="Arial" pitchFamily="34" charset="0"/>
+              </a:rPr>
+              <a:t>- </a:t>
+            </a:r>
+            <a:r>
+              <a:rPr lang="en-US" altLang="ko-KR" sz="1000" dirty="0">
+                <a:solidFill>
+                  <a:schemeClr val="tx1">
+                    <a:lumMod val="75000"/>
+                    <a:lumOff val="25000"/>
+                  </a:schemeClr>
+                </a:solidFill>
+                <a:cs typeface="Arial" pitchFamily="34" charset="0"/>
+              </a:rPr>
+              <a:t>This scope indicates that the dependency is not required for compilation, but is for execution. It is in the runtime and test classpaths, but not the compile classpath</a:t>
+            </a:r>
+            <a:r>
+              <a:rPr lang="en-US" altLang="ko-KR" sz="1000" dirty="0" smtClean="0">
+                <a:solidFill>
+                  <a:schemeClr val="tx1">
+                    <a:lumMod val="75000"/>
+                    <a:lumOff val="25000"/>
+                  </a:schemeClr>
+                </a:solidFill>
+                <a:cs typeface="Arial" pitchFamily="34" charset="0"/>
+              </a:rPr>
+              <a:t>. Like JDBC Driver.</a:t>
+            </a:r>
+            <a:endParaRPr lang="en-US" altLang="ko-KR" sz="1000" b="1" dirty="0">
+              <a:solidFill>
+                <a:schemeClr val="tx1">
+                  <a:lumMod val="75000"/>
+                  <a:lumOff val="25000"/>
+                </a:schemeClr>
+              </a:solidFill>
+              <a:cs typeface="Arial" pitchFamily="34" charset="0"/>
+            </a:endParaRPr>
+          </a:p>
+        </p:txBody>
+      </p:sp>
+      <p:sp>
+        <p:nvSpPr>
+          <p:cNvPr id="26" name="Donut 24">
+            <a:extLst>
+              <a:ext uri="{FF2B5EF4-FFF2-40B4-BE49-F238E27FC236}">
+                <a16:creationId xmlns:a16="http://schemas.microsoft.com/office/drawing/2014/main" id="{EEE11EE6-D605-3A49-B378-614F784B1410}"/>
+              </a:ext>
+            </a:extLst>
+          </p:cNvPr>
+          <p:cNvSpPr/>
+          <p:nvPr/>
+        </p:nvSpPr>
+        <p:spPr>
+          <a:xfrm>
+            <a:off x="476559" y="2586407"/>
+            <a:ext cx="192977" cy="194548"/>
+          </a:xfrm>
+          <a:custGeom>
+            <a:avLst/>
+            <a:gdLst/>
+            <a:ahLst/>
+            <a:cxnLst/>
+            <a:rect l="l" t="t" r="r" b="b"/>
+            <a:pathLst>
+              <a:path w="3208412" h="3234532">
+                <a:moveTo>
+                  <a:pt x="1561445" y="1065858"/>
+                </a:moveTo>
+                <a:cubicBezTo>
+                  <a:pt x="1654998" y="1065858"/>
+                  <a:pt x="1743610" y="1087015"/>
+                  <a:pt x="1821879" y="1126644"/>
+                </a:cubicBezTo>
+                <a:lnTo>
+                  <a:pt x="1611352" y="1337172"/>
+                </a:lnTo>
+                <a:cubicBezTo>
+                  <a:pt x="1595200" y="1333388"/>
+                  <a:pt x="1578468" y="1332141"/>
+                  <a:pt x="1561445" y="1332141"/>
+                </a:cubicBezTo>
+                <a:cubicBezTo>
+                  <a:pt x="1373145" y="1332141"/>
+                  <a:pt x="1220499" y="1484787"/>
+                  <a:pt x="1220499" y="1673087"/>
+                </a:cubicBezTo>
+                <a:cubicBezTo>
+                  <a:pt x="1220499" y="1861387"/>
+                  <a:pt x="1373145" y="2014033"/>
+                  <a:pt x="1561445" y="2014033"/>
+                </a:cubicBezTo>
+                <a:cubicBezTo>
+                  <a:pt x="1749745" y="2014033"/>
+                  <a:pt x="1902391" y="1861387"/>
+                  <a:pt x="1902391" y="1673087"/>
+                </a:cubicBezTo>
+                <a:cubicBezTo>
+                  <a:pt x="1902391" y="1643675"/>
+                  <a:pt x="1898667" y="1615133"/>
+                  <a:pt x="1890450" y="1588219"/>
+                </a:cubicBezTo>
+                <a:lnTo>
+                  <a:pt x="2093156" y="1385512"/>
+                </a:lnTo>
+                <a:cubicBezTo>
+                  <a:pt x="2142229" y="1470075"/>
+                  <a:pt x="2168674" y="1568493"/>
+                  <a:pt x="2168674" y="1673087"/>
+                </a:cubicBezTo>
+                <a:cubicBezTo>
+                  <a:pt x="2168674" y="2008450"/>
+                  <a:pt x="1896808" y="2280316"/>
+                  <a:pt x="1561445" y="2280316"/>
+                </a:cubicBezTo>
+                <a:cubicBezTo>
+                  <a:pt x="1226082" y="2280316"/>
+                  <a:pt x="954217" y="2008450"/>
+                  <a:pt x="954217" y="1673087"/>
+                </a:cubicBezTo>
+                <a:cubicBezTo>
+                  <a:pt x="954217" y="1337724"/>
+                  <a:pt x="1226082" y="1065858"/>
+                  <a:pt x="1561445" y="1065858"/>
+                </a:cubicBezTo>
+                <a:close/>
+                <a:moveTo>
+                  <a:pt x="1561445" y="580076"/>
+                </a:moveTo>
+                <a:cubicBezTo>
+                  <a:pt x="1790175" y="580076"/>
+                  <a:pt x="2002494" y="650333"/>
+                  <a:pt x="2177834" y="770690"/>
+                </a:cubicBezTo>
+                <a:lnTo>
+                  <a:pt x="1968030" y="980494"/>
+                </a:lnTo>
+                <a:cubicBezTo>
+                  <a:pt x="1849962" y="907198"/>
+                  <a:pt x="1710422" y="866794"/>
+                  <a:pt x="1561445" y="866794"/>
+                </a:cubicBezTo>
+                <a:cubicBezTo>
+                  <a:pt x="1116142" y="866794"/>
+                  <a:pt x="755153" y="1227784"/>
+                  <a:pt x="755153" y="1673087"/>
+                </a:cubicBezTo>
+                <a:cubicBezTo>
+                  <a:pt x="755153" y="2118390"/>
+                  <a:pt x="1116142" y="2479380"/>
+                  <a:pt x="1561445" y="2479380"/>
+                </a:cubicBezTo>
+                <a:cubicBezTo>
+                  <a:pt x="2006748" y="2479380"/>
+                  <a:pt x="2367738" y="2118390"/>
+                  <a:pt x="2367738" y="1673087"/>
+                </a:cubicBezTo>
+                <a:cubicBezTo>
+                  <a:pt x="2367738" y="1513043"/>
+                  <a:pt x="2321108" y="1363890"/>
+                  <a:pt x="2239307" y="1239362"/>
+                </a:cubicBezTo>
+                <a:lnTo>
+                  <a:pt x="2445928" y="1032741"/>
+                </a:lnTo>
+                <a:cubicBezTo>
+                  <a:pt x="2577451" y="1212149"/>
+                  <a:pt x="2654457" y="1433625"/>
+                  <a:pt x="2654457" y="1673087"/>
+                </a:cubicBezTo>
+                <a:cubicBezTo>
+                  <a:pt x="2654457" y="2276741"/>
+                  <a:pt x="2165099" y="2766099"/>
+                  <a:pt x="1561445" y="2766099"/>
+                </a:cubicBezTo>
+                <a:cubicBezTo>
+                  <a:pt x="957792" y="2766099"/>
+                  <a:pt x="468434" y="2276741"/>
+                  <a:pt x="468434" y="1673087"/>
+                </a:cubicBezTo>
+                <a:cubicBezTo>
+                  <a:pt x="468434" y="1069433"/>
+                  <a:pt x="957792" y="580076"/>
+                  <a:pt x="1561445" y="580076"/>
+                </a:cubicBezTo>
+                <a:close/>
+                <a:moveTo>
+                  <a:pt x="1561445" y="111642"/>
+                </a:moveTo>
+                <a:cubicBezTo>
+                  <a:pt x="1890473" y="111642"/>
+                  <a:pt x="2195731" y="213411"/>
+                  <a:pt x="2447076" y="387744"/>
+                </a:cubicBezTo>
+                <a:lnTo>
+                  <a:pt x="2453780" y="494744"/>
+                </a:lnTo>
+                <a:lnTo>
+                  <a:pt x="2309436" y="639088"/>
+                </a:lnTo>
+                <a:cubicBezTo>
+                  <a:pt x="2099826" y="485554"/>
+                  <a:pt x="1841132" y="395669"/>
+                  <a:pt x="1561445" y="395669"/>
+                </a:cubicBezTo>
+                <a:cubicBezTo>
+                  <a:pt x="855947" y="395669"/>
+                  <a:pt x="284027" y="967589"/>
+                  <a:pt x="284027" y="1673087"/>
+                </a:cubicBezTo>
+                <a:cubicBezTo>
+                  <a:pt x="284027" y="2378585"/>
+                  <a:pt x="855947" y="2950505"/>
+                  <a:pt x="1561445" y="2950505"/>
+                </a:cubicBezTo>
+                <a:cubicBezTo>
+                  <a:pt x="2266943" y="2950505"/>
+                  <a:pt x="2838863" y="2378585"/>
+                  <a:pt x="2838863" y="1673087"/>
+                </a:cubicBezTo>
+                <a:cubicBezTo>
+                  <a:pt x="2838863" y="1382650"/>
+                  <a:pt x="2741936" y="1114852"/>
+                  <a:pt x="2577529" y="901139"/>
+                </a:cubicBezTo>
+                <a:lnTo>
+                  <a:pt x="2706681" y="771988"/>
+                </a:lnTo>
+                <a:lnTo>
+                  <a:pt x="2841540" y="780437"/>
+                </a:lnTo>
+                <a:cubicBezTo>
+                  <a:pt x="3019168" y="1032973"/>
+                  <a:pt x="3122890" y="1340917"/>
+                  <a:pt x="3122890" y="1673087"/>
+                </a:cubicBezTo>
+                <a:cubicBezTo>
+                  <a:pt x="3122890" y="2535449"/>
+                  <a:pt x="2423807" y="3234532"/>
+                  <a:pt x="1561445" y="3234532"/>
+                </a:cubicBezTo>
+                <a:cubicBezTo>
+                  <a:pt x="699083" y="3234532"/>
+                  <a:pt x="0" y="2535449"/>
+                  <a:pt x="0" y="1673087"/>
+                </a:cubicBezTo>
+                <a:cubicBezTo>
+                  <a:pt x="0" y="810725"/>
+                  <a:pt x="699083" y="111642"/>
+                  <a:pt x="1561445" y="111642"/>
+                </a:cubicBezTo>
+                <a:close/>
+                <a:moveTo>
+                  <a:pt x="2909110" y="0"/>
+                </a:moveTo>
+                <a:lnTo>
+                  <a:pt x="2926757" y="281655"/>
+                </a:lnTo>
+                <a:lnTo>
+                  <a:pt x="3208412" y="299301"/>
+                </a:lnTo>
+                <a:lnTo>
+                  <a:pt x="2863230" y="644483"/>
+                </a:lnTo>
+                <a:lnTo>
+                  <a:pt x="2685547" y="633351"/>
+                </a:lnTo>
+                <a:lnTo>
+                  <a:pt x="1718098" y="1600799"/>
+                </a:lnTo>
+                <a:cubicBezTo>
+                  <a:pt x="1729236" y="1622491"/>
+                  <a:pt x="1734939" y="1647123"/>
+                  <a:pt x="1734939" y="1673087"/>
+                </a:cubicBezTo>
+                <a:cubicBezTo>
+                  <a:pt x="1734939" y="1768905"/>
+                  <a:pt x="1657263" y="1846581"/>
+                  <a:pt x="1561445" y="1846581"/>
+                </a:cubicBezTo>
+                <a:cubicBezTo>
+                  <a:pt x="1465627" y="1846581"/>
+                  <a:pt x="1387951" y="1768905"/>
+                  <a:pt x="1387951" y="1673087"/>
+                </a:cubicBezTo>
+                <a:cubicBezTo>
+                  <a:pt x="1387951" y="1577269"/>
+                  <a:pt x="1465627" y="1499593"/>
+                  <a:pt x="1561445" y="1499593"/>
+                </a:cubicBezTo>
+                <a:lnTo>
+                  <a:pt x="1591006" y="1505561"/>
+                </a:lnTo>
+                <a:lnTo>
+                  <a:pt x="2574981" y="521587"/>
+                </a:lnTo>
+                <a:lnTo>
+                  <a:pt x="2563928" y="345182"/>
+                </a:lnTo>
+                <a:close/>
+              </a:path>
+            </a:pathLst>
+          </a:custGeom>
+          <a:solidFill>
+            <a:schemeClr val="accent6">
+              <a:lumMod val="50000"/>
+            </a:schemeClr>
+          </a:solidFill>
+          <a:ln>
+            <a:noFill/>
+          </a:ln>
+          <a:effectLst>
+            <a:outerShdw blurRad="63500" sx="102000" sy="102000" algn="ctr" rotWithShape="0">
+              <a:prstClr val="black">
+                <a:alpha val="40000"/>
+              </a:prstClr>
+            </a:outerShdw>
+          </a:effectLst>
+        </p:spPr>
+        <p:style>
+          <a:lnRef idx="2">
+            <a:schemeClr val="accent1">
+              <a:shade val="50000"/>
+            </a:schemeClr>
+          </a:lnRef>
+          <a:fillRef idx="1">
+            <a:schemeClr val="accent1"/>
+          </a:fillRef>
+          <a:effectRef idx="0">
+            <a:schemeClr val="accent1"/>
+          </a:effectRef>
+          <a:fontRef idx="minor">
+            <a:schemeClr val="lt1"/>
+          </a:fontRef>
+        </p:style>
+        <p:txBody>
+          <a:bodyPr rtlCol="0" anchor="ctr"/>
+          <a:lstStyle/>
+          <a:p>
+            <a:pPr algn="ctr"/>
+            <a:endParaRPr lang="ko-KR" altLang="en-US" dirty="0">
+              <a:solidFill>
+                <a:schemeClr val="tx1"/>
+              </a:solidFill>
+            </a:endParaRPr>
+          </a:p>
+        </p:txBody>
+      </p:sp>
+      <p:sp>
+        <p:nvSpPr>
+          <p:cNvPr id="27" name="TextBox 26">
+            <a:extLst>
+              <a:ext uri="{FF2B5EF4-FFF2-40B4-BE49-F238E27FC236}">
+                <a16:creationId xmlns:a16="http://schemas.microsoft.com/office/drawing/2014/main" id="{A6BCA9BD-0C74-BC42-BC62-50967A3FAD92}"/>
+              </a:ext>
+            </a:extLst>
+          </p:cNvPr>
+          <p:cNvSpPr txBox="1"/>
+          <p:nvPr/>
+        </p:nvSpPr>
+        <p:spPr>
+          <a:xfrm>
+            <a:off x="656181" y="3030392"/>
+            <a:ext cx="7804250" cy="430887"/>
+          </a:xfrm>
+          <a:prstGeom prst="rect">
+            <a:avLst/>
+          </a:prstGeom>
+          <a:noFill/>
+          <a:ln>
+            <a:noFill/>
+          </a:ln>
+        </p:spPr>
+        <p:txBody>
+          <a:bodyPr wrap="square" rtlCol="0" anchor="ctr">
+            <a:spAutoFit/>
+          </a:bodyPr>
+          <a:lstStyle/>
+          <a:p>
+            <a:pPr algn="just"/>
+            <a:r>
+              <a:rPr lang="en-US" altLang="ko-KR" sz="1200" b="1" dirty="0" smtClean="0">
+                <a:solidFill>
+                  <a:schemeClr val="tx1">
+                    <a:lumMod val="75000"/>
+                    <a:lumOff val="25000"/>
+                  </a:schemeClr>
+                </a:solidFill>
+                <a:cs typeface="Arial" pitchFamily="34" charset="0"/>
+              </a:rPr>
+              <a:t>test - </a:t>
+            </a:r>
+            <a:r>
+              <a:rPr lang="en-US" altLang="ko-KR" sz="1000" dirty="0">
+                <a:solidFill>
+                  <a:schemeClr val="tx1">
+                    <a:lumMod val="75000"/>
+                    <a:lumOff val="25000"/>
+                  </a:schemeClr>
+                </a:solidFill>
+                <a:cs typeface="Arial" pitchFamily="34" charset="0"/>
+              </a:rPr>
+              <a:t>This scope indicates that the dependency is not required for normal use of the application, and is only available for the test compilation and execution phases. This scope is not transitive</a:t>
+            </a:r>
+            <a:r>
+              <a:rPr lang="en-US" altLang="ko-KR" sz="1000" dirty="0" smtClean="0">
+                <a:solidFill>
+                  <a:schemeClr val="tx1">
+                    <a:lumMod val="75000"/>
+                    <a:lumOff val="25000"/>
+                  </a:schemeClr>
+                </a:solidFill>
+                <a:cs typeface="Arial" pitchFamily="34" charset="0"/>
+              </a:rPr>
+              <a:t>.</a:t>
+            </a:r>
+            <a:endParaRPr lang="en-US" altLang="ko-KR" sz="1000" b="1" dirty="0">
+              <a:solidFill>
+                <a:schemeClr val="tx1">
+                  <a:lumMod val="75000"/>
+                  <a:lumOff val="25000"/>
+                </a:schemeClr>
+              </a:solidFill>
+              <a:cs typeface="Arial" pitchFamily="34" charset="0"/>
+            </a:endParaRPr>
+          </a:p>
+        </p:txBody>
+      </p:sp>
+      <p:sp>
+        <p:nvSpPr>
+          <p:cNvPr id="28" name="Donut 24">
+            <a:extLst>
+              <a:ext uri="{FF2B5EF4-FFF2-40B4-BE49-F238E27FC236}">
+                <a16:creationId xmlns:a16="http://schemas.microsoft.com/office/drawing/2014/main" id="{EEE11EE6-D605-3A49-B378-614F784B1410}"/>
+              </a:ext>
+            </a:extLst>
+          </p:cNvPr>
+          <p:cNvSpPr/>
+          <p:nvPr/>
+        </p:nvSpPr>
+        <p:spPr>
+          <a:xfrm>
+            <a:off x="463203" y="3087888"/>
+            <a:ext cx="192977" cy="194548"/>
+          </a:xfrm>
+          <a:custGeom>
+            <a:avLst/>
+            <a:gdLst/>
+            <a:ahLst/>
+            <a:cxnLst/>
+            <a:rect l="l" t="t" r="r" b="b"/>
+            <a:pathLst>
+              <a:path w="3208412" h="3234532">
+                <a:moveTo>
+                  <a:pt x="1561445" y="1065858"/>
+                </a:moveTo>
+                <a:cubicBezTo>
+                  <a:pt x="1654998" y="1065858"/>
+                  <a:pt x="1743610" y="1087015"/>
+                  <a:pt x="1821879" y="1126644"/>
+                </a:cubicBezTo>
+                <a:lnTo>
+                  <a:pt x="1611352" y="1337172"/>
+                </a:lnTo>
+                <a:cubicBezTo>
+                  <a:pt x="1595200" y="1333388"/>
+                  <a:pt x="1578468" y="1332141"/>
+                  <a:pt x="1561445" y="1332141"/>
+                </a:cubicBezTo>
+                <a:cubicBezTo>
+                  <a:pt x="1373145" y="1332141"/>
+                  <a:pt x="1220499" y="1484787"/>
+                  <a:pt x="1220499" y="1673087"/>
+                </a:cubicBezTo>
+                <a:cubicBezTo>
+                  <a:pt x="1220499" y="1861387"/>
+                  <a:pt x="1373145" y="2014033"/>
+                  <a:pt x="1561445" y="2014033"/>
+                </a:cubicBezTo>
+                <a:cubicBezTo>
+                  <a:pt x="1749745" y="2014033"/>
+                  <a:pt x="1902391" y="1861387"/>
+                  <a:pt x="1902391" y="1673087"/>
+                </a:cubicBezTo>
+                <a:cubicBezTo>
+                  <a:pt x="1902391" y="1643675"/>
+                  <a:pt x="1898667" y="1615133"/>
+                  <a:pt x="1890450" y="1588219"/>
+                </a:cubicBezTo>
+                <a:lnTo>
+                  <a:pt x="2093156" y="1385512"/>
+                </a:lnTo>
+                <a:cubicBezTo>
+                  <a:pt x="2142229" y="1470075"/>
+                  <a:pt x="2168674" y="1568493"/>
+                  <a:pt x="2168674" y="1673087"/>
+                </a:cubicBezTo>
+                <a:cubicBezTo>
+                  <a:pt x="2168674" y="2008450"/>
+                  <a:pt x="1896808" y="2280316"/>
+                  <a:pt x="1561445" y="2280316"/>
+                </a:cubicBezTo>
+                <a:cubicBezTo>
+                  <a:pt x="1226082" y="2280316"/>
+                  <a:pt x="954217" y="2008450"/>
+                  <a:pt x="954217" y="1673087"/>
+                </a:cubicBezTo>
+                <a:cubicBezTo>
+                  <a:pt x="954217" y="1337724"/>
+                  <a:pt x="1226082" y="1065858"/>
+                  <a:pt x="1561445" y="1065858"/>
+                </a:cubicBezTo>
+                <a:close/>
+                <a:moveTo>
+                  <a:pt x="1561445" y="580076"/>
+                </a:moveTo>
+                <a:cubicBezTo>
+                  <a:pt x="1790175" y="580076"/>
+                  <a:pt x="2002494" y="650333"/>
+                  <a:pt x="2177834" y="770690"/>
+                </a:cubicBezTo>
+                <a:lnTo>
+                  <a:pt x="1968030" y="980494"/>
+                </a:lnTo>
+                <a:cubicBezTo>
+                  <a:pt x="1849962" y="907198"/>
+                  <a:pt x="1710422" y="866794"/>
+                  <a:pt x="1561445" y="866794"/>
+                </a:cubicBezTo>
+                <a:cubicBezTo>
+                  <a:pt x="1116142" y="866794"/>
+                  <a:pt x="755153" y="1227784"/>
+                  <a:pt x="755153" y="1673087"/>
+                </a:cubicBezTo>
+                <a:cubicBezTo>
+                  <a:pt x="755153" y="2118390"/>
+                  <a:pt x="1116142" y="2479380"/>
+                  <a:pt x="1561445" y="2479380"/>
+                </a:cubicBezTo>
+                <a:cubicBezTo>
+                  <a:pt x="2006748" y="2479380"/>
+                  <a:pt x="2367738" y="2118390"/>
+                  <a:pt x="2367738" y="1673087"/>
+                </a:cubicBezTo>
+                <a:cubicBezTo>
+                  <a:pt x="2367738" y="1513043"/>
+                  <a:pt x="2321108" y="1363890"/>
+                  <a:pt x="2239307" y="1239362"/>
+                </a:cubicBezTo>
+                <a:lnTo>
+                  <a:pt x="2445928" y="1032741"/>
+                </a:lnTo>
+                <a:cubicBezTo>
+                  <a:pt x="2577451" y="1212149"/>
+                  <a:pt x="2654457" y="1433625"/>
+                  <a:pt x="2654457" y="1673087"/>
+                </a:cubicBezTo>
+                <a:cubicBezTo>
+                  <a:pt x="2654457" y="2276741"/>
+                  <a:pt x="2165099" y="2766099"/>
+                  <a:pt x="1561445" y="2766099"/>
+                </a:cubicBezTo>
+                <a:cubicBezTo>
+                  <a:pt x="957792" y="2766099"/>
+                  <a:pt x="468434" y="2276741"/>
+                  <a:pt x="468434" y="1673087"/>
+                </a:cubicBezTo>
+                <a:cubicBezTo>
+                  <a:pt x="468434" y="1069433"/>
+                  <a:pt x="957792" y="580076"/>
+                  <a:pt x="1561445" y="580076"/>
+                </a:cubicBezTo>
+                <a:close/>
+                <a:moveTo>
+                  <a:pt x="1561445" y="111642"/>
+                </a:moveTo>
+                <a:cubicBezTo>
+                  <a:pt x="1890473" y="111642"/>
+                  <a:pt x="2195731" y="213411"/>
+                  <a:pt x="2447076" y="387744"/>
+                </a:cubicBezTo>
+                <a:lnTo>
+                  <a:pt x="2453780" y="494744"/>
+                </a:lnTo>
+                <a:lnTo>
+                  <a:pt x="2309436" y="639088"/>
+                </a:lnTo>
+                <a:cubicBezTo>
+                  <a:pt x="2099826" y="485554"/>
+                  <a:pt x="1841132" y="395669"/>
+                  <a:pt x="1561445" y="395669"/>
+                </a:cubicBezTo>
+                <a:cubicBezTo>
+                  <a:pt x="855947" y="395669"/>
+                  <a:pt x="284027" y="967589"/>
+                  <a:pt x="284027" y="1673087"/>
+                </a:cubicBezTo>
+                <a:cubicBezTo>
+                  <a:pt x="284027" y="2378585"/>
+                  <a:pt x="855947" y="2950505"/>
+                  <a:pt x="1561445" y="2950505"/>
+                </a:cubicBezTo>
+                <a:cubicBezTo>
+                  <a:pt x="2266943" y="2950505"/>
+                  <a:pt x="2838863" y="2378585"/>
+                  <a:pt x="2838863" y="1673087"/>
+                </a:cubicBezTo>
+                <a:cubicBezTo>
+                  <a:pt x="2838863" y="1382650"/>
+                  <a:pt x="2741936" y="1114852"/>
+                  <a:pt x="2577529" y="901139"/>
+                </a:cubicBezTo>
+                <a:lnTo>
+                  <a:pt x="2706681" y="771988"/>
+                </a:lnTo>
+                <a:lnTo>
+                  <a:pt x="2841540" y="780437"/>
+                </a:lnTo>
+                <a:cubicBezTo>
+                  <a:pt x="3019168" y="1032973"/>
+                  <a:pt x="3122890" y="1340917"/>
+                  <a:pt x="3122890" y="1673087"/>
+                </a:cubicBezTo>
+                <a:cubicBezTo>
+                  <a:pt x="3122890" y="2535449"/>
+                  <a:pt x="2423807" y="3234532"/>
+                  <a:pt x="1561445" y="3234532"/>
+                </a:cubicBezTo>
+                <a:cubicBezTo>
+                  <a:pt x="699083" y="3234532"/>
+                  <a:pt x="0" y="2535449"/>
+                  <a:pt x="0" y="1673087"/>
+                </a:cubicBezTo>
+                <a:cubicBezTo>
+                  <a:pt x="0" y="810725"/>
+                  <a:pt x="699083" y="111642"/>
+                  <a:pt x="1561445" y="111642"/>
+                </a:cubicBezTo>
+                <a:close/>
+                <a:moveTo>
+                  <a:pt x="2909110" y="0"/>
+                </a:moveTo>
+                <a:lnTo>
+                  <a:pt x="2926757" y="281655"/>
+                </a:lnTo>
+                <a:lnTo>
+                  <a:pt x="3208412" y="299301"/>
+                </a:lnTo>
+                <a:lnTo>
+                  <a:pt x="2863230" y="644483"/>
+                </a:lnTo>
+                <a:lnTo>
+                  <a:pt x="2685547" y="633351"/>
+                </a:lnTo>
+                <a:lnTo>
+                  <a:pt x="1718098" y="1600799"/>
+                </a:lnTo>
+                <a:cubicBezTo>
+                  <a:pt x="1729236" y="1622491"/>
+                  <a:pt x="1734939" y="1647123"/>
+                  <a:pt x="1734939" y="1673087"/>
+                </a:cubicBezTo>
+                <a:cubicBezTo>
+                  <a:pt x="1734939" y="1768905"/>
+                  <a:pt x="1657263" y="1846581"/>
+                  <a:pt x="1561445" y="1846581"/>
+                </a:cubicBezTo>
+                <a:cubicBezTo>
+                  <a:pt x="1465627" y="1846581"/>
+                  <a:pt x="1387951" y="1768905"/>
+                  <a:pt x="1387951" y="1673087"/>
+                </a:cubicBezTo>
+                <a:cubicBezTo>
+                  <a:pt x="1387951" y="1577269"/>
+                  <a:pt x="1465627" y="1499593"/>
+                  <a:pt x="1561445" y="1499593"/>
+                </a:cubicBezTo>
+                <a:lnTo>
+                  <a:pt x="1591006" y="1505561"/>
+                </a:lnTo>
+                <a:lnTo>
+                  <a:pt x="2574981" y="521587"/>
+                </a:lnTo>
+                <a:lnTo>
+                  <a:pt x="2563928" y="345182"/>
+                </a:lnTo>
+                <a:close/>
+              </a:path>
+            </a:pathLst>
+          </a:custGeom>
+          <a:solidFill>
+            <a:schemeClr val="accent6">
+              <a:lumMod val="50000"/>
+            </a:schemeClr>
+          </a:solidFill>
+          <a:ln>
+            <a:noFill/>
+          </a:ln>
+          <a:effectLst>
+            <a:outerShdw blurRad="63500" sx="102000" sy="102000" algn="ctr" rotWithShape="0">
+              <a:prstClr val="black">
+                <a:alpha val="40000"/>
+              </a:prstClr>
+            </a:outerShdw>
+          </a:effectLst>
+        </p:spPr>
+        <p:style>
+          <a:lnRef idx="2">
+            <a:schemeClr val="accent1">
+              <a:shade val="50000"/>
+            </a:schemeClr>
+          </a:lnRef>
+          <a:fillRef idx="1">
+            <a:schemeClr val="accent1"/>
+          </a:fillRef>
+          <a:effectRef idx="0">
+            <a:schemeClr val="accent1"/>
+          </a:effectRef>
+          <a:fontRef idx="minor">
+            <a:schemeClr val="lt1"/>
+          </a:fontRef>
+        </p:style>
+        <p:txBody>
+          <a:bodyPr rtlCol="0" anchor="ctr"/>
+          <a:lstStyle/>
+          <a:p>
+            <a:pPr algn="ctr"/>
+            <a:endParaRPr lang="ko-KR" altLang="en-US" dirty="0">
+              <a:solidFill>
+                <a:schemeClr val="tx1"/>
+              </a:solidFill>
+            </a:endParaRPr>
+          </a:p>
+        </p:txBody>
+      </p:sp>
+      <p:sp>
+        <p:nvSpPr>
+          <p:cNvPr id="29" name="TextBox 28">
+            <a:extLst>
+              <a:ext uri="{FF2B5EF4-FFF2-40B4-BE49-F238E27FC236}">
+                <a16:creationId xmlns:a16="http://schemas.microsoft.com/office/drawing/2014/main" id="{A6BCA9BD-0C74-BC42-BC62-50967A3FAD92}"/>
+              </a:ext>
+            </a:extLst>
+          </p:cNvPr>
+          <p:cNvSpPr txBox="1"/>
+          <p:nvPr/>
+        </p:nvSpPr>
+        <p:spPr>
+          <a:xfrm>
+            <a:off x="663942" y="3507854"/>
+            <a:ext cx="7804250" cy="430887"/>
+          </a:xfrm>
+          <a:prstGeom prst="rect">
+            <a:avLst/>
+          </a:prstGeom>
+          <a:noFill/>
+          <a:ln>
+            <a:noFill/>
+          </a:ln>
+        </p:spPr>
+        <p:txBody>
+          <a:bodyPr wrap="square" rtlCol="0" anchor="ctr">
+            <a:spAutoFit/>
+          </a:bodyPr>
+          <a:lstStyle/>
+          <a:p>
+            <a:pPr algn="just"/>
+            <a:r>
+              <a:rPr lang="en-US" altLang="ko-KR" sz="1200" b="1" dirty="0">
+                <a:solidFill>
+                  <a:schemeClr val="tx1">
+                    <a:lumMod val="75000"/>
+                    <a:lumOff val="25000"/>
+                  </a:schemeClr>
+                </a:solidFill>
+                <a:cs typeface="Arial" pitchFamily="34" charset="0"/>
+              </a:rPr>
+              <a:t>system </a:t>
+            </a:r>
+            <a:r>
+              <a:rPr lang="en-US" altLang="ko-KR" sz="1200" b="1" dirty="0" smtClean="0">
+                <a:solidFill>
+                  <a:schemeClr val="tx1">
+                    <a:lumMod val="75000"/>
+                    <a:lumOff val="25000"/>
+                  </a:schemeClr>
+                </a:solidFill>
+                <a:cs typeface="Arial" pitchFamily="34" charset="0"/>
+              </a:rPr>
+              <a:t>- </a:t>
+            </a:r>
+            <a:r>
+              <a:rPr lang="en-US" altLang="ko-KR" sz="1000" dirty="0">
+                <a:solidFill>
+                  <a:schemeClr val="tx1">
+                    <a:lumMod val="75000"/>
+                    <a:lumOff val="25000"/>
+                  </a:schemeClr>
+                </a:solidFill>
+                <a:cs typeface="Arial" pitchFamily="34" charset="0"/>
+              </a:rPr>
+              <a:t>This scope is similar to provided except that you have to provide the JAR which contains it explicitly. </a:t>
+            </a:r>
+            <a:r>
+              <a:rPr lang="en-US" altLang="ko-KR" sz="1000" dirty="0">
+                <a:solidFill>
+                  <a:schemeClr val="tx1">
+                    <a:lumMod val="75000"/>
+                    <a:lumOff val="25000"/>
+                  </a:schemeClr>
+                </a:solidFill>
+                <a:cs typeface="Arial" pitchFamily="34" charset="0"/>
+              </a:rPr>
+              <a:t>Like &lt;</a:t>
+            </a:r>
+            <a:r>
+              <a:rPr lang="en-US" altLang="ko-KR" sz="1000" dirty="0" err="1">
+                <a:solidFill>
+                  <a:schemeClr val="tx1">
+                    <a:lumMod val="75000"/>
+                    <a:lumOff val="25000"/>
+                  </a:schemeClr>
+                </a:solidFill>
+                <a:cs typeface="Arial" pitchFamily="34" charset="0"/>
+              </a:rPr>
+              <a:t>systemPath</a:t>
+            </a:r>
+            <a:r>
+              <a:rPr lang="en-US" altLang="ko-KR" sz="1000" dirty="0">
+                <a:solidFill>
+                  <a:schemeClr val="tx1">
+                    <a:lumMod val="75000"/>
+                    <a:lumOff val="25000"/>
+                  </a:schemeClr>
+                </a:solidFill>
+                <a:cs typeface="Arial" pitchFamily="34" charset="0"/>
+              </a:rPr>
+              <a:t>&gt;${</a:t>
+            </a:r>
+            <a:r>
+              <a:rPr lang="en-US" altLang="ko-KR" sz="1000" dirty="0" err="1">
+                <a:solidFill>
+                  <a:schemeClr val="tx1">
+                    <a:lumMod val="75000"/>
+                    <a:lumOff val="25000"/>
+                  </a:schemeClr>
+                </a:solidFill>
+                <a:cs typeface="Arial" pitchFamily="34" charset="0"/>
+              </a:rPr>
+              <a:t>java.home</a:t>
+            </a:r>
+            <a:r>
+              <a:rPr lang="en-US" altLang="ko-KR" sz="1000" dirty="0">
+                <a:solidFill>
+                  <a:schemeClr val="tx1">
+                    <a:lumMod val="75000"/>
+                    <a:lumOff val="25000"/>
+                  </a:schemeClr>
+                </a:solidFill>
+                <a:cs typeface="Arial" pitchFamily="34" charset="0"/>
+              </a:rPr>
+              <a:t>}/lib/rt.jar&lt;/</a:t>
+            </a:r>
+            <a:r>
+              <a:rPr lang="en-US" altLang="ko-KR" sz="1000" dirty="0" err="1">
+                <a:solidFill>
+                  <a:schemeClr val="tx1">
+                    <a:lumMod val="75000"/>
+                    <a:lumOff val="25000"/>
+                  </a:schemeClr>
+                </a:solidFill>
+                <a:cs typeface="Arial" pitchFamily="34" charset="0"/>
+              </a:rPr>
+              <a:t>systemPath</a:t>
+            </a:r>
+            <a:r>
+              <a:rPr lang="en-US" altLang="ko-KR" sz="1000" dirty="0">
+                <a:solidFill>
+                  <a:schemeClr val="tx1">
+                    <a:lumMod val="75000"/>
+                    <a:lumOff val="25000"/>
+                  </a:schemeClr>
+                </a:solidFill>
+                <a:cs typeface="Arial" pitchFamily="34" charset="0"/>
+              </a:rPr>
+              <a:t>&gt;</a:t>
+            </a:r>
+            <a:endParaRPr lang="en-US" altLang="ko-KR" sz="1000" b="1" dirty="0">
+              <a:solidFill>
+                <a:schemeClr val="tx1">
+                  <a:lumMod val="75000"/>
+                  <a:lumOff val="25000"/>
+                </a:schemeClr>
+              </a:solidFill>
+              <a:cs typeface="Arial" pitchFamily="34" charset="0"/>
+            </a:endParaRPr>
+          </a:p>
+        </p:txBody>
+      </p:sp>
+      <p:sp>
+        <p:nvSpPr>
+          <p:cNvPr id="30" name="Donut 24">
+            <a:extLst>
+              <a:ext uri="{FF2B5EF4-FFF2-40B4-BE49-F238E27FC236}">
+                <a16:creationId xmlns:a16="http://schemas.microsoft.com/office/drawing/2014/main" id="{EEE11EE6-D605-3A49-B378-614F784B1410}"/>
+              </a:ext>
+            </a:extLst>
+          </p:cNvPr>
+          <p:cNvSpPr/>
+          <p:nvPr/>
+        </p:nvSpPr>
+        <p:spPr>
+          <a:xfrm>
+            <a:off x="462985" y="3604924"/>
+            <a:ext cx="192977" cy="194548"/>
+          </a:xfrm>
+          <a:custGeom>
+            <a:avLst/>
+            <a:gdLst/>
+            <a:ahLst/>
+            <a:cxnLst/>
+            <a:rect l="l" t="t" r="r" b="b"/>
+            <a:pathLst>
+              <a:path w="3208412" h="3234532">
+                <a:moveTo>
+                  <a:pt x="1561445" y="1065858"/>
+                </a:moveTo>
+                <a:cubicBezTo>
+                  <a:pt x="1654998" y="1065858"/>
+                  <a:pt x="1743610" y="1087015"/>
+                  <a:pt x="1821879" y="1126644"/>
+                </a:cubicBezTo>
+                <a:lnTo>
+                  <a:pt x="1611352" y="1337172"/>
+                </a:lnTo>
+                <a:cubicBezTo>
+                  <a:pt x="1595200" y="1333388"/>
+                  <a:pt x="1578468" y="1332141"/>
+                  <a:pt x="1561445" y="1332141"/>
+                </a:cubicBezTo>
+                <a:cubicBezTo>
+                  <a:pt x="1373145" y="1332141"/>
+                  <a:pt x="1220499" y="1484787"/>
+                  <a:pt x="1220499" y="1673087"/>
+                </a:cubicBezTo>
+                <a:cubicBezTo>
+                  <a:pt x="1220499" y="1861387"/>
+                  <a:pt x="1373145" y="2014033"/>
+                  <a:pt x="1561445" y="2014033"/>
+                </a:cubicBezTo>
+                <a:cubicBezTo>
+                  <a:pt x="1749745" y="2014033"/>
+                  <a:pt x="1902391" y="1861387"/>
+                  <a:pt x="1902391" y="1673087"/>
+                </a:cubicBezTo>
+                <a:cubicBezTo>
+                  <a:pt x="1902391" y="1643675"/>
+                  <a:pt x="1898667" y="1615133"/>
+                  <a:pt x="1890450" y="1588219"/>
+                </a:cubicBezTo>
+                <a:lnTo>
+                  <a:pt x="2093156" y="1385512"/>
+                </a:lnTo>
+                <a:cubicBezTo>
+                  <a:pt x="2142229" y="1470075"/>
+                  <a:pt x="2168674" y="1568493"/>
+                  <a:pt x="2168674" y="1673087"/>
+                </a:cubicBezTo>
+                <a:cubicBezTo>
+                  <a:pt x="2168674" y="2008450"/>
+                  <a:pt x="1896808" y="2280316"/>
+                  <a:pt x="1561445" y="2280316"/>
+                </a:cubicBezTo>
+                <a:cubicBezTo>
+                  <a:pt x="1226082" y="2280316"/>
+                  <a:pt x="954217" y="2008450"/>
+                  <a:pt x="954217" y="1673087"/>
+                </a:cubicBezTo>
+                <a:cubicBezTo>
+                  <a:pt x="954217" y="1337724"/>
+                  <a:pt x="1226082" y="1065858"/>
+                  <a:pt x="1561445" y="1065858"/>
+                </a:cubicBezTo>
+                <a:close/>
+                <a:moveTo>
+                  <a:pt x="1561445" y="580076"/>
+                </a:moveTo>
+                <a:cubicBezTo>
+                  <a:pt x="1790175" y="580076"/>
+                  <a:pt x="2002494" y="650333"/>
+                  <a:pt x="2177834" y="770690"/>
+                </a:cubicBezTo>
+                <a:lnTo>
+                  <a:pt x="1968030" y="980494"/>
+                </a:lnTo>
+                <a:cubicBezTo>
+                  <a:pt x="1849962" y="907198"/>
+                  <a:pt x="1710422" y="866794"/>
+                  <a:pt x="1561445" y="866794"/>
+                </a:cubicBezTo>
+                <a:cubicBezTo>
+                  <a:pt x="1116142" y="866794"/>
+                  <a:pt x="755153" y="1227784"/>
+                  <a:pt x="755153" y="1673087"/>
+                </a:cubicBezTo>
+                <a:cubicBezTo>
+                  <a:pt x="755153" y="2118390"/>
+                  <a:pt x="1116142" y="2479380"/>
+                  <a:pt x="1561445" y="2479380"/>
+                </a:cubicBezTo>
+                <a:cubicBezTo>
+                  <a:pt x="2006748" y="2479380"/>
+                  <a:pt x="2367738" y="2118390"/>
+                  <a:pt x="2367738" y="1673087"/>
+                </a:cubicBezTo>
+                <a:cubicBezTo>
+                  <a:pt x="2367738" y="1513043"/>
+                  <a:pt x="2321108" y="1363890"/>
+                  <a:pt x="2239307" y="1239362"/>
+                </a:cubicBezTo>
+                <a:lnTo>
+                  <a:pt x="2445928" y="1032741"/>
+                </a:lnTo>
+                <a:cubicBezTo>
+                  <a:pt x="2577451" y="1212149"/>
+                  <a:pt x="2654457" y="1433625"/>
+                  <a:pt x="2654457" y="1673087"/>
+                </a:cubicBezTo>
+                <a:cubicBezTo>
+                  <a:pt x="2654457" y="2276741"/>
+                  <a:pt x="2165099" y="2766099"/>
+                  <a:pt x="1561445" y="2766099"/>
+                </a:cubicBezTo>
+                <a:cubicBezTo>
+                  <a:pt x="957792" y="2766099"/>
+                  <a:pt x="468434" y="2276741"/>
+                  <a:pt x="468434" y="1673087"/>
+                </a:cubicBezTo>
+                <a:cubicBezTo>
+                  <a:pt x="468434" y="1069433"/>
+                  <a:pt x="957792" y="580076"/>
+                  <a:pt x="1561445" y="580076"/>
+                </a:cubicBezTo>
+                <a:close/>
+                <a:moveTo>
+                  <a:pt x="1561445" y="111642"/>
+                </a:moveTo>
+                <a:cubicBezTo>
+                  <a:pt x="1890473" y="111642"/>
+                  <a:pt x="2195731" y="213411"/>
+                  <a:pt x="2447076" y="387744"/>
+                </a:cubicBezTo>
+                <a:lnTo>
+                  <a:pt x="2453780" y="494744"/>
+                </a:lnTo>
+                <a:lnTo>
+                  <a:pt x="2309436" y="639088"/>
+                </a:lnTo>
+                <a:cubicBezTo>
+                  <a:pt x="2099826" y="485554"/>
+                  <a:pt x="1841132" y="395669"/>
+                  <a:pt x="1561445" y="395669"/>
+                </a:cubicBezTo>
+                <a:cubicBezTo>
+                  <a:pt x="855947" y="395669"/>
+                  <a:pt x="284027" y="967589"/>
+                  <a:pt x="284027" y="1673087"/>
+                </a:cubicBezTo>
+                <a:cubicBezTo>
+                  <a:pt x="284027" y="2378585"/>
+                  <a:pt x="855947" y="2950505"/>
+                  <a:pt x="1561445" y="2950505"/>
+                </a:cubicBezTo>
+                <a:cubicBezTo>
+                  <a:pt x="2266943" y="2950505"/>
+                  <a:pt x="2838863" y="2378585"/>
+                  <a:pt x="2838863" y="1673087"/>
+                </a:cubicBezTo>
+                <a:cubicBezTo>
+                  <a:pt x="2838863" y="1382650"/>
+                  <a:pt x="2741936" y="1114852"/>
+                  <a:pt x="2577529" y="901139"/>
+                </a:cubicBezTo>
+                <a:lnTo>
+                  <a:pt x="2706681" y="771988"/>
+                </a:lnTo>
+                <a:lnTo>
+                  <a:pt x="2841540" y="780437"/>
+                </a:lnTo>
+                <a:cubicBezTo>
+                  <a:pt x="3019168" y="1032973"/>
+                  <a:pt x="3122890" y="1340917"/>
+                  <a:pt x="3122890" y="1673087"/>
+                </a:cubicBezTo>
+                <a:cubicBezTo>
+                  <a:pt x="3122890" y="2535449"/>
+                  <a:pt x="2423807" y="3234532"/>
+                  <a:pt x="1561445" y="3234532"/>
+                </a:cubicBezTo>
+                <a:cubicBezTo>
+                  <a:pt x="699083" y="3234532"/>
+                  <a:pt x="0" y="2535449"/>
+                  <a:pt x="0" y="1673087"/>
+                </a:cubicBezTo>
+                <a:cubicBezTo>
+                  <a:pt x="0" y="810725"/>
+                  <a:pt x="699083" y="111642"/>
+                  <a:pt x="1561445" y="111642"/>
+                </a:cubicBezTo>
+                <a:close/>
+                <a:moveTo>
+                  <a:pt x="2909110" y="0"/>
+                </a:moveTo>
+                <a:lnTo>
+                  <a:pt x="2926757" y="281655"/>
+                </a:lnTo>
+                <a:lnTo>
+                  <a:pt x="3208412" y="299301"/>
+                </a:lnTo>
+                <a:lnTo>
+                  <a:pt x="2863230" y="644483"/>
+                </a:lnTo>
+                <a:lnTo>
+                  <a:pt x="2685547" y="633351"/>
+                </a:lnTo>
+                <a:lnTo>
+                  <a:pt x="1718098" y="1600799"/>
+                </a:lnTo>
+                <a:cubicBezTo>
+                  <a:pt x="1729236" y="1622491"/>
+                  <a:pt x="1734939" y="1647123"/>
+                  <a:pt x="1734939" y="1673087"/>
+                </a:cubicBezTo>
+                <a:cubicBezTo>
+                  <a:pt x="1734939" y="1768905"/>
+                  <a:pt x="1657263" y="1846581"/>
+                  <a:pt x="1561445" y="1846581"/>
+                </a:cubicBezTo>
+                <a:cubicBezTo>
+                  <a:pt x="1465627" y="1846581"/>
+                  <a:pt x="1387951" y="1768905"/>
+                  <a:pt x="1387951" y="1673087"/>
+                </a:cubicBezTo>
+                <a:cubicBezTo>
+                  <a:pt x="1387951" y="1577269"/>
+                  <a:pt x="1465627" y="1499593"/>
+                  <a:pt x="1561445" y="1499593"/>
+                </a:cubicBezTo>
+                <a:lnTo>
+                  <a:pt x="1591006" y="1505561"/>
+                </a:lnTo>
+                <a:lnTo>
+                  <a:pt x="2574981" y="521587"/>
+                </a:lnTo>
+                <a:lnTo>
+                  <a:pt x="2563928" y="345182"/>
+                </a:lnTo>
+                <a:close/>
+              </a:path>
+            </a:pathLst>
+          </a:custGeom>
+          <a:solidFill>
+            <a:schemeClr val="accent6">
+              <a:lumMod val="50000"/>
+            </a:schemeClr>
+          </a:solidFill>
+          <a:ln>
+            <a:noFill/>
+          </a:ln>
+          <a:effectLst>
+            <a:outerShdw blurRad="63500" sx="102000" sy="102000" algn="ctr" rotWithShape="0">
+              <a:prstClr val="black">
+                <a:alpha val="40000"/>
+              </a:prstClr>
+            </a:outerShdw>
+          </a:effectLst>
+        </p:spPr>
+        <p:style>
+          <a:lnRef idx="2">
+            <a:schemeClr val="accent1">
+              <a:shade val="50000"/>
+            </a:schemeClr>
+          </a:lnRef>
+          <a:fillRef idx="1">
+            <a:schemeClr val="accent1"/>
+          </a:fillRef>
+          <a:effectRef idx="0">
+            <a:schemeClr val="accent1"/>
+          </a:effectRef>
+          <a:fontRef idx="minor">
+            <a:schemeClr val="lt1"/>
+          </a:fontRef>
+        </p:style>
+        <p:txBody>
+          <a:bodyPr rtlCol="0" anchor="ctr"/>
+          <a:lstStyle/>
+          <a:p>
+            <a:pPr algn="ctr"/>
+            <a:endParaRPr lang="ko-KR" altLang="en-US" dirty="0">
+              <a:solidFill>
+                <a:schemeClr val="tx1"/>
+              </a:solidFill>
+            </a:endParaRPr>
+          </a:p>
+        </p:txBody>
+      </p:sp>
+      <p:sp>
+        <p:nvSpPr>
+          <p:cNvPr id="31" name="TextBox 30">
+            <a:extLst>
+              <a:ext uri="{FF2B5EF4-FFF2-40B4-BE49-F238E27FC236}">
+                <a16:creationId xmlns:a16="http://schemas.microsoft.com/office/drawing/2014/main" id="{A6BCA9BD-0C74-BC42-BC62-50967A3FAD92}"/>
+              </a:ext>
+            </a:extLst>
+          </p:cNvPr>
+          <p:cNvSpPr txBox="1"/>
+          <p:nvPr/>
+        </p:nvSpPr>
+        <p:spPr>
+          <a:xfrm>
+            <a:off x="655745" y="4022943"/>
+            <a:ext cx="7804250" cy="276999"/>
+          </a:xfrm>
+          <a:prstGeom prst="rect">
+            <a:avLst/>
+          </a:prstGeom>
+          <a:noFill/>
+          <a:ln>
+            <a:noFill/>
+          </a:ln>
+        </p:spPr>
+        <p:txBody>
+          <a:bodyPr wrap="square" rtlCol="0" anchor="ctr">
+            <a:spAutoFit/>
+          </a:bodyPr>
+          <a:lstStyle/>
+          <a:p>
+            <a:pPr algn="just"/>
+            <a:r>
+              <a:rPr lang="en-US" altLang="ko-KR" sz="1200" b="1" dirty="0">
+                <a:solidFill>
+                  <a:schemeClr val="tx1">
+                    <a:lumMod val="75000"/>
+                    <a:lumOff val="25000"/>
+                  </a:schemeClr>
+                </a:solidFill>
+                <a:cs typeface="Arial" pitchFamily="34" charset="0"/>
+              </a:rPr>
+              <a:t>import </a:t>
+            </a:r>
+            <a:r>
+              <a:rPr lang="en-US" altLang="ko-KR" sz="1200" b="1" dirty="0" smtClean="0">
+                <a:solidFill>
+                  <a:schemeClr val="tx1">
+                    <a:lumMod val="75000"/>
+                    <a:lumOff val="25000"/>
+                  </a:schemeClr>
+                </a:solidFill>
+                <a:cs typeface="Arial" pitchFamily="34" charset="0"/>
+              </a:rPr>
+              <a:t>- </a:t>
+            </a:r>
+            <a:r>
+              <a:rPr lang="en-US" altLang="ko-KR" sz="1000" dirty="0">
+                <a:solidFill>
+                  <a:schemeClr val="tx1">
+                    <a:lumMod val="75000"/>
+                    <a:lumOff val="25000"/>
+                  </a:schemeClr>
+                </a:solidFill>
+                <a:cs typeface="Arial" pitchFamily="34" charset="0"/>
+              </a:rPr>
+              <a:t>This scope is only supported on a dependency of type </a:t>
+            </a:r>
+            <a:r>
+              <a:rPr lang="en-US" altLang="ko-KR" sz="1000" dirty="0" smtClean="0">
+                <a:solidFill>
+                  <a:schemeClr val="tx1">
+                    <a:lumMod val="75000"/>
+                    <a:lumOff val="25000"/>
+                  </a:schemeClr>
+                </a:solidFill>
+                <a:cs typeface="Arial" pitchFamily="34" charset="0"/>
+              </a:rPr>
+              <a:t>POM inheritance. Like parent POM reference.</a:t>
+            </a:r>
+            <a:endParaRPr lang="en-US" altLang="ko-KR" sz="1000" b="1" dirty="0">
+              <a:solidFill>
+                <a:schemeClr val="tx1">
+                  <a:lumMod val="75000"/>
+                  <a:lumOff val="25000"/>
+                </a:schemeClr>
+              </a:solidFill>
+              <a:cs typeface="Arial" pitchFamily="34" charset="0"/>
+            </a:endParaRPr>
+          </a:p>
+        </p:txBody>
+      </p:sp>
+      <p:sp>
+        <p:nvSpPr>
+          <p:cNvPr id="32" name="Donut 24">
+            <a:extLst>
+              <a:ext uri="{FF2B5EF4-FFF2-40B4-BE49-F238E27FC236}">
+                <a16:creationId xmlns:a16="http://schemas.microsoft.com/office/drawing/2014/main" id="{EEE11EE6-D605-3A49-B378-614F784B1410}"/>
+              </a:ext>
+            </a:extLst>
+          </p:cNvPr>
+          <p:cNvSpPr/>
+          <p:nvPr/>
+        </p:nvSpPr>
+        <p:spPr>
+          <a:xfrm>
+            <a:off x="462985" y="4057423"/>
+            <a:ext cx="192977" cy="194548"/>
+          </a:xfrm>
+          <a:custGeom>
+            <a:avLst/>
+            <a:gdLst/>
+            <a:ahLst/>
+            <a:cxnLst/>
+            <a:rect l="l" t="t" r="r" b="b"/>
+            <a:pathLst>
+              <a:path w="3208412" h="3234532">
+                <a:moveTo>
+                  <a:pt x="1561445" y="1065858"/>
+                </a:moveTo>
+                <a:cubicBezTo>
+                  <a:pt x="1654998" y="1065858"/>
+                  <a:pt x="1743610" y="1087015"/>
+                  <a:pt x="1821879" y="1126644"/>
+                </a:cubicBezTo>
+                <a:lnTo>
+                  <a:pt x="1611352" y="1337172"/>
+                </a:lnTo>
+                <a:cubicBezTo>
+                  <a:pt x="1595200" y="1333388"/>
+                  <a:pt x="1578468" y="1332141"/>
+                  <a:pt x="1561445" y="1332141"/>
+                </a:cubicBezTo>
+                <a:cubicBezTo>
+                  <a:pt x="1373145" y="1332141"/>
+                  <a:pt x="1220499" y="1484787"/>
+                  <a:pt x="1220499" y="1673087"/>
+                </a:cubicBezTo>
+                <a:cubicBezTo>
+                  <a:pt x="1220499" y="1861387"/>
+                  <a:pt x="1373145" y="2014033"/>
+                  <a:pt x="1561445" y="2014033"/>
+                </a:cubicBezTo>
+                <a:cubicBezTo>
+                  <a:pt x="1749745" y="2014033"/>
+                  <a:pt x="1902391" y="1861387"/>
+                  <a:pt x="1902391" y="1673087"/>
+                </a:cubicBezTo>
+                <a:cubicBezTo>
+                  <a:pt x="1902391" y="1643675"/>
+                  <a:pt x="1898667" y="1615133"/>
+                  <a:pt x="1890450" y="1588219"/>
+                </a:cubicBezTo>
+                <a:lnTo>
+                  <a:pt x="2093156" y="1385512"/>
+                </a:lnTo>
+                <a:cubicBezTo>
+                  <a:pt x="2142229" y="1470075"/>
+                  <a:pt x="2168674" y="1568493"/>
+                  <a:pt x="2168674" y="1673087"/>
+                </a:cubicBezTo>
+                <a:cubicBezTo>
+                  <a:pt x="2168674" y="2008450"/>
+                  <a:pt x="1896808" y="2280316"/>
+                  <a:pt x="1561445" y="2280316"/>
+                </a:cubicBezTo>
+                <a:cubicBezTo>
+                  <a:pt x="1226082" y="2280316"/>
+                  <a:pt x="954217" y="2008450"/>
+                  <a:pt x="954217" y="1673087"/>
+                </a:cubicBezTo>
+                <a:cubicBezTo>
+                  <a:pt x="954217" y="1337724"/>
+                  <a:pt x="1226082" y="1065858"/>
+                  <a:pt x="1561445" y="1065858"/>
+                </a:cubicBezTo>
+                <a:close/>
+                <a:moveTo>
+                  <a:pt x="1561445" y="580076"/>
+                </a:moveTo>
+                <a:cubicBezTo>
+                  <a:pt x="1790175" y="580076"/>
+                  <a:pt x="2002494" y="650333"/>
+                  <a:pt x="2177834" y="770690"/>
+                </a:cubicBezTo>
+                <a:lnTo>
+                  <a:pt x="1968030" y="980494"/>
+                </a:lnTo>
+                <a:cubicBezTo>
+                  <a:pt x="1849962" y="907198"/>
+                  <a:pt x="1710422" y="866794"/>
+                  <a:pt x="1561445" y="866794"/>
+                </a:cubicBezTo>
+                <a:cubicBezTo>
+                  <a:pt x="1116142" y="866794"/>
+                  <a:pt x="755153" y="1227784"/>
+                  <a:pt x="755153" y="1673087"/>
+                </a:cubicBezTo>
+                <a:cubicBezTo>
+                  <a:pt x="755153" y="2118390"/>
+                  <a:pt x="1116142" y="2479380"/>
+                  <a:pt x="1561445" y="2479380"/>
+                </a:cubicBezTo>
+                <a:cubicBezTo>
+                  <a:pt x="2006748" y="2479380"/>
+                  <a:pt x="2367738" y="2118390"/>
+                  <a:pt x="2367738" y="1673087"/>
+                </a:cubicBezTo>
+                <a:cubicBezTo>
+                  <a:pt x="2367738" y="1513043"/>
+                  <a:pt x="2321108" y="1363890"/>
+                  <a:pt x="2239307" y="1239362"/>
+                </a:cubicBezTo>
+                <a:lnTo>
+                  <a:pt x="2445928" y="1032741"/>
+                </a:lnTo>
+                <a:cubicBezTo>
+                  <a:pt x="2577451" y="1212149"/>
+                  <a:pt x="2654457" y="1433625"/>
+                  <a:pt x="2654457" y="1673087"/>
+                </a:cubicBezTo>
+                <a:cubicBezTo>
+                  <a:pt x="2654457" y="2276741"/>
+                  <a:pt x="2165099" y="2766099"/>
+                  <a:pt x="1561445" y="2766099"/>
+                </a:cubicBezTo>
+                <a:cubicBezTo>
+                  <a:pt x="957792" y="2766099"/>
+                  <a:pt x="468434" y="2276741"/>
+                  <a:pt x="468434" y="1673087"/>
+                </a:cubicBezTo>
+                <a:cubicBezTo>
+                  <a:pt x="468434" y="1069433"/>
+                  <a:pt x="957792" y="580076"/>
+                  <a:pt x="1561445" y="580076"/>
+                </a:cubicBezTo>
+                <a:close/>
+                <a:moveTo>
+                  <a:pt x="1561445" y="111642"/>
+                </a:moveTo>
+                <a:cubicBezTo>
+                  <a:pt x="1890473" y="111642"/>
+                  <a:pt x="2195731" y="213411"/>
+                  <a:pt x="2447076" y="387744"/>
+                </a:cubicBezTo>
+                <a:lnTo>
+                  <a:pt x="2453780" y="494744"/>
+                </a:lnTo>
+                <a:lnTo>
+                  <a:pt x="2309436" y="639088"/>
+                </a:lnTo>
+                <a:cubicBezTo>
+                  <a:pt x="2099826" y="485554"/>
+                  <a:pt x="1841132" y="395669"/>
+                  <a:pt x="1561445" y="395669"/>
+                </a:cubicBezTo>
+                <a:cubicBezTo>
+                  <a:pt x="855947" y="395669"/>
+                  <a:pt x="284027" y="967589"/>
+                  <a:pt x="284027" y="1673087"/>
+                </a:cubicBezTo>
+                <a:cubicBezTo>
+                  <a:pt x="284027" y="2378585"/>
+                  <a:pt x="855947" y="2950505"/>
+                  <a:pt x="1561445" y="2950505"/>
+                </a:cubicBezTo>
+                <a:cubicBezTo>
+                  <a:pt x="2266943" y="2950505"/>
+                  <a:pt x="2838863" y="2378585"/>
+                  <a:pt x="2838863" y="1673087"/>
+                </a:cubicBezTo>
+                <a:cubicBezTo>
+                  <a:pt x="2838863" y="1382650"/>
+                  <a:pt x="2741936" y="1114852"/>
+                  <a:pt x="2577529" y="901139"/>
+                </a:cubicBezTo>
+                <a:lnTo>
+                  <a:pt x="2706681" y="771988"/>
+                </a:lnTo>
+                <a:lnTo>
+                  <a:pt x="2841540" y="780437"/>
+                </a:lnTo>
+                <a:cubicBezTo>
+                  <a:pt x="3019168" y="1032973"/>
+                  <a:pt x="3122890" y="1340917"/>
+                  <a:pt x="3122890" y="1673087"/>
+                </a:cubicBezTo>
+                <a:cubicBezTo>
+                  <a:pt x="3122890" y="2535449"/>
+                  <a:pt x="2423807" y="3234532"/>
+                  <a:pt x="1561445" y="3234532"/>
+                </a:cubicBezTo>
+                <a:cubicBezTo>
+                  <a:pt x="699083" y="3234532"/>
+                  <a:pt x="0" y="2535449"/>
+                  <a:pt x="0" y="1673087"/>
+                </a:cubicBezTo>
+                <a:cubicBezTo>
+                  <a:pt x="0" y="810725"/>
+                  <a:pt x="699083" y="111642"/>
+                  <a:pt x="1561445" y="111642"/>
+                </a:cubicBezTo>
+                <a:close/>
+                <a:moveTo>
+                  <a:pt x="2909110" y="0"/>
+                </a:moveTo>
+                <a:lnTo>
+                  <a:pt x="2926757" y="281655"/>
+                </a:lnTo>
+                <a:lnTo>
+                  <a:pt x="3208412" y="299301"/>
+                </a:lnTo>
+                <a:lnTo>
+                  <a:pt x="2863230" y="644483"/>
+                </a:lnTo>
+                <a:lnTo>
+                  <a:pt x="2685547" y="633351"/>
+                </a:lnTo>
+                <a:lnTo>
+                  <a:pt x="1718098" y="1600799"/>
+                </a:lnTo>
+                <a:cubicBezTo>
+                  <a:pt x="1729236" y="1622491"/>
+                  <a:pt x="1734939" y="1647123"/>
+                  <a:pt x="1734939" y="1673087"/>
+                </a:cubicBezTo>
+                <a:cubicBezTo>
+                  <a:pt x="1734939" y="1768905"/>
+                  <a:pt x="1657263" y="1846581"/>
+                  <a:pt x="1561445" y="1846581"/>
+                </a:cubicBezTo>
+                <a:cubicBezTo>
+                  <a:pt x="1465627" y="1846581"/>
+                  <a:pt x="1387951" y="1768905"/>
+                  <a:pt x="1387951" y="1673087"/>
+                </a:cubicBezTo>
+                <a:cubicBezTo>
+                  <a:pt x="1387951" y="1577269"/>
+                  <a:pt x="1465627" y="1499593"/>
+                  <a:pt x="1561445" y="1499593"/>
+                </a:cubicBezTo>
+                <a:lnTo>
+                  <a:pt x="1591006" y="1505561"/>
+                </a:lnTo>
+                <a:lnTo>
+                  <a:pt x="2574981" y="521587"/>
+                </a:lnTo>
+                <a:lnTo>
+                  <a:pt x="2563928" y="345182"/>
+                </a:lnTo>
+                <a:close/>
+              </a:path>
+            </a:pathLst>
+          </a:custGeom>
+          <a:solidFill>
+            <a:schemeClr val="accent6">
+              <a:lumMod val="50000"/>
+            </a:schemeClr>
+          </a:solidFill>
+          <a:ln>
+            <a:noFill/>
+          </a:ln>
+          <a:effectLst>
+            <a:outerShdw blurRad="63500" sx="102000" sy="102000" algn="ctr" rotWithShape="0">
+              <a:prstClr val="black">
+                <a:alpha val="40000"/>
+              </a:prstClr>
+            </a:outerShdw>
+          </a:effectLst>
+        </p:spPr>
+        <p:style>
+          <a:lnRef idx="2">
+            <a:schemeClr val="accent1">
+              <a:shade val="50000"/>
+            </a:schemeClr>
+          </a:lnRef>
+          <a:fillRef idx="1">
+            <a:schemeClr val="accent1"/>
+          </a:fillRef>
+          <a:effectRef idx="0">
+            <a:schemeClr val="accent1"/>
+          </a:effectRef>
+          <a:fontRef idx="minor">
+            <a:schemeClr val="lt1"/>
+          </a:fontRef>
+        </p:style>
+        <p:txBody>
+          <a:bodyPr rtlCol="0" anchor="ctr"/>
+          <a:lstStyle/>
+          <a:p>
+            <a:pPr algn="ctr"/>
+            <a:endParaRPr lang="ko-KR" altLang="en-US" dirty="0">
+              <a:solidFill>
+                <a:schemeClr val="tx1"/>
+              </a:solidFill>
+            </a:endParaRPr>
           </a:p>
         </p:txBody>
       </p:sp>
@@ -10232,6 +12771,13 @@
   <p:clrMapOvr>
     <a:masterClrMapping/>
   </p:clrMapOvr>
+  <p:timing>
+    <p:tnLst>
+      <p:par>
+        <p:cTn id="1" dur="indefinite" restart="never" nodeType="tmRoot"/>
+      </p:par>
+    </p:tnLst>
+  </p:timing>
 </p:sld>
 </file>
 
@@ -10275,34 +12821,6 @@
             <a:r>
               <a:rPr lang="en-US" altLang="ko-KR" dirty="0"/>
               <a:t>Plugin Orientation</a:t>
-            </a:r>
-          </a:p>
-        </p:txBody>
-      </p:sp>
-      <p:sp>
-        <p:nvSpPr>
-          <p:cNvPr id="3" name="Text Placeholder 2"/>
-          <p:cNvSpPr>
-            <a:spLocks noGrp="1"/>
-          </p:cNvSpPr>
-          <p:nvPr>
-            <p:ph type="body" sz="quarter" idx="11"/>
-          </p:nvPr>
-        </p:nvSpPr>
-        <p:spPr>
-          <a:xfrm>
-            <a:off x="0" y="699542"/>
-            <a:ext cx="9144000" cy="288032"/>
-          </a:xfrm>
-        </p:spPr>
-        <p:txBody>
-          <a:bodyPr/>
-          <a:lstStyle/>
-          <a:p>
-            <a:pPr lvl="0"/>
-            <a:r>
-              <a:rPr lang="en-US" altLang="ko-KR" dirty="0"/>
-              <a:t>Setup for PCF Plugin</a:t>
             </a:r>
           </a:p>
         </p:txBody>
@@ -11485,6 +14003,13 @@
   <p:clrMapOvr>
     <a:masterClrMapping/>
   </p:clrMapOvr>
+  <p:timing>
+    <p:tnLst>
+      <p:par>
+        <p:cTn id="1" dur="indefinite" restart="never" nodeType="tmRoot"/>
+      </p:par>
+    </p:tnLst>
+  </p:timing>
 </p:sld>
 </file>
 
@@ -11527,36 +14052,13 @@
           <a:p>
             <a:r>
               <a:rPr lang="en-US" altLang="ko-KR" dirty="0"/>
-              <a:t>Multi Module</a:t>
+              <a:t>Multi </a:t>
             </a:r>
-          </a:p>
-        </p:txBody>
-      </p:sp>
-      <p:sp>
-        <p:nvSpPr>
-          <p:cNvPr id="3" name="Text Placeholder 2"/>
-          <p:cNvSpPr>
-            <a:spLocks noGrp="1"/>
-          </p:cNvSpPr>
-          <p:nvPr>
-            <p:ph type="body" sz="quarter" idx="11"/>
-          </p:nvPr>
-        </p:nvSpPr>
-        <p:spPr>
-          <a:xfrm>
-            <a:off x="0" y="699542"/>
-            <a:ext cx="9144000" cy="288032"/>
-          </a:xfrm>
-        </p:spPr>
-        <p:txBody>
-          <a:bodyPr/>
-          <a:lstStyle/>
-          <a:p>
-            <a:pPr lvl="0"/>
             <a:r>
-              <a:rPr lang="en-US" altLang="ko-KR" dirty="0"/>
-              <a:t>Neighbor defines address</a:t>
+              <a:rPr lang="en-US" altLang="ko-KR" dirty="0" smtClean="0"/>
+              <a:t>– Module Structure</a:t>
             </a:r>
+            <a:endParaRPr lang="en-US" altLang="ko-KR" dirty="0"/>
           </a:p>
         </p:txBody>
       </p:sp>
@@ -13187,95 +15689,17 @@
   <p:clrMapOvr>
     <a:masterClrMapping/>
   </p:clrMapOvr>
+  <p:timing>
+    <p:tnLst>
+      <p:par>
+        <p:cTn id="1" dur="indefinite" restart="never" nodeType="tmRoot"/>
+      </p:par>
+    </p:tnLst>
+  </p:timing>
 </p:sld>
 </file>
 
 <file path=ppt/slides/slide15.xml><?xml version="1.0" encoding="utf-8"?>
-<p:sld xmlns:a="http://schemas.openxmlformats.org/drawingml/2006/main" xmlns:r="http://schemas.openxmlformats.org/officeDocument/2006/relationships" xmlns:p="http://schemas.openxmlformats.org/presentationml/2006/main">
-  <p:cSld>
-    <p:spTree>
-      <p:nvGrpSpPr>
-        <p:cNvPr id="1" name=""/>
-        <p:cNvGrpSpPr/>
-        <p:nvPr/>
-      </p:nvGrpSpPr>
-      <p:grpSpPr>
-        <a:xfrm>
-          <a:off x="0" y="0"/>
-          <a:ext cx="0" cy="0"/>
-          <a:chOff x="0" y="0"/>
-          <a:chExt cx="0" cy="0"/>
-        </a:xfrm>
-      </p:grpSpPr>
-      <p:sp>
-        <p:nvSpPr>
-          <p:cNvPr id="2" name="Text Placeholder 1"/>
-          <p:cNvSpPr>
-            <a:spLocks noGrp="1"/>
-          </p:cNvSpPr>
-          <p:nvPr>
-            <p:ph type="body" sz="quarter" idx="10"/>
-          </p:nvPr>
-        </p:nvSpPr>
-        <p:spPr>
-          <a:xfrm>
-            <a:off x="0" y="123478"/>
-            <a:ext cx="9144000" cy="576064"/>
-          </a:xfrm>
-        </p:spPr>
-        <p:txBody>
-          <a:bodyPr/>
-          <a:lstStyle/>
-          <a:p>
-            <a:r>
-              <a:rPr lang="en-US" altLang="ko-KR" dirty="0"/>
-              <a:t>Release Management</a:t>
-            </a:r>
-          </a:p>
-        </p:txBody>
-      </p:sp>
-      <p:sp>
-        <p:nvSpPr>
-          <p:cNvPr id="3" name="Text Placeholder 2"/>
-          <p:cNvSpPr>
-            <a:spLocks noGrp="1"/>
-          </p:cNvSpPr>
-          <p:nvPr>
-            <p:ph type="body" sz="quarter" idx="11"/>
-          </p:nvPr>
-        </p:nvSpPr>
-        <p:spPr>
-          <a:xfrm>
-            <a:off x="0" y="699542"/>
-            <a:ext cx="9144000" cy="288032"/>
-          </a:xfrm>
-        </p:spPr>
-        <p:txBody>
-          <a:bodyPr/>
-          <a:lstStyle/>
-          <a:p>
-            <a:pPr lvl="0"/>
-            <a:r>
-              <a:rPr lang="en-US" altLang="ko-KR" dirty="0"/>
-              <a:t>Neighbor defines address</a:t>
-            </a:r>
-          </a:p>
-        </p:txBody>
-      </p:sp>
-    </p:spTree>
-    <p:extLst>
-      <p:ext uri="{BB962C8B-B14F-4D97-AF65-F5344CB8AC3E}">
-        <p14:creationId xmlns:p14="http://schemas.microsoft.com/office/powerpoint/2010/main" val="1381652954"/>
-      </p:ext>
-    </p:extLst>
-  </p:cSld>
-  <p:clrMapOvr>
-    <a:masterClrMapping/>
-  </p:clrMapOvr>
-</p:sld>
-</file>
-
-<file path=ppt/slides/slide16.xml><?xml version="1.0" encoding="utf-8"?>
 <p:sld xmlns:a="http://schemas.openxmlformats.org/drawingml/2006/main" xmlns:r="http://schemas.openxmlformats.org/officeDocument/2006/relationships" xmlns:p="http://schemas.openxmlformats.org/presentationml/2006/main">
   <p:cSld>
     <p:spTree>
@@ -13310,29 +15734,6 @@
             <a:r>
               <a:rPr lang="en-US" altLang="ko-KR" dirty="0"/>
               <a:t>Maven Goal</a:t>
-            </a:r>
-          </a:p>
-        </p:txBody>
-      </p:sp>
-      <p:sp>
-        <p:nvSpPr>
-          <p:cNvPr id="3" name="Text Placeholder 2"/>
-          <p:cNvSpPr>
-            <a:spLocks noGrp="1"/>
-          </p:cNvSpPr>
-          <p:nvPr>
-            <p:ph type="body" sz="quarter" idx="11"/>
-          </p:nvPr>
-        </p:nvSpPr>
-        <p:spPr/>
-        <p:txBody>
-          <a:bodyPr anchor="ctr"/>
-          <a:lstStyle/>
-          <a:p>
-            <a:pPr lvl="0"/>
-            <a:r>
-              <a:rPr lang="en-US" altLang="ko-KR" dirty="0"/>
-              <a:t>A Project Management Tool</a:t>
             </a:r>
           </a:p>
         </p:txBody>
@@ -13440,18 +15841,6 @@
             <a:p>
               <a:pPr algn="just"/>
               <a:r>
-                <a:rPr lang="en-US" altLang="ko-KR" sz="1200" b="1" dirty="0" err="1">
-                  <a:solidFill>
-                    <a:schemeClr val="tx1">
-                      <a:lumMod val="75000"/>
-                      <a:lumOff val="25000"/>
-                    </a:schemeClr>
-                  </a:solidFill>
-                  <a:cs typeface="Arial" pitchFamily="34" charset="0"/>
-                </a:rPr>
-                <a:t>mvn</a:t>
-              </a:r>
-              <a:r>
                 <a:rPr lang="en-US" altLang="ko-KR" sz="1200" b="1" dirty="0">
                   <a:solidFill>
                     <a:schemeClr val="tx1">
@@ -13461,7 +15850,7 @@
                   </a:solidFill>
                   <a:cs typeface="Arial" pitchFamily="34" charset="0"/>
                 </a:rPr>
-                <a:t> install </a:t>
+                <a:t>mvn install </a:t>
               </a:r>
               <a:r>
                 <a:rPr lang="en-US" altLang="ko-KR" sz="1200" dirty="0">
@@ -13511,18 +15900,6 @@
             <a:p>
               <a:pPr algn="just"/>
               <a:r>
-                <a:rPr lang="en-US" altLang="ko-KR" sz="1200" b="1" dirty="0" err="1">
-                  <a:solidFill>
-                    <a:schemeClr val="tx1">
-                      <a:lumMod val="75000"/>
-                      <a:lumOff val="25000"/>
-                    </a:schemeClr>
-                  </a:solidFill>
-                  <a:cs typeface="Arial" pitchFamily="34" charset="0"/>
-                </a:rPr>
-                <a:t>mvn</a:t>
-              </a:r>
-              <a:r>
                 <a:rPr lang="en-US" altLang="ko-KR" sz="1200" b="1" dirty="0">
                   <a:solidFill>
                     <a:schemeClr val="tx1">
@@ -13532,7 +15909,7 @@
                   </a:solidFill>
                   <a:cs typeface="Arial" pitchFamily="34" charset="0"/>
                 </a:rPr>
-                <a:t> clean </a:t>
+                <a:t>mvn clean </a:t>
               </a:r>
               <a:r>
                 <a:rPr lang="en-US" altLang="ko-KR" sz="1200" dirty="0">
@@ -13591,18 +15968,6 @@
             <a:p>
               <a:pPr algn="just"/>
               <a:r>
-                <a:rPr lang="en-US" altLang="ko-KR" sz="1200" b="1" dirty="0" err="1">
-                  <a:solidFill>
-                    <a:schemeClr val="tx1">
-                      <a:lumMod val="75000"/>
-                      <a:lumOff val="25000"/>
-                    </a:schemeClr>
-                  </a:solidFill>
-                  <a:cs typeface="Arial" pitchFamily="34" charset="0"/>
-                </a:rPr>
-                <a:t>mvn</a:t>
-              </a:r>
-              <a:r>
                 <a:rPr lang="en-US" altLang="ko-KR" sz="1200" b="1" dirty="0">
                   <a:solidFill>
                     <a:schemeClr val="tx1">
@@ -13612,7 +15977,7 @@
                   </a:solidFill>
                   <a:cs typeface="Arial" pitchFamily="34" charset="0"/>
                 </a:rPr>
-                <a:t> clean compile </a:t>
+                <a:t>mvn clean compile </a:t>
               </a:r>
               <a:r>
                 <a:rPr lang="en-US" altLang="ko-KR" sz="1200" dirty="0">
@@ -13671,18 +16036,6 @@
             <a:p>
               <a:pPr algn="just"/>
               <a:r>
-                <a:rPr lang="en-US" altLang="ko-KR" sz="1200" b="1" dirty="0" err="1">
-                  <a:solidFill>
-                    <a:schemeClr val="tx1">
-                      <a:lumMod val="75000"/>
-                      <a:lumOff val="25000"/>
-                    </a:schemeClr>
-                  </a:solidFill>
-                  <a:cs typeface="Arial" pitchFamily="34" charset="0"/>
-                </a:rPr>
-                <a:t>mvn</a:t>
-              </a:r>
-              <a:r>
                 <a:rPr lang="en-US" altLang="ko-KR" sz="1200" b="1" dirty="0">
                   <a:solidFill>
                     <a:schemeClr val="tx1">
@@ -13692,7 +16045,7 @@
                   </a:solidFill>
                   <a:cs typeface="Arial" pitchFamily="34" charset="0"/>
                 </a:rPr>
-                <a:t> compile install </a:t>
+                <a:t>mvn compile install </a:t>
               </a:r>
               <a:r>
                 <a:rPr lang="en-US" altLang="ko-KR" sz="1200" dirty="0">
@@ -13742,18 +16095,6 @@
             <a:p>
               <a:pPr algn="just"/>
               <a:r>
-                <a:rPr lang="en-US" altLang="ko-KR" sz="1200" b="1" dirty="0" err="1">
-                  <a:solidFill>
-                    <a:schemeClr val="tx1">
-                      <a:lumMod val="75000"/>
-                      <a:lumOff val="25000"/>
-                    </a:schemeClr>
-                  </a:solidFill>
-                  <a:cs typeface="Arial" pitchFamily="34" charset="0"/>
-                </a:rPr>
-                <a:t>mvn</a:t>
-              </a:r>
-              <a:r>
                 <a:rPr lang="en-US" altLang="ko-KR" sz="1200" b="1" dirty="0">
                   <a:solidFill>
                     <a:schemeClr val="tx1">
@@ -13763,7 +16104,7 @@
                   </a:solidFill>
                   <a:cs typeface="Arial" pitchFamily="34" charset="0"/>
                 </a:rPr>
-                <a:t> test clean </a:t>
+                <a:t>mvn test clean </a:t>
               </a:r>
               <a:r>
                 <a:rPr lang="en-US" altLang="ko-KR" sz="1200" dirty="0">
@@ -15388,10 +17729,17 @@
   <p:clrMapOvr>
     <a:masterClrMapping/>
   </p:clrMapOvr>
+  <p:timing>
+    <p:tnLst>
+      <p:par>
+        <p:cTn id="1" dur="indefinite" restart="never" nodeType="tmRoot"/>
+      </p:par>
+    </p:tnLst>
+  </p:timing>
 </p:sld>
 </file>
 
-<file path=ppt/slides/slide17.xml><?xml version="1.0" encoding="utf-8"?>
+<file path=ppt/slides/slide16.xml><?xml version="1.0" encoding="utf-8"?>
 <p:sld xmlns:a="http://schemas.openxmlformats.org/drawingml/2006/main" xmlns:r="http://schemas.openxmlformats.org/officeDocument/2006/relationships" xmlns:p="http://schemas.openxmlformats.org/presentationml/2006/main">
   <p:cSld>
     <p:spTree>
@@ -15408,6 +17756,30 @@
           <a:chExt cx="0" cy="0"/>
         </a:xfrm>
       </p:grpSpPr>
+      <p:pic>
+        <p:nvPicPr>
+          <p:cNvPr id="5" name="Picture 4"/>
+          <p:cNvPicPr>
+            <a:picLocks noChangeAspect="1"/>
+          </p:cNvPicPr>
+          <p:nvPr/>
+        </p:nvPicPr>
+        <p:blipFill>
+          <a:blip r:embed="rId2"/>
+          <a:stretch>
+            <a:fillRect/>
+          </a:stretch>
+        </p:blipFill>
+        <p:spPr>
+          <a:xfrm>
+            <a:off x="467544" y="1054637"/>
+            <a:ext cx="8439150" cy="1504950"/>
+          </a:xfrm>
+          <a:prstGeom prst="rect">
+            <a:avLst/>
+          </a:prstGeom>
+        </p:spPr>
+      </p:pic>
       <p:sp>
         <p:nvSpPr>
           <p:cNvPr id="2" name="Text Placeholder 1"/>
@@ -15463,6 +17835,204 @@
           </a:p>
         </p:txBody>
       </p:sp>
+      <p:pic>
+        <p:nvPicPr>
+          <p:cNvPr id="1028" name="Picture 4" descr="Image result for mvn site"/>
+          <p:cNvPicPr>
+            <a:picLocks noChangeAspect="1" noChangeArrowheads="1"/>
+          </p:cNvPicPr>
+          <p:nvPr/>
+        </p:nvPicPr>
+        <p:blipFill rotWithShape="1">
+          <a:blip r:embed="rId3">
+            <a:extLst>
+              <a:ext uri="{28A0092B-C50C-407E-A947-70E740481C1C}">
+                <a14:useLocalDpi xmlns:a14="http://schemas.microsoft.com/office/drawing/2010/main" val="0"/>
+              </a:ext>
+            </a:extLst>
+          </a:blip>
+          <a:srcRect l="696" t="1085" r="696" b="8197"/>
+          <a:stretch/>
+        </p:blipFill>
+        <p:spPr bwMode="auto">
+          <a:xfrm>
+            <a:off x="2267744" y="2703359"/>
+            <a:ext cx="4752529" cy="2193475"/>
+          </a:xfrm>
+          <a:prstGeom prst="rect">
+            <a:avLst/>
+          </a:prstGeom>
+          <a:noFill/>
+          <a:ln w="12700">
+            <a:solidFill>
+              <a:schemeClr val="accent1">
+                <a:lumMod val="75000"/>
+              </a:schemeClr>
+            </a:solidFill>
+          </a:ln>
+          <a:extLst>
+            <a:ext uri="{909E8E84-426E-40DD-AFC4-6F175D3DCCD1}">
+              <a14:hiddenFill xmlns:a14="http://schemas.microsoft.com/office/drawing/2010/main">
+                <a:solidFill>
+                  <a:srgbClr val="FFFFFF"/>
+                </a:solidFill>
+              </a14:hiddenFill>
+            </a:ext>
+          </a:extLst>
+        </p:spPr>
+      </p:pic>
+      <p:pic>
+        <p:nvPicPr>
+          <p:cNvPr id="1032" name="Picture 8" descr="Image result for mvn site"/>
+          <p:cNvPicPr>
+            <a:picLocks noChangeAspect="1" noChangeArrowheads="1"/>
+          </p:cNvPicPr>
+          <p:nvPr/>
+        </p:nvPicPr>
+        <p:blipFill rotWithShape="1">
+          <a:blip r:embed="rId4">
+            <a:extLst>
+              <a:ext uri="{28A0092B-C50C-407E-A947-70E740481C1C}">
+                <a14:useLocalDpi xmlns:a14="http://schemas.microsoft.com/office/drawing/2010/main" val="0"/>
+              </a:ext>
+            </a:extLst>
+          </a:blip>
+          <a:srcRect l="15059" t="2970" r="20894" b="92830"/>
+          <a:stretch/>
+        </p:blipFill>
+        <p:spPr bwMode="auto">
+          <a:xfrm>
+            <a:off x="2267744" y="2356806"/>
+            <a:ext cx="4032449" cy="144016"/>
+          </a:xfrm>
+          <a:prstGeom prst="rect">
+            <a:avLst/>
+          </a:prstGeom>
+          <a:noFill/>
+          <a:ln w="12700">
+            <a:solidFill>
+              <a:schemeClr val="accent1">
+                <a:lumMod val="75000"/>
+              </a:schemeClr>
+            </a:solidFill>
+          </a:ln>
+          <a:extLst>
+            <a:ext uri="{909E8E84-426E-40DD-AFC4-6F175D3DCCD1}">
+              <a14:hiddenFill xmlns:a14="http://schemas.microsoft.com/office/drawing/2010/main">
+                <a:solidFill>
+                  <a:srgbClr val="FFFFFF"/>
+                </a:solidFill>
+              </a14:hiddenFill>
+            </a:ext>
+          </a:extLst>
+        </p:spPr>
+      </p:pic>
+      <p:sp>
+        <p:nvSpPr>
+          <p:cNvPr id="9" name="TextBox 8">
+            <a:extLst>
+              <a:ext uri="{FF2B5EF4-FFF2-40B4-BE49-F238E27FC236}">
+                <a16:creationId xmlns:a16="http://schemas.microsoft.com/office/drawing/2014/main" id="{AB924E02-433B-E94C-9A98-D2201A43CC74}"/>
+              </a:ext>
+            </a:extLst>
+          </p:cNvPr>
+          <p:cNvSpPr txBox="1"/>
+          <p:nvPr/>
+        </p:nvSpPr>
+        <p:spPr>
+          <a:xfrm>
+            <a:off x="1114072" y="2290314"/>
+            <a:ext cx="1153672" cy="276999"/>
+          </a:xfrm>
+          <a:prstGeom prst="rect">
+            <a:avLst/>
+          </a:prstGeom>
+          <a:noFill/>
+        </p:spPr>
+        <p:txBody>
+          <a:bodyPr wrap="square" rtlCol="0" anchor="ctr">
+            <a:spAutoFit/>
+          </a:bodyPr>
+          <a:lstStyle/>
+          <a:p>
+            <a:pPr algn="r"/>
+            <a:r>
+              <a:rPr lang="en-US" altLang="ko-KR" sz="1200" b="1" dirty="0" smtClean="0">
+                <a:solidFill>
+                  <a:schemeClr val="tx1">
+                    <a:lumMod val="75000"/>
+                    <a:lumOff val="25000"/>
+                  </a:schemeClr>
+                </a:solidFill>
+                <a:cs typeface="Arial" pitchFamily="34" charset="0"/>
+              </a:rPr>
+              <a:t>Site Location</a:t>
+            </a:r>
+            <a:endParaRPr lang="ko-KR" altLang="en-US" sz="1200" b="1" dirty="0">
+              <a:solidFill>
+                <a:schemeClr val="tx1">
+                  <a:lumMod val="75000"/>
+                  <a:lumOff val="25000"/>
+                </a:schemeClr>
+              </a:solidFill>
+              <a:cs typeface="Arial" pitchFamily="34" charset="0"/>
+            </a:endParaRPr>
+          </a:p>
+        </p:txBody>
+      </p:sp>
+      <p:sp>
+        <p:nvSpPr>
+          <p:cNvPr id="10" name="TextBox 9">
+            <a:extLst>
+              <a:ext uri="{FF2B5EF4-FFF2-40B4-BE49-F238E27FC236}">
+                <a16:creationId xmlns:a16="http://schemas.microsoft.com/office/drawing/2014/main" id="{AB924E02-433B-E94C-9A98-D2201A43CC74}"/>
+              </a:ext>
+            </a:extLst>
+          </p:cNvPr>
+          <p:cNvSpPr txBox="1"/>
+          <p:nvPr/>
+        </p:nvSpPr>
+        <p:spPr>
+          <a:xfrm>
+            <a:off x="1292251" y="2643566"/>
+            <a:ext cx="975494" cy="276999"/>
+          </a:xfrm>
+          <a:prstGeom prst="rect">
+            <a:avLst/>
+          </a:prstGeom>
+          <a:noFill/>
+        </p:spPr>
+        <p:txBody>
+          <a:bodyPr wrap="square" rtlCol="0" anchor="ctr">
+            <a:spAutoFit/>
+          </a:bodyPr>
+          <a:lstStyle/>
+          <a:p>
+            <a:pPr algn="r"/>
+            <a:r>
+              <a:rPr lang="en-US" altLang="ko-KR" sz="1200" b="1" dirty="0" smtClean="0">
+                <a:solidFill>
+                  <a:schemeClr val="tx1">
+                    <a:lumMod val="75000"/>
+                    <a:lumOff val="25000"/>
+                  </a:schemeClr>
+                </a:solidFill>
+                <a:cs typeface="Arial" pitchFamily="34" charset="0"/>
+              </a:rPr>
+              <a:t>Site HTML</a:t>
+            </a:r>
+            <a:endParaRPr lang="ko-KR" altLang="en-US" sz="1200" b="1" dirty="0">
+              <a:solidFill>
+                <a:schemeClr val="tx1">
+                  <a:lumMod val="75000"/>
+                  <a:lumOff val="25000"/>
+                </a:schemeClr>
+              </a:solidFill>
+              <a:cs typeface="Arial" pitchFamily="34" charset="0"/>
+            </a:endParaRPr>
+          </a:p>
+        </p:txBody>
+      </p:sp>
     </p:spTree>
     <p:extLst>
       <p:ext uri="{BB962C8B-B14F-4D97-AF65-F5344CB8AC3E}">
@@ -15473,10 +18043,17 @@
   <p:clrMapOvr>
     <a:masterClrMapping/>
   </p:clrMapOvr>
+  <p:timing>
+    <p:tnLst>
+      <p:par>
+        <p:cTn id="1" dur="indefinite" restart="never" nodeType="tmRoot"/>
+      </p:par>
+    </p:tnLst>
+  </p:timing>
 </p:sld>
 </file>
 
-<file path=ppt/slides/slide18.xml><?xml version="1.0" encoding="utf-8"?>
+<file path=ppt/slides/slide17.xml><?xml version="1.0" encoding="utf-8"?>
 <p:sld xmlns:a="http://schemas.openxmlformats.org/drawingml/2006/main" xmlns:r="http://schemas.openxmlformats.org/officeDocument/2006/relationships" xmlns:p="http://schemas.openxmlformats.org/presentationml/2006/main">
   <p:cSld>
     <p:spTree>
@@ -15538,23 +18115,28 @@
           <a:p>
             <a:pPr lvl="0"/>
             <a:r>
+              <a:rPr lang="en-US" altLang="ko-KR" dirty="0" smtClean="0"/>
+              <a:t>📱</a:t>
+            </a:r>
+            <a:r>
               <a:rPr lang="en-US" altLang="ko-KR" dirty="0"/>
-              <a:t>Feel free to connect </a:t>
+              <a:t>9836038333</a:t>
             </a:r>
           </a:p>
           <a:p>
             <a:pPr lvl="0"/>
             <a:r>
               <a:rPr lang="en-US" altLang="ko-KR" dirty="0"/>
-              <a:t>📱9836038333</a:t>
+              <a:t>📧 </a:t>
+            </a:r>
+            <a:r>
+              <a:rPr lang="en-US" altLang="ko-KR" dirty="0" smtClean="0"/>
+              <a:t>mrinmay.santra@gmail.com</a:t>
             </a:r>
           </a:p>
           <a:p>
             <a:pPr lvl="0"/>
-            <a:r>
-              <a:rPr lang="en-US" altLang="ko-KR" dirty="0"/>
-              <a:t>📧 mrinmay.santra@gmail.com</a:t>
-            </a:r>
+            <a:endParaRPr lang="en-US" altLang="ko-KR" dirty="0"/>
           </a:p>
         </p:txBody>
       </p:sp>
@@ -15744,6 +18326,83 @@
           </a:p>
         </p:txBody>
       </p:sp>
+      <p:pic>
+        <p:nvPicPr>
+          <p:cNvPr id="7" name="Picture 6" descr="Related image"/>
+          <p:cNvPicPr/>
+          <p:nvPr/>
+        </p:nvPicPr>
+        <p:blipFill>
+          <a:blip r:embed="rId2" cstate="print">
+            <a:extLst>
+              <a:ext uri="{BEBA8EAE-BF5A-486C-A8C5-ECC9F3942E4B}">
+                <a14:imgProps xmlns:a14="http://schemas.microsoft.com/office/drawing/2010/main">
+                  <a14:imgLayer r:embed="rId3">
+                    <a14:imgEffect>
+                      <a14:sharpenSoften amount="-7000"/>
+                    </a14:imgEffect>
+                  </a14:imgLayer>
+                </a14:imgProps>
+              </a:ext>
+              <a:ext uri="{28A0092B-C50C-407E-A947-70E740481C1C}">
+                <a14:useLocalDpi xmlns:a14="http://schemas.microsoft.com/office/drawing/2010/main" val="0"/>
+              </a:ext>
+            </a:extLst>
+          </a:blip>
+          <a:srcRect/>
+          <a:stretch>
+            <a:fillRect/>
+          </a:stretch>
+        </p:blipFill>
+        <p:spPr bwMode="auto">
+          <a:xfrm>
+            <a:off x="3362769" y="3215413"/>
+            <a:ext cx="151649" cy="151649"/>
+          </a:xfrm>
+          <a:prstGeom prst="rect">
+            <a:avLst/>
+          </a:prstGeom>
+          <a:noFill/>
+          <a:ln>
+            <a:noFill/>
+          </a:ln>
+        </p:spPr>
+      </p:pic>
+      <p:sp>
+        <p:nvSpPr>
+          <p:cNvPr id="4" name="Rectangle 3"/>
+          <p:cNvSpPr/>
+          <p:nvPr/>
+        </p:nvSpPr>
+        <p:spPr>
+          <a:xfrm>
+            <a:off x="3514418" y="3183515"/>
+            <a:ext cx="2755006" cy="215444"/>
+          </a:xfrm>
+          <a:prstGeom prst="rect">
+            <a:avLst/>
+          </a:prstGeom>
+        </p:spPr>
+        <p:txBody>
+          <a:bodyPr wrap="square">
+            <a:spAutoFit/>
+          </a:bodyPr>
+          <a:lstStyle/>
+          <a:p>
+            <a:r>
+              <a:rPr lang="en-US" sz="800" dirty="0">
+                <a:solidFill>
+                  <a:schemeClr val="tx1">
+                    <a:lumMod val="75000"/>
+                    <a:lumOff val="25000"/>
+                  </a:schemeClr>
+                </a:solidFill>
+              </a:rPr>
+              <a:t>https://github.com/mksrepo/springboot/tree/develop</a:t>
+            </a:r>
+          </a:p>
+        </p:txBody>
+      </p:sp>
     </p:spTree>
     <p:extLst>
       <p:ext uri="{BB962C8B-B14F-4D97-AF65-F5344CB8AC3E}">
@@ -15754,6 +18413,13 @@
   <p:clrMapOvr>
     <a:masterClrMapping/>
   </p:clrMapOvr>
+  <p:timing>
+    <p:tnLst>
+      <p:par>
+        <p:cTn id="1" dur="indefinite" restart="never" nodeType="tmRoot"/>
+      </p:par>
+    </p:tnLst>
+  </p:timing>
 </p:sld>
 </file>
 
@@ -15788,7 +18454,7 @@
         </p:nvGrpSpPr>
         <p:grpSpPr>
           <a:xfrm>
-            <a:off x="2339752" y="912591"/>
+            <a:off x="2257452" y="865974"/>
             <a:ext cx="3004522" cy="466247"/>
             <a:chOff x="2934123" y="2915275"/>
             <a:chExt cx="3004522" cy="466247"/>
@@ -16231,7 +18897,7 @@
         </p:nvSpPr>
         <p:spPr>
           <a:xfrm>
-            <a:off x="0" y="123478"/>
+            <a:off x="0" y="195683"/>
             <a:ext cx="9144000" cy="576064"/>
           </a:xfrm>
           <a:prstGeom prst="rect">
@@ -16325,9 +18991,10 @@
           </a:lstStyle>
           <a:p>
             <a:r>
-              <a:rPr lang="en-US" altLang="ko-KR" dirty="0"/>
-              <a:t>Mavenized Agenda</a:t>
+              <a:rPr lang="en-US" altLang="ko-KR" dirty="0" smtClean="0"/>
+              <a:t>Agenda</a:t>
             </a:r>
+            <a:endParaRPr lang="en-US" altLang="ko-KR" dirty="0"/>
           </a:p>
         </p:txBody>
       </p:sp>
@@ -16345,7 +19012,7 @@
         </p:nvGrpSpPr>
         <p:grpSpPr>
           <a:xfrm>
-            <a:off x="2339752" y="1491630"/>
+            <a:off x="2257452" y="1410135"/>
             <a:ext cx="3004522" cy="466247"/>
             <a:chOff x="2934123" y="2915275"/>
             <a:chExt cx="3004522" cy="466247"/>
@@ -16766,449 +19433,23 @@
                   </a:solidFill>
                   <a:cs typeface="Arial" pitchFamily="34" charset="0"/>
                 </a:rPr>
-                <a:t>Maven Identity</a:t>
+                <a:t>Maven </a:t>
               </a:r>
-            </a:p>
-          </p:txBody>
-        </p:sp>
-      </p:grpSp>
-      <p:grpSp>
-        <p:nvGrpSpPr>
-          <p:cNvPr id="122" name="Group 121">
-            <a:extLst>
-              <a:ext uri="{FF2B5EF4-FFF2-40B4-BE49-F238E27FC236}">
-                <a16:creationId xmlns:a16="http://schemas.microsoft.com/office/drawing/2014/main" id="{A46DA1A8-6C94-A844-88E8-8E1881C402F3}"/>
-              </a:ext>
-            </a:extLst>
-          </p:cNvPr>
-          <p:cNvGrpSpPr/>
-          <p:nvPr/>
-        </p:nvGrpSpPr>
-        <p:grpSpPr>
-          <a:xfrm>
-            <a:off x="2325286" y="2053323"/>
-            <a:ext cx="3004522" cy="466247"/>
-            <a:chOff x="2934123" y="2915275"/>
-            <a:chExt cx="3004522" cy="466247"/>
-          </a:xfrm>
-          <a:effectLst>
-            <a:outerShdw blurRad="63500" sx="102000" sy="102000" algn="ctr" rotWithShape="0">
-              <a:prstClr val="black">
-                <a:alpha val="40000"/>
-              </a:prstClr>
-            </a:outerShdw>
-          </a:effectLst>
-        </p:grpSpPr>
-        <p:sp>
-          <p:nvSpPr>
-            <p:cNvPr id="123" name="Round Same Side Corner Rectangle 122">
-              <a:extLst>
-                <a:ext uri="{FF2B5EF4-FFF2-40B4-BE49-F238E27FC236}">
-                  <a16:creationId xmlns:a16="http://schemas.microsoft.com/office/drawing/2014/main" id="{8C40E3C0-1CE5-7B47-9A5F-590007E04044}"/>
-                </a:ext>
-              </a:extLst>
-            </p:cNvPr>
-            <p:cNvSpPr/>
-            <p:nvPr/>
-          </p:nvSpPr>
-          <p:spPr>
-            <a:xfrm rot="5400000">
-              <a:off x="4504647" y="1870679"/>
-              <a:ext cx="317675" cy="2550321"/>
-            </a:xfrm>
-            <a:prstGeom prst="round2SameRect">
-              <a:avLst>
-                <a:gd name="adj1" fmla="val 50000"/>
-                <a:gd name="adj2" fmla="val 0"/>
-              </a:avLst>
-            </a:prstGeom>
-            <a:solidFill>
-              <a:schemeClr val="accent3"/>
-            </a:solidFill>
-            <a:ln>
-              <a:noFill/>
-            </a:ln>
-          </p:spPr>
-          <p:style>
-            <a:lnRef idx="2">
-              <a:schemeClr val="accent1">
-                <a:shade val="50000"/>
-              </a:schemeClr>
-            </a:lnRef>
-            <a:fillRef idx="1">
-              <a:schemeClr val="accent1"/>
-            </a:fillRef>
-            <a:effectRef idx="0">
-              <a:schemeClr val="accent1"/>
-            </a:effectRef>
-            <a:fontRef idx="minor">
-              <a:schemeClr val="lt1"/>
-            </a:fontRef>
-          </p:style>
-          <p:txBody>
-            <a:bodyPr rot="0" spcFirstLastPara="0" vertOverflow="overflow" horzOverflow="overflow" vert="horz" wrap="square" lIns="91440" tIns="45720" rIns="91440" bIns="45720" numCol="1" spcCol="0" rtlCol="0" fromWordArt="0" anchor="ctr" anchorCtr="0" forceAA="0" compatLnSpc="1">
-              <a:prstTxWarp prst="textNoShape">
-                <a:avLst/>
-              </a:prstTxWarp>
-              <a:noAutofit/>
-            </a:bodyPr>
-            <a:lstStyle/>
-            <a:p>
-              <a:pPr algn="ctr"/>
-              <a:endParaRPr lang="ko-KR" altLang="en-US" dirty="0"/>
-            </a:p>
-          </p:txBody>
-        </p:sp>
-        <p:sp>
-          <p:nvSpPr>
-            <p:cNvPr id="124" name="AutoShape 92">
-              <a:extLst>
-                <a:ext uri="{FF2B5EF4-FFF2-40B4-BE49-F238E27FC236}">
-                  <a16:creationId xmlns:a16="http://schemas.microsoft.com/office/drawing/2014/main" id="{028C7C72-AB0C-1B49-B033-0FC9C4061C89}"/>
-                </a:ext>
-              </a:extLst>
-            </p:cNvPr>
-            <p:cNvSpPr>
-              <a:spLocks noChangeAspect="1" noChangeArrowheads="1"/>
-            </p:cNvSpPr>
-            <p:nvPr/>
-          </p:nvSpPr>
-          <p:spPr bwMode="auto">
-            <a:xfrm rot="16200000" flipH="1">
-              <a:off x="2984973" y="2915275"/>
-              <a:ext cx="466247" cy="466247"/>
-            </a:xfrm>
-            <a:prstGeom prst="ellipse">
-              <a:avLst/>
-            </a:prstGeom>
-            <a:solidFill>
-              <a:schemeClr val="bg1"/>
-            </a:solidFill>
-            <a:ln w="50800">
-              <a:solidFill>
-                <a:schemeClr val="accent3"/>
-              </a:solidFill>
-              <a:headEnd/>
-              <a:tailEnd/>
-            </a:ln>
-            <a:effectLst/>
-            <a:scene3d>
-              <a:camera prst="orthographicFront">
-                <a:rot lat="0" lon="0" rev="0"/>
-              </a:camera>
-              <a:lightRig rig="contrasting" dir="t">
-                <a:rot lat="0" lon="0" rev="1500000"/>
-              </a:lightRig>
-            </a:scene3d>
-            <a:sp3d prstMaterial="metal">
-              <a:bevelT w="0" h="0"/>
-            </a:sp3d>
-          </p:spPr>
-          <p:style>
-            <a:lnRef idx="1">
-              <a:schemeClr val="accent1"/>
-            </a:lnRef>
-            <a:fillRef idx="3">
-              <a:schemeClr val="accent1"/>
-            </a:fillRef>
-            <a:effectRef idx="2">
-              <a:schemeClr val="accent1"/>
-            </a:effectRef>
-            <a:fontRef idx="minor">
-              <a:schemeClr val="lt1"/>
-            </a:fontRef>
-          </p:style>
-          <p:txBody>
-            <a:bodyPr wrap="none" anchor="ctr"/>
-            <a:lstStyle>
-              <a:defPPr>
-                <a:defRPr lang="ko-KR"/>
-              </a:defPPr>
-              <a:lvl1pPr marL="0" algn="l" defTabSz="914400" rtl="0" eaLnBrk="1" latinLnBrk="1" hangingPunct="1">
-                <a:defRPr sz="1800" kern="1200">
-                  <a:solidFill>
-                    <a:schemeClr val="lt1"/>
-                  </a:solidFill>
-                  <a:latin typeface="+mn-lt"/>
-                  <a:ea typeface="+mn-ea"/>
-                  <a:cs typeface="+mn-cs"/>
-                </a:defRPr>
-              </a:lvl1pPr>
-              <a:lvl2pPr marL="457200" algn="l" defTabSz="914400" rtl="0" eaLnBrk="1" latinLnBrk="1" hangingPunct="1">
-                <a:defRPr sz="1800" kern="1200">
-                  <a:solidFill>
-                    <a:schemeClr val="lt1"/>
-                  </a:solidFill>
-                  <a:latin typeface="+mn-lt"/>
-                  <a:ea typeface="+mn-ea"/>
-                  <a:cs typeface="+mn-cs"/>
-                </a:defRPr>
-              </a:lvl2pPr>
-              <a:lvl3pPr marL="914400" algn="l" defTabSz="914400" rtl="0" eaLnBrk="1" latinLnBrk="1" hangingPunct="1">
-                <a:defRPr sz="1800" kern="1200">
-                  <a:solidFill>
-                    <a:schemeClr val="lt1"/>
-                  </a:solidFill>
-                  <a:latin typeface="+mn-lt"/>
-                  <a:ea typeface="+mn-ea"/>
-                  <a:cs typeface="+mn-cs"/>
-                </a:defRPr>
-              </a:lvl3pPr>
-              <a:lvl4pPr marL="1371600" algn="l" defTabSz="914400" rtl="0" eaLnBrk="1" latinLnBrk="1" hangingPunct="1">
-                <a:defRPr sz="1800" kern="1200">
-                  <a:solidFill>
-                    <a:schemeClr val="lt1"/>
-                  </a:solidFill>
-                  <a:latin typeface="+mn-lt"/>
-                  <a:ea typeface="+mn-ea"/>
-                  <a:cs typeface="+mn-cs"/>
-                </a:defRPr>
-              </a:lvl4pPr>
-              <a:lvl5pPr marL="1828800" algn="l" defTabSz="914400" rtl="0" eaLnBrk="1" latinLnBrk="1" hangingPunct="1">
-                <a:defRPr sz="1800" kern="1200">
-                  <a:solidFill>
-                    <a:schemeClr val="lt1"/>
-                  </a:solidFill>
-                  <a:latin typeface="+mn-lt"/>
-                  <a:ea typeface="+mn-ea"/>
-                  <a:cs typeface="+mn-cs"/>
-                </a:defRPr>
-              </a:lvl5pPr>
-              <a:lvl6pPr marL="2286000" algn="l" defTabSz="914400" rtl="0" eaLnBrk="1" latinLnBrk="1" hangingPunct="1">
-                <a:defRPr sz="1800" kern="1200">
-                  <a:solidFill>
-                    <a:schemeClr val="lt1"/>
-                  </a:solidFill>
-                  <a:latin typeface="+mn-lt"/>
-                  <a:ea typeface="+mn-ea"/>
-                  <a:cs typeface="+mn-cs"/>
-                </a:defRPr>
-              </a:lvl6pPr>
-              <a:lvl7pPr marL="2743200" algn="l" defTabSz="914400" rtl="0" eaLnBrk="1" latinLnBrk="1" hangingPunct="1">
-                <a:defRPr sz="1800" kern="1200">
-                  <a:solidFill>
-                    <a:schemeClr val="lt1"/>
-                  </a:solidFill>
-                  <a:latin typeface="+mn-lt"/>
-                  <a:ea typeface="+mn-ea"/>
-                  <a:cs typeface="+mn-cs"/>
-                </a:defRPr>
-              </a:lvl7pPr>
-              <a:lvl8pPr marL="3200400" algn="l" defTabSz="914400" rtl="0" eaLnBrk="1" latinLnBrk="1" hangingPunct="1">
-                <a:defRPr sz="1800" kern="1200">
-                  <a:solidFill>
-                    <a:schemeClr val="lt1"/>
-                  </a:solidFill>
-                  <a:latin typeface="+mn-lt"/>
-                  <a:ea typeface="+mn-ea"/>
-                  <a:cs typeface="+mn-cs"/>
-                </a:defRPr>
-              </a:lvl8pPr>
-              <a:lvl9pPr marL="3657600" algn="l" defTabSz="914400" rtl="0" eaLnBrk="1" latinLnBrk="1" hangingPunct="1">
-                <a:defRPr sz="1800" kern="1200">
-                  <a:solidFill>
-                    <a:schemeClr val="lt1"/>
-                  </a:solidFill>
-                  <a:latin typeface="+mn-lt"/>
-                  <a:ea typeface="+mn-ea"/>
-                  <a:cs typeface="+mn-cs"/>
-                </a:defRPr>
-              </a:lvl9pPr>
-            </a:lstStyle>
-            <a:p>
-              <a:pPr algn="ctr" fontAlgn="auto">
-                <a:spcBef>
-                  <a:spcPts val="0"/>
-                </a:spcBef>
-                <a:spcAft>
-                  <a:spcPts val="0"/>
-                </a:spcAft>
-                <a:defRPr/>
-              </a:pPr>
-              <a:endParaRPr kumimoji="0" lang="ko-KR" altLang="en-US" sz="2800" dirty="0">
-                <a:solidFill>
-                  <a:schemeClr val="bg1"/>
-                </a:solidFill>
-              </a:endParaRPr>
-            </a:p>
-          </p:txBody>
-        </p:sp>
-        <p:sp>
-          <p:nvSpPr>
-            <p:cNvPr id="125" name="TextBox 124">
-              <a:extLst>
-                <a:ext uri="{FF2B5EF4-FFF2-40B4-BE49-F238E27FC236}">
-                  <a16:creationId xmlns:a16="http://schemas.microsoft.com/office/drawing/2014/main" id="{7A2E8CD9-05C1-134A-AFE1-C9196DF99933}"/>
-                </a:ext>
-              </a:extLst>
-            </p:cNvPr>
-            <p:cNvSpPr txBox="1"/>
-            <p:nvPr/>
-          </p:nvSpPr>
-          <p:spPr>
-            <a:xfrm>
-              <a:off x="2934123" y="3003506"/>
-              <a:ext cx="569802" cy="276999"/>
-            </a:xfrm>
-            <a:prstGeom prst="rect">
-              <a:avLst/>
-            </a:prstGeom>
-            <a:noFill/>
-          </p:spPr>
-          <p:txBody>
-            <a:bodyPr wrap="square" tIns="0" bIns="0" rtlCol="0" anchor="ctr">
-              <a:spAutoFit/>
-            </a:bodyPr>
-            <a:lstStyle/>
-            <a:p>
-              <a:pPr algn="ctr"/>
               <a:r>
-                <a:rPr lang="en-US" altLang="ko-KR" b="1" dirty="0">
-                  <a:solidFill>
-                    <a:schemeClr val="accent3"/>
-                  </a:solidFill>
-                  <a:cs typeface="Arial" pitchFamily="34" charset="0"/>
-                </a:rPr>
-                <a:t>05</a:t>
-              </a:r>
-            </a:p>
-          </p:txBody>
-        </p:sp>
-        <p:sp>
-          <p:nvSpPr>
-            <p:cNvPr id="126" name="TextBox 125">
-              <a:extLst>
-                <a:ext uri="{FF2B5EF4-FFF2-40B4-BE49-F238E27FC236}">
-                  <a16:creationId xmlns:a16="http://schemas.microsoft.com/office/drawing/2014/main" id="{936EB9DE-BE92-8345-AC99-CD55C2DE34F0}"/>
-                </a:ext>
-              </a:extLst>
-            </p:cNvPr>
-            <p:cNvSpPr txBox="1"/>
-            <p:nvPr/>
-          </p:nvSpPr>
-          <p:spPr bwMode="auto">
-            <a:xfrm>
-              <a:off x="3488773" y="3009898"/>
-              <a:ext cx="2413959" cy="276999"/>
-            </a:xfrm>
-            <a:prstGeom prst="rect">
-              <a:avLst/>
-            </a:prstGeom>
-            <a:noFill/>
-            <a:effectLst/>
-          </p:spPr>
-          <p:txBody>
-            <a:bodyPr wrap="square" anchor="ctr">
-              <a:spAutoFit/>
-            </a:bodyPr>
-            <a:lstStyle>
-              <a:defPPr>
-                <a:defRPr lang="ko-KR"/>
-              </a:defPPr>
-              <a:lvl1pPr marL="0" algn="l" defTabSz="914400" rtl="0" eaLnBrk="1" latinLnBrk="1" hangingPunct="1">
-                <a:defRPr sz="1800" kern="1200">
-                  <a:solidFill>
-                    <a:schemeClr val="tx1"/>
-                  </a:solidFill>
-                  <a:latin typeface="+mn-lt"/>
-                  <a:ea typeface="+mn-ea"/>
-                  <a:cs typeface="+mn-cs"/>
-                </a:defRPr>
-              </a:lvl1pPr>
-              <a:lvl2pPr marL="457200" algn="l" defTabSz="914400" rtl="0" eaLnBrk="1" latinLnBrk="1" hangingPunct="1">
-                <a:defRPr sz="1800" kern="1200">
-                  <a:solidFill>
-                    <a:schemeClr val="tx1"/>
-                  </a:solidFill>
-                  <a:latin typeface="+mn-lt"/>
-                  <a:ea typeface="+mn-ea"/>
-                  <a:cs typeface="+mn-cs"/>
-                </a:defRPr>
-              </a:lvl2pPr>
-              <a:lvl3pPr marL="914400" algn="l" defTabSz="914400" rtl="0" eaLnBrk="1" latinLnBrk="1" hangingPunct="1">
-                <a:defRPr sz="1800" kern="1200">
-                  <a:solidFill>
-                    <a:schemeClr val="tx1"/>
-                  </a:solidFill>
-                  <a:latin typeface="+mn-lt"/>
-                  <a:ea typeface="+mn-ea"/>
-                  <a:cs typeface="+mn-cs"/>
-                </a:defRPr>
-              </a:lvl3pPr>
-              <a:lvl4pPr marL="1371600" algn="l" defTabSz="914400" rtl="0" eaLnBrk="1" latinLnBrk="1" hangingPunct="1">
-                <a:defRPr sz="1800" kern="1200">
-                  <a:solidFill>
-                    <a:schemeClr val="tx1"/>
-                  </a:solidFill>
-                  <a:latin typeface="+mn-lt"/>
-                  <a:ea typeface="+mn-ea"/>
-                  <a:cs typeface="+mn-cs"/>
-                </a:defRPr>
-              </a:lvl4pPr>
-              <a:lvl5pPr marL="1828800" algn="l" defTabSz="914400" rtl="0" eaLnBrk="1" latinLnBrk="1" hangingPunct="1">
-                <a:defRPr sz="1800" kern="1200">
-                  <a:solidFill>
-                    <a:schemeClr val="tx1"/>
-                  </a:solidFill>
-                  <a:latin typeface="+mn-lt"/>
-                  <a:ea typeface="+mn-ea"/>
-                  <a:cs typeface="+mn-cs"/>
-                </a:defRPr>
-              </a:lvl5pPr>
-              <a:lvl6pPr marL="2286000" algn="l" defTabSz="914400" rtl="0" eaLnBrk="1" latinLnBrk="1" hangingPunct="1">
-                <a:defRPr sz="1800" kern="1200">
-                  <a:solidFill>
-                    <a:schemeClr val="tx1"/>
-                  </a:solidFill>
-                  <a:latin typeface="+mn-lt"/>
-                  <a:ea typeface="+mn-ea"/>
-                  <a:cs typeface="+mn-cs"/>
-                </a:defRPr>
-              </a:lvl6pPr>
-              <a:lvl7pPr marL="2743200" algn="l" defTabSz="914400" rtl="0" eaLnBrk="1" latinLnBrk="1" hangingPunct="1">
-                <a:defRPr sz="1800" kern="1200">
-                  <a:solidFill>
-                    <a:schemeClr val="tx1"/>
-                  </a:solidFill>
-                  <a:latin typeface="+mn-lt"/>
-                  <a:ea typeface="+mn-ea"/>
-                  <a:cs typeface="+mn-cs"/>
-                </a:defRPr>
-              </a:lvl7pPr>
-              <a:lvl8pPr marL="3200400" algn="l" defTabSz="914400" rtl="0" eaLnBrk="1" latinLnBrk="1" hangingPunct="1">
-                <a:defRPr sz="1800" kern="1200">
-                  <a:solidFill>
-                    <a:schemeClr val="tx1"/>
-                  </a:solidFill>
-                  <a:latin typeface="+mn-lt"/>
-                  <a:ea typeface="+mn-ea"/>
-                  <a:cs typeface="+mn-cs"/>
-                </a:defRPr>
-              </a:lvl8pPr>
-              <a:lvl9pPr marL="3657600" algn="l" defTabSz="914400" rtl="0" eaLnBrk="1" latinLnBrk="1" hangingPunct="1">
-                <a:defRPr sz="1800" kern="1200">
-                  <a:solidFill>
-                    <a:schemeClr val="tx1"/>
-                  </a:solidFill>
-                  <a:latin typeface="+mn-lt"/>
-                  <a:ea typeface="+mn-ea"/>
-                  <a:cs typeface="+mn-cs"/>
-                </a:defRPr>
-              </a:lvl9pPr>
-            </a:lstStyle>
-            <a:p>
-              <a:pPr>
-                <a:defRPr/>
-              </a:pPr>
-              <a:r>
-                <a:rPr lang="en-US" altLang="ko-KR" sz="1200" b="1" dirty="0">
+                <a:rPr lang="en-US" altLang="ko-KR" sz="1200" b="1" dirty="0" smtClean="0">
                   <a:solidFill>
                     <a:schemeClr val="bg1"/>
                   </a:solidFill>
                   <a:cs typeface="Arial" pitchFamily="34" charset="0"/>
                 </a:rPr>
-                <a:t>Maven Identity</a:t>
+                <a:t>In Action</a:t>
               </a:r>
+              <a:endParaRPr lang="en-US" altLang="ko-KR" sz="1200" b="1" dirty="0">
+                <a:solidFill>
+                  <a:schemeClr val="bg1"/>
+                </a:solidFill>
+                <a:cs typeface="Arial" pitchFamily="34" charset="0"/>
+              </a:endParaRPr>
             </a:p>
           </p:txBody>
         </p:sp>
@@ -17227,7 +19468,7 @@
         </p:nvGrpSpPr>
         <p:grpSpPr>
           <a:xfrm>
-            <a:off x="2325286" y="2632362"/>
+            <a:off x="2267744" y="1995686"/>
             <a:ext cx="3004522" cy="466247"/>
             <a:chOff x="2934123" y="2915275"/>
             <a:chExt cx="3004522" cy="466247"/>
@@ -17504,14 +19745,20 @@
             <a:p>
               <a:pPr algn="ctr"/>
               <a:r>
-                <a:rPr lang="en-US" altLang="ko-KR" b="1" dirty="0">
+                <a:rPr lang="en-US" altLang="ko-KR" b="1" dirty="0" smtClean="0">
                   <a:solidFill>
                     <a:schemeClr val="accent3"/>
                   </a:solidFill>
                   <a:cs typeface="Arial" pitchFamily="34" charset="0"/>
                 </a:rPr>
-                <a:t>07</a:t>
+                <a:t>05</a:t>
               </a:r>
+              <a:endParaRPr lang="en-US" altLang="ko-KR" b="1" dirty="0">
+                <a:solidFill>
+                  <a:schemeClr val="accent3"/>
+                </a:solidFill>
+                <a:cs typeface="Arial" pitchFamily="34" charset="0"/>
+              </a:endParaRPr>
             </a:p>
           </p:txBody>
         </p:sp>
@@ -17642,14 +19889,20 @@
                 <a:defRPr/>
               </a:pPr>
               <a:r>
-                <a:rPr lang="en-US" altLang="ko-KR" sz="1200" b="1" dirty="0">
+                <a:rPr lang="en-US" altLang="ko-KR" sz="1200" b="1" dirty="0" smtClean="0">
                   <a:solidFill>
                     <a:schemeClr val="bg1"/>
                   </a:solidFill>
                   <a:cs typeface="Arial" pitchFamily="34" charset="0"/>
                 </a:rPr>
-                <a:t>Maven Identity</a:t>
+                <a:t>POM - Coordinate</a:t>
               </a:r>
+              <a:endParaRPr lang="en-US" altLang="ko-KR" sz="1200" b="1" dirty="0">
+                <a:solidFill>
+                  <a:schemeClr val="bg1"/>
+                </a:solidFill>
+                <a:cs typeface="Arial" pitchFamily="34" charset="0"/>
+              </a:endParaRPr>
             </a:p>
           </p:txBody>
         </p:sp>
@@ -17668,7 +19921,7 @@
         </p:nvGrpSpPr>
         <p:grpSpPr>
           <a:xfrm>
-            <a:off x="2325286" y="3188599"/>
+            <a:off x="2267744" y="2543902"/>
             <a:ext cx="3004522" cy="466247"/>
             <a:chOff x="2934123" y="2915275"/>
             <a:chExt cx="3004522" cy="466247"/>
@@ -17945,14 +20198,20 @@
             <a:p>
               <a:pPr algn="ctr"/>
               <a:r>
-                <a:rPr lang="en-US" altLang="ko-KR" b="1" dirty="0">
+                <a:rPr lang="en-US" altLang="ko-KR" b="1" dirty="0" smtClean="0">
                   <a:solidFill>
                     <a:schemeClr val="accent3"/>
                   </a:solidFill>
                   <a:cs typeface="Arial" pitchFamily="34" charset="0"/>
                 </a:rPr>
-                <a:t>09</a:t>
+                <a:t>07</a:t>
               </a:r>
+              <a:endParaRPr lang="en-US" altLang="ko-KR" b="1" dirty="0">
+                <a:solidFill>
+                  <a:schemeClr val="accent3"/>
+                </a:solidFill>
+                <a:cs typeface="Arial" pitchFamily="34" charset="0"/>
+              </a:endParaRPr>
             </a:p>
           </p:txBody>
         </p:sp>
@@ -18083,14 +20342,20 @@
                 <a:defRPr/>
               </a:pPr>
               <a:r>
-                <a:rPr lang="en-US" altLang="ko-KR" sz="1200" b="1" dirty="0">
+                <a:rPr lang="en-US" altLang="ko-KR" sz="1200" b="1" dirty="0" smtClean="0">
                   <a:solidFill>
                     <a:schemeClr val="bg1"/>
                   </a:solidFill>
                   <a:cs typeface="Arial" pitchFamily="34" charset="0"/>
                 </a:rPr>
-                <a:t>Maven Identity</a:t>
+                <a:t>POM – Inheritance</a:t>
               </a:r>
+              <a:endParaRPr lang="en-US" altLang="ko-KR" sz="1200" b="1" dirty="0">
+                <a:solidFill>
+                  <a:schemeClr val="bg1"/>
+                </a:solidFill>
+                <a:cs typeface="Arial" pitchFamily="34" charset="0"/>
+              </a:endParaRPr>
             </a:p>
           </p:txBody>
         </p:sp>
@@ -18109,7 +20374,7 @@
         </p:nvGrpSpPr>
         <p:grpSpPr>
           <a:xfrm>
-            <a:off x="2325286" y="3767638"/>
+            <a:off x="2267744" y="3098878"/>
             <a:ext cx="3004522" cy="466247"/>
             <a:chOff x="2934123" y="2915275"/>
             <a:chExt cx="3004522" cy="466247"/>
@@ -18386,14 +20651,20 @@
             <a:p>
               <a:pPr algn="ctr"/>
               <a:r>
-                <a:rPr lang="en-US" altLang="ko-KR" b="1" dirty="0">
+                <a:rPr lang="en-US" altLang="ko-KR" b="1" dirty="0" smtClean="0">
                   <a:solidFill>
                     <a:schemeClr val="accent3"/>
                   </a:solidFill>
                   <a:cs typeface="Arial" pitchFamily="34" charset="0"/>
                 </a:rPr>
-                <a:t>11</a:t>
+                <a:t>09</a:t>
               </a:r>
+              <a:endParaRPr lang="en-US" altLang="ko-KR" b="1" dirty="0">
+                <a:solidFill>
+                  <a:schemeClr val="accent3"/>
+                </a:solidFill>
+                <a:cs typeface="Arial" pitchFamily="34" charset="0"/>
+              </a:endParaRPr>
             </a:p>
           </p:txBody>
         </p:sp>
@@ -18524,14 +20795,20 @@
                 <a:defRPr/>
               </a:pPr>
               <a:r>
-                <a:rPr lang="en-US" altLang="ko-KR" sz="1200" b="1" dirty="0">
+                <a:rPr lang="en-US" altLang="ko-KR" sz="1200" b="1" dirty="0" smtClean="0">
                   <a:solidFill>
                     <a:schemeClr val="bg1"/>
                   </a:solidFill>
                   <a:cs typeface="Arial" pitchFamily="34" charset="0"/>
                 </a:rPr>
-                <a:t>Maven Identity</a:t>
+                <a:t>Dependency Resolver</a:t>
               </a:r>
+              <a:endParaRPr lang="en-US" altLang="ko-KR" sz="1200" b="1" dirty="0">
+                <a:solidFill>
+                  <a:schemeClr val="bg1"/>
+                </a:solidFill>
+                <a:cs typeface="Arial" pitchFamily="34" charset="0"/>
+              </a:endParaRPr>
             </a:p>
           </p:txBody>
         </p:sp>
@@ -18550,7 +20827,7 @@
         </p:nvGrpSpPr>
         <p:grpSpPr>
           <a:xfrm>
-            <a:off x="2310820" y="4329331"/>
+            <a:off x="2253278" y="3644529"/>
             <a:ext cx="3004522" cy="466247"/>
             <a:chOff x="2934123" y="2915275"/>
             <a:chExt cx="3004522" cy="466247"/>
@@ -18827,14 +21104,20 @@
             <a:p>
               <a:pPr algn="ctr"/>
               <a:r>
-                <a:rPr lang="en-US" altLang="ko-KR" b="1" dirty="0">
+                <a:rPr lang="en-US" altLang="ko-KR" b="1" dirty="0" smtClean="0">
                   <a:solidFill>
                     <a:schemeClr val="accent3"/>
                   </a:solidFill>
                   <a:cs typeface="Arial" pitchFamily="34" charset="0"/>
                 </a:rPr>
-                <a:t>13</a:t>
+                <a:t>11</a:t>
               </a:r>
+              <a:endParaRPr lang="en-US" altLang="ko-KR" b="1" dirty="0">
+                <a:solidFill>
+                  <a:schemeClr val="accent3"/>
+                </a:solidFill>
+                <a:cs typeface="Arial" pitchFamily="34" charset="0"/>
+              </a:endParaRPr>
             </a:p>
           </p:txBody>
         </p:sp>
@@ -18965,14 +21248,20 @@
                 <a:defRPr/>
               </a:pPr>
               <a:r>
-                <a:rPr lang="en-US" altLang="ko-KR" sz="1200" b="1" dirty="0">
+                <a:rPr lang="en-US" altLang="ko-KR" sz="1200" b="1" dirty="0" smtClean="0">
                   <a:solidFill>
                     <a:schemeClr val="bg1"/>
                   </a:solidFill>
                   <a:cs typeface="Arial" pitchFamily="34" charset="0"/>
                 </a:rPr>
-                <a:t>Maven Identity</a:t>
+                <a:t>Plugin Orientation</a:t>
               </a:r>
+              <a:endParaRPr lang="en-US" altLang="ko-KR" sz="1200" b="1" dirty="0">
+                <a:solidFill>
+                  <a:schemeClr val="bg1"/>
+                </a:solidFill>
+                <a:cs typeface="Arial" pitchFamily="34" charset="0"/>
+              </a:endParaRPr>
             </a:p>
           </p:txBody>
         </p:sp>
@@ -18991,7 +21280,7 @@
         </p:nvGrpSpPr>
         <p:grpSpPr>
           <a:xfrm>
-            <a:off x="5577265" y="912590"/>
+            <a:off x="5494965" y="865973"/>
             <a:ext cx="3004522" cy="466247"/>
             <a:chOff x="2934123" y="2915275"/>
             <a:chExt cx="3004522" cy="466247"/>
@@ -19412,449 +21701,23 @@
                   </a:solidFill>
                   <a:cs typeface="Arial" pitchFamily="34" charset="0"/>
                 </a:rPr>
-                <a:t>Maven Identity</a:t>
+                <a:t>Maven </a:t>
               </a:r>
-            </a:p>
-          </p:txBody>
-        </p:sp>
-      </p:grpSp>
-      <p:grpSp>
-        <p:nvGrpSpPr>
-          <p:cNvPr id="157" name="Group 156">
-            <a:extLst>
-              <a:ext uri="{FF2B5EF4-FFF2-40B4-BE49-F238E27FC236}">
-                <a16:creationId xmlns:a16="http://schemas.microsoft.com/office/drawing/2014/main" id="{0EAFED44-FB47-3B41-B6E8-573100FEAE2D}"/>
-              </a:ext>
-            </a:extLst>
-          </p:cNvPr>
-          <p:cNvGrpSpPr/>
-          <p:nvPr/>
-        </p:nvGrpSpPr>
-        <p:grpSpPr>
-          <a:xfrm>
-            <a:off x="5577265" y="1491629"/>
-            <a:ext cx="3004522" cy="466247"/>
-            <a:chOff x="2934123" y="2915275"/>
-            <a:chExt cx="3004522" cy="466247"/>
-          </a:xfrm>
-          <a:effectLst>
-            <a:outerShdw blurRad="63500" sx="102000" sy="102000" algn="ctr" rotWithShape="0">
-              <a:prstClr val="black">
-                <a:alpha val="40000"/>
-              </a:prstClr>
-            </a:outerShdw>
-          </a:effectLst>
-        </p:grpSpPr>
-        <p:sp>
-          <p:nvSpPr>
-            <p:cNvPr id="158" name="Round Same Side Corner Rectangle 157">
-              <a:extLst>
-                <a:ext uri="{FF2B5EF4-FFF2-40B4-BE49-F238E27FC236}">
-                  <a16:creationId xmlns:a16="http://schemas.microsoft.com/office/drawing/2014/main" id="{AB354749-3FCB-4A4E-8866-229871F70EB3}"/>
-                </a:ext>
-              </a:extLst>
-            </p:cNvPr>
-            <p:cNvSpPr/>
-            <p:nvPr/>
-          </p:nvSpPr>
-          <p:spPr>
-            <a:xfrm rot="5400000">
-              <a:off x="4504647" y="1870679"/>
-              <a:ext cx="317675" cy="2550321"/>
-            </a:xfrm>
-            <a:prstGeom prst="round2SameRect">
-              <a:avLst>
-                <a:gd name="adj1" fmla="val 50000"/>
-                <a:gd name="adj2" fmla="val 0"/>
-              </a:avLst>
-            </a:prstGeom>
-            <a:solidFill>
-              <a:schemeClr val="accent3"/>
-            </a:solidFill>
-            <a:ln>
-              <a:noFill/>
-            </a:ln>
-          </p:spPr>
-          <p:style>
-            <a:lnRef idx="2">
-              <a:schemeClr val="accent1">
-                <a:shade val="50000"/>
-              </a:schemeClr>
-            </a:lnRef>
-            <a:fillRef idx="1">
-              <a:schemeClr val="accent1"/>
-            </a:fillRef>
-            <a:effectRef idx="0">
-              <a:schemeClr val="accent1"/>
-            </a:effectRef>
-            <a:fontRef idx="minor">
-              <a:schemeClr val="lt1"/>
-            </a:fontRef>
-          </p:style>
-          <p:txBody>
-            <a:bodyPr rot="0" spcFirstLastPara="0" vertOverflow="overflow" horzOverflow="overflow" vert="horz" wrap="square" lIns="91440" tIns="45720" rIns="91440" bIns="45720" numCol="1" spcCol="0" rtlCol="0" fromWordArt="0" anchor="ctr" anchorCtr="0" forceAA="0" compatLnSpc="1">
-              <a:prstTxWarp prst="textNoShape">
-                <a:avLst/>
-              </a:prstTxWarp>
-              <a:noAutofit/>
-            </a:bodyPr>
-            <a:lstStyle/>
-            <a:p>
-              <a:pPr algn="ctr"/>
-              <a:endParaRPr lang="ko-KR" altLang="en-US" dirty="0"/>
-            </a:p>
-          </p:txBody>
-        </p:sp>
-        <p:sp>
-          <p:nvSpPr>
-            <p:cNvPr id="159" name="AutoShape 92">
-              <a:extLst>
-                <a:ext uri="{FF2B5EF4-FFF2-40B4-BE49-F238E27FC236}">
-                  <a16:creationId xmlns:a16="http://schemas.microsoft.com/office/drawing/2014/main" id="{A25259A6-820A-B242-964B-C33B2A001FEE}"/>
-                </a:ext>
-              </a:extLst>
-            </p:cNvPr>
-            <p:cNvSpPr>
-              <a:spLocks noChangeAspect="1" noChangeArrowheads="1"/>
-            </p:cNvSpPr>
-            <p:nvPr/>
-          </p:nvSpPr>
-          <p:spPr bwMode="auto">
-            <a:xfrm rot="16200000" flipH="1">
-              <a:off x="2984973" y="2915275"/>
-              <a:ext cx="466247" cy="466247"/>
-            </a:xfrm>
-            <a:prstGeom prst="ellipse">
-              <a:avLst/>
-            </a:prstGeom>
-            <a:solidFill>
-              <a:schemeClr val="bg1"/>
-            </a:solidFill>
-            <a:ln w="50800">
-              <a:solidFill>
-                <a:schemeClr val="accent3"/>
-              </a:solidFill>
-              <a:headEnd/>
-              <a:tailEnd/>
-            </a:ln>
-            <a:effectLst/>
-            <a:scene3d>
-              <a:camera prst="orthographicFront">
-                <a:rot lat="0" lon="0" rev="0"/>
-              </a:camera>
-              <a:lightRig rig="contrasting" dir="t">
-                <a:rot lat="0" lon="0" rev="1500000"/>
-              </a:lightRig>
-            </a:scene3d>
-            <a:sp3d prstMaterial="metal">
-              <a:bevelT w="0" h="0"/>
-            </a:sp3d>
-          </p:spPr>
-          <p:style>
-            <a:lnRef idx="1">
-              <a:schemeClr val="accent1"/>
-            </a:lnRef>
-            <a:fillRef idx="3">
-              <a:schemeClr val="accent1"/>
-            </a:fillRef>
-            <a:effectRef idx="2">
-              <a:schemeClr val="accent1"/>
-            </a:effectRef>
-            <a:fontRef idx="minor">
-              <a:schemeClr val="lt1"/>
-            </a:fontRef>
-          </p:style>
-          <p:txBody>
-            <a:bodyPr wrap="none" anchor="ctr"/>
-            <a:lstStyle>
-              <a:defPPr>
-                <a:defRPr lang="ko-KR"/>
-              </a:defPPr>
-              <a:lvl1pPr marL="0" algn="l" defTabSz="914400" rtl="0" eaLnBrk="1" latinLnBrk="1" hangingPunct="1">
-                <a:defRPr sz="1800" kern="1200">
-                  <a:solidFill>
-                    <a:schemeClr val="lt1"/>
-                  </a:solidFill>
-                  <a:latin typeface="+mn-lt"/>
-                  <a:ea typeface="+mn-ea"/>
-                  <a:cs typeface="+mn-cs"/>
-                </a:defRPr>
-              </a:lvl1pPr>
-              <a:lvl2pPr marL="457200" algn="l" defTabSz="914400" rtl="0" eaLnBrk="1" latinLnBrk="1" hangingPunct="1">
-                <a:defRPr sz="1800" kern="1200">
-                  <a:solidFill>
-                    <a:schemeClr val="lt1"/>
-                  </a:solidFill>
-                  <a:latin typeface="+mn-lt"/>
-                  <a:ea typeface="+mn-ea"/>
-                  <a:cs typeface="+mn-cs"/>
-                </a:defRPr>
-              </a:lvl2pPr>
-              <a:lvl3pPr marL="914400" algn="l" defTabSz="914400" rtl="0" eaLnBrk="1" latinLnBrk="1" hangingPunct="1">
-                <a:defRPr sz="1800" kern="1200">
-                  <a:solidFill>
-                    <a:schemeClr val="lt1"/>
-                  </a:solidFill>
-                  <a:latin typeface="+mn-lt"/>
-                  <a:ea typeface="+mn-ea"/>
-                  <a:cs typeface="+mn-cs"/>
-                </a:defRPr>
-              </a:lvl3pPr>
-              <a:lvl4pPr marL="1371600" algn="l" defTabSz="914400" rtl="0" eaLnBrk="1" latinLnBrk="1" hangingPunct="1">
-                <a:defRPr sz="1800" kern="1200">
-                  <a:solidFill>
-                    <a:schemeClr val="lt1"/>
-                  </a:solidFill>
-                  <a:latin typeface="+mn-lt"/>
-                  <a:ea typeface="+mn-ea"/>
-                  <a:cs typeface="+mn-cs"/>
-                </a:defRPr>
-              </a:lvl4pPr>
-              <a:lvl5pPr marL="1828800" algn="l" defTabSz="914400" rtl="0" eaLnBrk="1" latinLnBrk="1" hangingPunct="1">
-                <a:defRPr sz="1800" kern="1200">
-                  <a:solidFill>
-                    <a:schemeClr val="lt1"/>
-                  </a:solidFill>
-                  <a:latin typeface="+mn-lt"/>
-                  <a:ea typeface="+mn-ea"/>
-                  <a:cs typeface="+mn-cs"/>
-                </a:defRPr>
-              </a:lvl5pPr>
-              <a:lvl6pPr marL="2286000" algn="l" defTabSz="914400" rtl="0" eaLnBrk="1" latinLnBrk="1" hangingPunct="1">
-                <a:defRPr sz="1800" kern="1200">
-                  <a:solidFill>
-                    <a:schemeClr val="lt1"/>
-                  </a:solidFill>
-                  <a:latin typeface="+mn-lt"/>
-                  <a:ea typeface="+mn-ea"/>
-                  <a:cs typeface="+mn-cs"/>
-                </a:defRPr>
-              </a:lvl6pPr>
-              <a:lvl7pPr marL="2743200" algn="l" defTabSz="914400" rtl="0" eaLnBrk="1" latinLnBrk="1" hangingPunct="1">
-                <a:defRPr sz="1800" kern="1200">
-                  <a:solidFill>
-                    <a:schemeClr val="lt1"/>
-                  </a:solidFill>
-                  <a:latin typeface="+mn-lt"/>
-                  <a:ea typeface="+mn-ea"/>
-                  <a:cs typeface="+mn-cs"/>
-                </a:defRPr>
-              </a:lvl7pPr>
-              <a:lvl8pPr marL="3200400" algn="l" defTabSz="914400" rtl="0" eaLnBrk="1" latinLnBrk="1" hangingPunct="1">
-                <a:defRPr sz="1800" kern="1200">
-                  <a:solidFill>
-                    <a:schemeClr val="lt1"/>
-                  </a:solidFill>
-                  <a:latin typeface="+mn-lt"/>
-                  <a:ea typeface="+mn-ea"/>
-                  <a:cs typeface="+mn-cs"/>
-                </a:defRPr>
-              </a:lvl8pPr>
-              <a:lvl9pPr marL="3657600" algn="l" defTabSz="914400" rtl="0" eaLnBrk="1" latinLnBrk="1" hangingPunct="1">
-                <a:defRPr sz="1800" kern="1200">
-                  <a:solidFill>
-                    <a:schemeClr val="lt1"/>
-                  </a:solidFill>
-                  <a:latin typeface="+mn-lt"/>
-                  <a:ea typeface="+mn-ea"/>
-                  <a:cs typeface="+mn-cs"/>
-                </a:defRPr>
-              </a:lvl9pPr>
-            </a:lstStyle>
-            <a:p>
-              <a:pPr algn="ctr" fontAlgn="auto">
-                <a:spcBef>
-                  <a:spcPts val="0"/>
-                </a:spcBef>
-                <a:spcAft>
-                  <a:spcPts val="0"/>
-                </a:spcAft>
-                <a:defRPr/>
-              </a:pPr>
-              <a:endParaRPr kumimoji="0" lang="ko-KR" altLang="en-US" sz="2800" dirty="0">
-                <a:solidFill>
-                  <a:schemeClr val="bg1"/>
-                </a:solidFill>
-              </a:endParaRPr>
-            </a:p>
-          </p:txBody>
-        </p:sp>
-        <p:sp>
-          <p:nvSpPr>
-            <p:cNvPr id="160" name="TextBox 159">
-              <a:extLst>
-                <a:ext uri="{FF2B5EF4-FFF2-40B4-BE49-F238E27FC236}">
-                  <a16:creationId xmlns:a16="http://schemas.microsoft.com/office/drawing/2014/main" id="{F2AE7DAA-18D6-D346-984B-34B943FA6665}"/>
-                </a:ext>
-              </a:extLst>
-            </p:cNvPr>
-            <p:cNvSpPr txBox="1"/>
-            <p:nvPr/>
-          </p:nvSpPr>
-          <p:spPr>
-            <a:xfrm>
-              <a:off x="2934123" y="3003506"/>
-              <a:ext cx="569802" cy="276999"/>
-            </a:xfrm>
-            <a:prstGeom prst="rect">
-              <a:avLst/>
-            </a:prstGeom>
-            <a:noFill/>
-          </p:spPr>
-          <p:txBody>
-            <a:bodyPr wrap="square" tIns="0" bIns="0" rtlCol="0" anchor="ctr">
-              <a:spAutoFit/>
-            </a:bodyPr>
-            <a:lstStyle/>
-            <a:p>
-              <a:pPr algn="ctr"/>
               <a:r>
-                <a:rPr lang="en-US" altLang="ko-KR" b="1" dirty="0">
-                  <a:solidFill>
-                    <a:schemeClr val="accent3"/>
-                  </a:solidFill>
-                  <a:cs typeface="Arial" pitchFamily="34" charset="0"/>
-                </a:rPr>
-                <a:t>04</a:t>
-              </a:r>
-            </a:p>
-          </p:txBody>
-        </p:sp>
-        <p:sp>
-          <p:nvSpPr>
-            <p:cNvPr id="161" name="TextBox 160">
-              <a:extLst>
-                <a:ext uri="{FF2B5EF4-FFF2-40B4-BE49-F238E27FC236}">
-                  <a16:creationId xmlns:a16="http://schemas.microsoft.com/office/drawing/2014/main" id="{8280630F-A58E-AD49-97A5-CF357D6594AE}"/>
-                </a:ext>
-              </a:extLst>
-            </p:cNvPr>
-            <p:cNvSpPr txBox="1"/>
-            <p:nvPr/>
-          </p:nvSpPr>
-          <p:spPr bwMode="auto">
-            <a:xfrm>
-              <a:off x="3488773" y="3009898"/>
-              <a:ext cx="2413959" cy="276999"/>
-            </a:xfrm>
-            <a:prstGeom prst="rect">
-              <a:avLst/>
-            </a:prstGeom>
-            <a:noFill/>
-            <a:effectLst/>
-          </p:spPr>
-          <p:txBody>
-            <a:bodyPr wrap="square" anchor="ctr">
-              <a:spAutoFit/>
-            </a:bodyPr>
-            <a:lstStyle>
-              <a:defPPr>
-                <a:defRPr lang="ko-KR"/>
-              </a:defPPr>
-              <a:lvl1pPr marL="0" algn="l" defTabSz="914400" rtl="0" eaLnBrk="1" latinLnBrk="1" hangingPunct="1">
-                <a:defRPr sz="1800" kern="1200">
-                  <a:solidFill>
-                    <a:schemeClr val="tx1"/>
-                  </a:solidFill>
-                  <a:latin typeface="+mn-lt"/>
-                  <a:ea typeface="+mn-ea"/>
-                  <a:cs typeface="+mn-cs"/>
-                </a:defRPr>
-              </a:lvl1pPr>
-              <a:lvl2pPr marL="457200" algn="l" defTabSz="914400" rtl="0" eaLnBrk="1" latinLnBrk="1" hangingPunct="1">
-                <a:defRPr sz="1800" kern="1200">
-                  <a:solidFill>
-                    <a:schemeClr val="tx1"/>
-                  </a:solidFill>
-                  <a:latin typeface="+mn-lt"/>
-                  <a:ea typeface="+mn-ea"/>
-                  <a:cs typeface="+mn-cs"/>
-                </a:defRPr>
-              </a:lvl2pPr>
-              <a:lvl3pPr marL="914400" algn="l" defTabSz="914400" rtl="0" eaLnBrk="1" latinLnBrk="1" hangingPunct="1">
-                <a:defRPr sz="1800" kern="1200">
-                  <a:solidFill>
-                    <a:schemeClr val="tx1"/>
-                  </a:solidFill>
-                  <a:latin typeface="+mn-lt"/>
-                  <a:ea typeface="+mn-ea"/>
-                  <a:cs typeface="+mn-cs"/>
-                </a:defRPr>
-              </a:lvl3pPr>
-              <a:lvl4pPr marL="1371600" algn="l" defTabSz="914400" rtl="0" eaLnBrk="1" latinLnBrk="1" hangingPunct="1">
-                <a:defRPr sz="1800" kern="1200">
-                  <a:solidFill>
-                    <a:schemeClr val="tx1"/>
-                  </a:solidFill>
-                  <a:latin typeface="+mn-lt"/>
-                  <a:ea typeface="+mn-ea"/>
-                  <a:cs typeface="+mn-cs"/>
-                </a:defRPr>
-              </a:lvl4pPr>
-              <a:lvl5pPr marL="1828800" algn="l" defTabSz="914400" rtl="0" eaLnBrk="1" latinLnBrk="1" hangingPunct="1">
-                <a:defRPr sz="1800" kern="1200">
-                  <a:solidFill>
-                    <a:schemeClr val="tx1"/>
-                  </a:solidFill>
-                  <a:latin typeface="+mn-lt"/>
-                  <a:ea typeface="+mn-ea"/>
-                  <a:cs typeface="+mn-cs"/>
-                </a:defRPr>
-              </a:lvl5pPr>
-              <a:lvl6pPr marL="2286000" algn="l" defTabSz="914400" rtl="0" eaLnBrk="1" latinLnBrk="1" hangingPunct="1">
-                <a:defRPr sz="1800" kern="1200">
-                  <a:solidFill>
-                    <a:schemeClr val="tx1"/>
-                  </a:solidFill>
-                  <a:latin typeface="+mn-lt"/>
-                  <a:ea typeface="+mn-ea"/>
-                  <a:cs typeface="+mn-cs"/>
-                </a:defRPr>
-              </a:lvl6pPr>
-              <a:lvl7pPr marL="2743200" algn="l" defTabSz="914400" rtl="0" eaLnBrk="1" latinLnBrk="1" hangingPunct="1">
-                <a:defRPr sz="1800" kern="1200">
-                  <a:solidFill>
-                    <a:schemeClr val="tx1"/>
-                  </a:solidFill>
-                  <a:latin typeface="+mn-lt"/>
-                  <a:ea typeface="+mn-ea"/>
-                  <a:cs typeface="+mn-cs"/>
-                </a:defRPr>
-              </a:lvl7pPr>
-              <a:lvl8pPr marL="3200400" algn="l" defTabSz="914400" rtl="0" eaLnBrk="1" latinLnBrk="1" hangingPunct="1">
-                <a:defRPr sz="1800" kern="1200">
-                  <a:solidFill>
-                    <a:schemeClr val="tx1"/>
-                  </a:solidFill>
-                  <a:latin typeface="+mn-lt"/>
-                  <a:ea typeface="+mn-ea"/>
-                  <a:cs typeface="+mn-cs"/>
-                </a:defRPr>
-              </a:lvl8pPr>
-              <a:lvl9pPr marL="3657600" algn="l" defTabSz="914400" rtl="0" eaLnBrk="1" latinLnBrk="1" hangingPunct="1">
-                <a:defRPr sz="1800" kern="1200">
-                  <a:solidFill>
-                    <a:schemeClr val="tx1"/>
-                  </a:solidFill>
-                  <a:latin typeface="+mn-lt"/>
-                  <a:ea typeface="+mn-ea"/>
-                  <a:cs typeface="+mn-cs"/>
-                </a:defRPr>
-              </a:lvl9pPr>
-            </a:lstStyle>
-            <a:p>
-              <a:pPr>
-                <a:defRPr/>
-              </a:pPr>
-              <a:r>
-                <a:rPr lang="en-US" altLang="ko-KR" sz="1200" b="1" dirty="0">
+                <a:rPr lang="en-US" altLang="ko-KR" sz="1200" b="1" dirty="0" smtClean="0">
                   <a:solidFill>
                     <a:schemeClr val="bg1"/>
                   </a:solidFill>
                   <a:cs typeface="Arial" pitchFamily="34" charset="0"/>
                 </a:rPr>
-                <a:t>Maven Identity</a:t>
+                <a:t>Workflow</a:t>
               </a:r>
+              <a:endParaRPr lang="en-US" altLang="ko-KR" sz="1200" b="1" dirty="0">
+                <a:solidFill>
+                  <a:schemeClr val="bg1"/>
+                </a:solidFill>
+                <a:cs typeface="Arial" pitchFamily="34" charset="0"/>
+              </a:endParaRPr>
             </a:p>
           </p:txBody>
         </p:sp>
@@ -19873,7 +21736,7 @@
         </p:nvGrpSpPr>
         <p:grpSpPr>
           <a:xfrm>
-            <a:off x="5562799" y="2053322"/>
+            <a:off x="5540371" y="1411623"/>
             <a:ext cx="3004522" cy="466247"/>
             <a:chOff x="2934123" y="2915275"/>
             <a:chExt cx="3004522" cy="466247"/>
@@ -20150,14 +22013,20 @@
             <a:p>
               <a:pPr algn="ctr"/>
               <a:r>
-                <a:rPr lang="en-US" altLang="ko-KR" b="1" dirty="0">
+                <a:rPr lang="en-US" altLang="ko-KR" b="1" dirty="0" smtClean="0">
                   <a:solidFill>
                     <a:schemeClr val="accent3"/>
                   </a:solidFill>
                   <a:cs typeface="Arial" pitchFamily="34" charset="0"/>
                 </a:rPr>
-                <a:t>06</a:t>
+                <a:t>04</a:t>
               </a:r>
+              <a:endParaRPr lang="en-US" altLang="ko-KR" b="1" dirty="0">
+                <a:solidFill>
+                  <a:schemeClr val="accent3"/>
+                </a:solidFill>
+                <a:cs typeface="Arial" pitchFamily="34" charset="0"/>
+              </a:endParaRPr>
             </a:p>
           </p:txBody>
         </p:sp>
@@ -20288,14 +22157,20 @@
                 <a:defRPr/>
               </a:pPr>
               <a:r>
-                <a:rPr lang="en-US" altLang="ko-KR" sz="1200" b="1" dirty="0">
+                <a:rPr lang="en-US" altLang="ko-KR" sz="1200" b="1" dirty="0" smtClean="0">
                   <a:solidFill>
                     <a:schemeClr val="bg1"/>
                   </a:solidFill>
                   <a:cs typeface="Arial" pitchFamily="34" charset="0"/>
                 </a:rPr>
-                <a:t>Maven Identity</a:t>
+                <a:t>What Is POM?</a:t>
               </a:r>
+              <a:endParaRPr lang="en-US" altLang="ko-KR" sz="1200" b="1" dirty="0">
+                <a:solidFill>
+                  <a:schemeClr val="bg1"/>
+                </a:solidFill>
+                <a:cs typeface="Arial" pitchFamily="34" charset="0"/>
+              </a:endParaRPr>
             </a:p>
           </p:txBody>
         </p:sp>
@@ -20314,7 +22189,7 @@
         </p:nvGrpSpPr>
         <p:grpSpPr>
           <a:xfrm>
-            <a:off x="5562799" y="2632361"/>
+            <a:off x="5505257" y="1995685"/>
             <a:ext cx="3004522" cy="466247"/>
             <a:chOff x="2934123" y="2915275"/>
             <a:chExt cx="3004522" cy="466247"/>
@@ -20591,14 +22466,20 @@
             <a:p>
               <a:pPr algn="ctr"/>
               <a:r>
-                <a:rPr lang="en-US" altLang="ko-KR" b="1" dirty="0">
+                <a:rPr lang="en-US" altLang="ko-KR" b="1" dirty="0" smtClean="0">
                   <a:solidFill>
                     <a:schemeClr val="accent3"/>
                   </a:solidFill>
                   <a:cs typeface="Arial" pitchFamily="34" charset="0"/>
                 </a:rPr>
-                <a:t>08</a:t>
+                <a:t>06</a:t>
               </a:r>
+              <a:endParaRPr lang="en-US" altLang="ko-KR" b="1" dirty="0">
+                <a:solidFill>
+                  <a:schemeClr val="accent3"/>
+                </a:solidFill>
+                <a:cs typeface="Arial" pitchFamily="34" charset="0"/>
+              </a:endParaRPr>
             </a:p>
           </p:txBody>
         </p:sp>
@@ -20729,14 +22610,20 @@
                 <a:defRPr/>
               </a:pPr>
               <a:r>
-                <a:rPr lang="en-US" altLang="ko-KR" sz="1200" b="1" dirty="0">
+                <a:rPr lang="en-US" altLang="ko-KR" sz="1200" b="1" dirty="0" smtClean="0">
                   <a:solidFill>
                     <a:schemeClr val="bg1"/>
                   </a:solidFill>
                   <a:cs typeface="Arial" pitchFamily="34" charset="0"/>
                 </a:rPr>
-                <a:t>Maven Identity</a:t>
+                <a:t>POM - Packaging</a:t>
               </a:r>
+              <a:endParaRPr lang="en-US" altLang="ko-KR" sz="1200" b="1" dirty="0">
+                <a:solidFill>
+                  <a:schemeClr val="bg1"/>
+                </a:solidFill>
+                <a:cs typeface="Arial" pitchFamily="34" charset="0"/>
+              </a:endParaRPr>
             </a:p>
           </p:txBody>
         </p:sp>
@@ -20755,7 +22642,7 @@
         </p:nvGrpSpPr>
         <p:grpSpPr>
           <a:xfrm>
-            <a:off x="5562799" y="3188598"/>
+            <a:off x="5505257" y="2543901"/>
             <a:ext cx="3004522" cy="466247"/>
             <a:chOff x="2934123" y="2915275"/>
             <a:chExt cx="3004522" cy="466247"/>
@@ -21032,14 +22919,20 @@
             <a:p>
               <a:pPr algn="ctr"/>
               <a:r>
-                <a:rPr lang="en-US" altLang="ko-KR" b="1" dirty="0">
+                <a:rPr lang="en-US" altLang="ko-KR" b="1" dirty="0" smtClean="0">
                   <a:solidFill>
                     <a:schemeClr val="accent3"/>
                   </a:solidFill>
                   <a:cs typeface="Arial" pitchFamily="34" charset="0"/>
                 </a:rPr>
-                <a:t>10</a:t>
+                <a:t>08</a:t>
               </a:r>
+              <a:endParaRPr lang="en-US" altLang="ko-KR" b="1" dirty="0">
+                <a:solidFill>
+                  <a:schemeClr val="accent3"/>
+                </a:solidFill>
+                <a:cs typeface="Arial" pitchFamily="34" charset="0"/>
+              </a:endParaRPr>
             </a:p>
           </p:txBody>
         </p:sp>
@@ -21170,14 +23063,20 @@
                 <a:defRPr/>
               </a:pPr>
               <a:r>
-                <a:rPr lang="en-US" altLang="ko-KR" sz="1200" b="1" dirty="0">
+                <a:rPr lang="en-US" altLang="ko-KR" sz="1200" b="1" dirty="0" smtClean="0">
                   <a:solidFill>
                     <a:schemeClr val="bg1"/>
                   </a:solidFill>
                   <a:cs typeface="Arial" pitchFamily="34" charset="0"/>
                 </a:rPr>
-                <a:t>Maven Identity</a:t>
+                <a:t>Archetype And Skeleton</a:t>
               </a:r>
+              <a:endParaRPr lang="en-US" altLang="ko-KR" sz="1200" b="1" dirty="0">
+                <a:solidFill>
+                  <a:schemeClr val="bg1"/>
+                </a:solidFill>
+                <a:cs typeface="Arial" pitchFamily="34" charset="0"/>
+              </a:endParaRPr>
             </a:p>
           </p:txBody>
         </p:sp>
@@ -21196,7 +23095,7 @@
         </p:nvGrpSpPr>
         <p:grpSpPr>
           <a:xfrm>
-            <a:off x="5562799" y="3767637"/>
+            <a:off x="5505257" y="3098877"/>
             <a:ext cx="3004522" cy="466247"/>
             <a:chOff x="2934123" y="2915275"/>
             <a:chExt cx="3004522" cy="466247"/>
@@ -21473,14 +23372,20 @@
             <a:p>
               <a:pPr algn="ctr"/>
               <a:r>
-                <a:rPr lang="en-US" altLang="ko-KR" b="1" dirty="0">
+                <a:rPr lang="en-US" altLang="ko-KR" b="1" dirty="0" smtClean="0">
                   <a:solidFill>
                     <a:schemeClr val="accent3"/>
                   </a:solidFill>
                   <a:cs typeface="Arial" pitchFamily="34" charset="0"/>
                 </a:rPr>
-                <a:t>12</a:t>
+                <a:t>10</a:t>
               </a:r>
+              <a:endParaRPr lang="en-US" altLang="ko-KR" b="1" dirty="0">
+                <a:solidFill>
+                  <a:schemeClr val="accent3"/>
+                </a:solidFill>
+                <a:cs typeface="Arial" pitchFamily="34" charset="0"/>
+              </a:endParaRPr>
             </a:p>
           </p:txBody>
         </p:sp>
@@ -21611,14 +23516,20 @@
                 <a:defRPr/>
               </a:pPr>
               <a:r>
-                <a:rPr lang="en-US" altLang="ko-KR" sz="1200" b="1" dirty="0">
+                <a:rPr lang="en-US" altLang="ko-KR" sz="1200" b="1" dirty="0" smtClean="0">
                   <a:solidFill>
                     <a:schemeClr val="bg1"/>
                   </a:solidFill>
                   <a:cs typeface="Arial" pitchFamily="34" charset="0"/>
                 </a:rPr>
-                <a:t>Maven Identity</a:t>
+                <a:t>Dependency Scope</a:t>
               </a:r>
+              <a:endParaRPr lang="en-US" altLang="ko-KR" sz="1200" b="1" dirty="0">
+                <a:solidFill>
+                  <a:schemeClr val="bg1"/>
+                </a:solidFill>
+                <a:cs typeface="Arial" pitchFamily="34" charset="0"/>
+              </a:endParaRPr>
             </a:p>
           </p:txBody>
         </p:sp>
@@ -21637,7 +23548,7 @@
         </p:nvGrpSpPr>
         <p:grpSpPr>
           <a:xfrm>
-            <a:off x="5548333" y="4329330"/>
+            <a:off x="5490791" y="3644528"/>
             <a:ext cx="3004522" cy="466247"/>
             <a:chOff x="2934123" y="2915275"/>
             <a:chExt cx="3004522" cy="466247"/>
@@ -21914,14 +23825,20 @@
             <a:p>
               <a:pPr algn="ctr"/>
               <a:r>
-                <a:rPr lang="en-US" altLang="ko-KR" b="1" dirty="0">
+                <a:rPr lang="en-US" altLang="ko-KR" b="1" dirty="0" smtClean="0">
                   <a:solidFill>
                     <a:schemeClr val="accent3"/>
                   </a:solidFill>
                   <a:cs typeface="Arial" pitchFamily="34" charset="0"/>
                 </a:rPr>
-                <a:t>14</a:t>
+                <a:t>12</a:t>
               </a:r>
+              <a:endParaRPr lang="en-US" altLang="ko-KR" b="1" dirty="0">
+                <a:solidFill>
+                  <a:schemeClr val="accent3"/>
+                </a:solidFill>
+                <a:cs typeface="Arial" pitchFamily="34" charset="0"/>
+              </a:endParaRPr>
             </a:p>
           </p:txBody>
         </p:sp>
@@ -22052,14 +23969,920 @@
                 <a:defRPr/>
               </a:pPr>
               <a:r>
-                <a:rPr lang="en-US" altLang="ko-KR" sz="1200" b="1" dirty="0">
+                <a:rPr lang="en-US" altLang="ko-KR" sz="1200" b="1" dirty="0" smtClean="0">
                   <a:solidFill>
                     <a:schemeClr val="bg1"/>
                   </a:solidFill>
                   <a:cs typeface="Arial" pitchFamily="34" charset="0"/>
                 </a:rPr>
-                <a:t>Maven Identity</a:t>
+                <a:t>Multi – Module Structure</a:t>
               </a:r>
+              <a:endParaRPr lang="en-US" altLang="ko-KR" sz="1200" b="1" dirty="0">
+                <a:solidFill>
+                  <a:schemeClr val="bg1"/>
+                </a:solidFill>
+                <a:cs typeface="Arial" pitchFamily="34" charset="0"/>
+              </a:endParaRPr>
+            </a:p>
+          </p:txBody>
+        </p:sp>
+      </p:grpSp>
+      <p:grpSp>
+        <p:nvGrpSpPr>
+          <p:cNvPr id="73" name="Group 72">
+            <a:extLst>
+              <a:ext uri="{FF2B5EF4-FFF2-40B4-BE49-F238E27FC236}">
+                <a16:creationId xmlns:a16="http://schemas.microsoft.com/office/drawing/2014/main" id="{D9D2C726-6B42-6A44-A53C-4FC5E7D47F31}"/>
+              </a:ext>
+            </a:extLst>
+          </p:cNvPr>
+          <p:cNvGrpSpPr/>
+          <p:nvPr/>
+        </p:nvGrpSpPr>
+        <p:grpSpPr>
+          <a:xfrm>
+            <a:off x="2267744" y="4183393"/>
+            <a:ext cx="3004522" cy="466247"/>
+            <a:chOff x="2934123" y="2915275"/>
+            <a:chExt cx="3004522" cy="466247"/>
+          </a:xfrm>
+          <a:effectLst>
+            <a:outerShdw blurRad="63500" sx="102000" sy="102000" algn="ctr" rotWithShape="0">
+              <a:prstClr val="black">
+                <a:alpha val="40000"/>
+              </a:prstClr>
+            </a:outerShdw>
+          </a:effectLst>
+        </p:grpSpPr>
+        <p:sp>
+          <p:nvSpPr>
+            <p:cNvPr id="74" name="Round Same Side Corner Rectangle 73">
+              <a:extLst>
+                <a:ext uri="{FF2B5EF4-FFF2-40B4-BE49-F238E27FC236}">
+                  <a16:creationId xmlns:a16="http://schemas.microsoft.com/office/drawing/2014/main" id="{3A1CBB98-E23E-584A-BB42-0BE70D2F0C80}"/>
+                </a:ext>
+              </a:extLst>
+            </p:cNvPr>
+            <p:cNvSpPr/>
+            <p:nvPr/>
+          </p:nvSpPr>
+          <p:spPr>
+            <a:xfrm rot="5400000">
+              <a:off x="4504647" y="1870679"/>
+              <a:ext cx="317675" cy="2550321"/>
+            </a:xfrm>
+            <a:prstGeom prst="round2SameRect">
+              <a:avLst>
+                <a:gd name="adj1" fmla="val 50000"/>
+                <a:gd name="adj2" fmla="val 0"/>
+              </a:avLst>
+            </a:prstGeom>
+            <a:solidFill>
+              <a:schemeClr val="accent3"/>
+            </a:solidFill>
+            <a:ln>
+              <a:noFill/>
+            </a:ln>
+          </p:spPr>
+          <p:style>
+            <a:lnRef idx="2">
+              <a:schemeClr val="accent1">
+                <a:shade val="50000"/>
+              </a:schemeClr>
+            </a:lnRef>
+            <a:fillRef idx="1">
+              <a:schemeClr val="accent1"/>
+            </a:fillRef>
+            <a:effectRef idx="0">
+              <a:schemeClr val="accent1"/>
+            </a:effectRef>
+            <a:fontRef idx="minor">
+              <a:schemeClr val="lt1"/>
+            </a:fontRef>
+          </p:style>
+          <p:txBody>
+            <a:bodyPr rot="0" spcFirstLastPara="0" vertOverflow="overflow" horzOverflow="overflow" vert="horz" wrap="square" lIns="91440" tIns="45720" rIns="91440" bIns="45720" numCol="1" spcCol="0" rtlCol="0" fromWordArt="0" anchor="ctr" anchorCtr="0" forceAA="0" compatLnSpc="1">
+              <a:prstTxWarp prst="textNoShape">
+                <a:avLst/>
+              </a:prstTxWarp>
+              <a:noAutofit/>
+            </a:bodyPr>
+            <a:lstStyle/>
+            <a:p>
+              <a:pPr algn="ctr"/>
+              <a:endParaRPr lang="ko-KR" altLang="en-US" dirty="0"/>
+            </a:p>
+          </p:txBody>
+        </p:sp>
+        <p:sp>
+          <p:nvSpPr>
+            <p:cNvPr id="75" name="AutoShape 92">
+              <a:extLst>
+                <a:ext uri="{FF2B5EF4-FFF2-40B4-BE49-F238E27FC236}">
+                  <a16:creationId xmlns:a16="http://schemas.microsoft.com/office/drawing/2014/main" id="{10EA1152-F73C-884B-BC6C-A64F267F9EF6}"/>
+                </a:ext>
+              </a:extLst>
+            </p:cNvPr>
+            <p:cNvSpPr>
+              <a:spLocks noChangeAspect="1" noChangeArrowheads="1"/>
+            </p:cNvSpPr>
+            <p:nvPr/>
+          </p:nvSpPr>
+          <p:spPr bwMode="auto">
+            <a:xfrm rot="16200000" flipH="1">
+              <a:off x="2984973" y="2915275"/>
+              <a:ext cx="466247" cy="466247"/>
+            </a:xfrm>
+            <a:prstGeom prst="ellipse">
+              <a:avLst/>
+            </a:prstGeom>
+            <a:solidFill>
+              <a:schemeClr val="bg1"/>
+            </a:solidFill>
+            <a:ln w="50800">
+              <a:solidFill>
+                <a:schemeClr val="accent3"/>
+              </a:solidFill>
+              <a:headEnd/>
+              <a:tailEnd/>
+            </a:ln>
+            <a:effectLst/>
+            <a:scene3d>
+              <a:camera prst="orthographicFront">
+                <a:rot lat="0" lon="0" rev="0"/>
+              </a:camera>
+              <a:lightRig rig="contrasting" dir="t">
+                <a:rot lat="0" lon="0" rev="1500000"/>
+              </a:lightRig>
+            </a:scene3d>
+            <a:sp3d prstMaterial="metal">
+              <a:bevelT w="0" h="0"/>
+            </a:sp3d>
+          </p:spPr>
+          <p:style>
+            <a:lnRef idx="1">
+              <a:schemeClr val="accent1"/>
+            </a:lnRef>
+            <a:fillRef idx="3">
+              <a:schemeClr val="accent1"/>
+            </a:fillRef>
+            <a:effectRef idx="2">
+              <a:schemeClr val="accent1"/>
+            </a:effectRef>
+            <a:fontRef idx="minor">
+              <a:schemeClr val="lt1"/>
+            </a:fontRef>
+          </p:style>
+          <p:txBody>
+            <a:bodyPr wrap="none" anchor="ctr"/>
+            <a:lstStyle>
+              <a:defPPr>
+                <a:defRPr lang="ko-KR"/>
+              </a:defPPr>
+              <a:lvl1pPr marL="0" algn="l" defTabSz="914400" rtl="0" eaLnBrk="1" latinLnBrk="1" hangingPunct="1">
+                <a:defRPr sz="1800" kern="1200">
+                  <a:solidFill>
+                    <a:schemeClr val="lt1"/>
+                  </a:solidFill>
+                  <a:latin typeface="+mn-lt"/>
+                  <a:ea typeface="+mn-ea"/>
+                  <a:cs typeface="+mn-cs"/>
+                </a:defRPr>
+              </a:lvl1pPr>
+              <a:lvl2pPr marL="457200" algn="l" defTabSz="914400" rtl="0" eaLnBrk="1" latinLnBrk="1" hangingPunct="1">
+                <a:defRPr sz="1800" kern="1200">
+                  <a:solidFill>
+                    <a:schemeClr val="lt1"/>
+                  </a:solidFill>
+                  <a:latin typeface="+mn-lt"/>
+                  <a:ea typeface="+mn-ea"/>
+                  <a:cs typeface="+mn-cs"/>
+                </a:defRPr>
+              </a:lvl2pPr>
+              <a:lvl3pPr marL="914400" algn="l" defTabSz="914400" rtl="0" eaLnBrk="1" latinLnBrk="1" hangingPunct="1">
+                <a:defRPr sz="1800" kern="1200">
+                  <a:solidFill>
+                    <a:schemeClr val="lt1"/>
+                  </a:solidFill>
+                  <a:latin typeface="+mn-lt"/>
+                  <a:ea typeface="+mn-ea"/>
+                  <a:cs typeface="+mn-cs"/>
+                </a:defRPr>
+              </a:lvl3pPr>
+              <a:lvl4pPr marL="1371600" algn="l" defTabSz="914400" rtl="0" eaLnBrk="1" latinLnBrk="1" hangingPunct="1">
+                <a:defRPr sz="1800" kern="1200">
+                  <a:solidFill>
+                    <a:schemeClr val="lt1"/>
+                  </a:solidFill>
+                  <a:latin typeface="+mn-lt"/>
+                  <a:ea typeface="+mn-ea"/>
+                  <a:cs typeface="+mn-cs"/>
+                </a:defRPr>
+              </a:lvl4pPr>
+              <a:lvl5pPr marL="1828800" algn="l" defTabSz="914400" rtl="0" eaLnBrk="1" latinLnBrk="1" hangingPunct="1">
+                <a:defRPr sz="1800" kern="1200">
+                  <a:solidFill>
+                    <a:schemeClr val="lt1"/>
+                  </a:solidFill>
+                  <a:latin typeface="+mn-lt"/>
+                  <a:ea typeface="+mn-ea"/>
+                  <a:cs typeface="+mn-cs"/>
+                </a:defRPr>
+              </a:lvl5pPr>
+              <a:lvl6pPr marL="2286000" algn="l" defTabSz="914400" rtl="0" eaLnBrk="1" latinLnBrk="1" hangingPunct="1">
+                <a:defRPr sz="1800" kern="1200">
+                  <a:solidFill>
+                    <a:schemeClr val="lt1"/>
+                  </a:solidFill>
+                  <a:latin typeface="+mn-lt"/>
+                  <a:ea typeface="+mn-ea"/>
+                  <a:cs typeface="+mn-cs"/>
+                </a:defRPr>
+              </a:lvl6pPr>
+              <a:lvl7pPr marL="2743200" algn="l" defTabSz="914400" rtl="0" eaLnBrk="1" latinLnBrk="1" hangingPunct="1">
+                <a:defRPr sz="1800" kern="1200">
+                  <a:solidFill>
+                    <a:schemeClr val="lt1"/>
+                  </a:solidFill>
+                  <a:latin typeface="+mn-lt"/>
+                  <a:ea typeface="+mn-ea"/>
+                  <a:cs typeface="+mn-cs"/>
+                </a:defRPr>
+              </a:lvl7pPr>
+              <a:lvl8pPr marL="3200400" algn="l" defTabSz="914400" rtl="0" eaLnBrk="1" latinLnBrk="1" hangingPunct="1">
+                <a:defRPr sz="1800" kern="1200">
+                  <a:solidFill>
+                    <a:schemeClr val="lt1"/>
+                  </a:solidFill>
+                  <a:latin typeface="+mn-lt"/>
+                  <a:ea typeface="+mn-ea"/>
+                  <a:cs typeface="+mn-cs"/>
+                </a:defRPr>
+              </a:lvl8pPr>
+              <a:lvl9pPr marL="3657600" algn="l" defTabSz="914400" rtl="0" eaLnBrk="1" latinLnBrk="1" hangingPunct="1">
+                <a:defRPr sz="1800" kern="1200">
+                  <a:solidFill>
+                    <a:schemeClr val="lt1"/>
+                  </a:solidFill>
+                  <a:latin typeface="+mn-lt"/>
+                  <a:ea typeface="+mn-ea"/>
+                  <a:cs typeface="+mn-cs"/>
+                </a:defRPr>
+              </a:lvl9pPr>
+            </a:lstStyle>
+            <a:p>
+              <a:pPr algn="ctr" fontAlgn="auto">
+                <a:spcBef>
+                  <a:spcPts val="0"/>
+                </a:spcBef>
+                <a:spcAft>
+                  <a:spcPts val="0"/>
+                </a:spcAft>
+                <a:defRPr/>
+              </a:pPr>
+              <a:endParaRPr kumimoji="0" lang="ko-KR" altLang="en-US" sz="2800" dirty="0">
+                <a:solidFill>
+                  <a:schemeClr val="bg1"/>
+                </a:solidFill>
+              </a:endParaRPr>
+            </a:p>
+          </p:txBody>
+        </p:sp>
+        <p:sp>
+          <p:nvSpPr>
+            <p:cNvPr id="76" name="TextBox 75">
+              <a:extLst>
+                <a:ext uri="{FF2B5EF4-FFF2-40B4-BE49-F238E27FC236}">
+                  <a16:creationId xmlns:a16="http://schemas.microsoft.com/office/drawing/2014/main" id="{52436067-B560-0545-ACA0-0E6CB583BD9C}"/>
+                </a:ext>
+              </a:extLst>
+            </p:cNvPr>
+            <p:cNvSpPr txBox="1"/>
+            <p:nvPr/>
+          </p:nvSpPr>
+          <p:spPr>
+            <a:xfrm>
+              <a:off x="2934123" y="3003506"/>
+              <a:ext cx="569802" cy="276999"/>
+            </a:xfrm>
+            <a:prstGeom prst="rect">
+              <a:avLst/>
+            </a:prstGeom>
+            <a:noFill/>
+          </p:spPr>
+          <p:txBody>
+            <a:bodyPr wrap="square" tIns="0" bIns="0" rtlCol="0" anchor="ctr">
+              <a:spAutoFit/>
+            </a:bodyPr>
+            <a:lstStyle/>
+            <a:p>
+              <a:pPr algn="ctr"/>
+              <a:r>
+                <a:rPr lang="en-US" altLang="ko-KR" b="1" dirty="0" smtClean="0">
+                  <a:solidFill>
+                    <a:schemeClr val="accent3"/>
+                  </a:solidFill>
+                  <a:cs typeface="Arial" pitchFamily="34" charset="0"/>
+                </a:rPr>
+                <a:t>13</a:t>
+              </a:r>
+              <a:endParaRPr lang="en-US" altLang="ko-KR" b="1" dirty="0">
+                <a:solidFill>
+                  <a:schemeClr val="accent3"/>
+                </a:solidFill>
+                <a:cs typeface="Arial" pitchFamily="34" charset="0"/>
+              </a:endParaRPr>
+            </a:p>
+          </p:txBody>
+        </p:sp>
+        <p:sp>
+          <p:nvSpPr>
+            <p:cNvPr id="77" name="TextBox 76">
+              <a:extLst>
+                <a:ext uri="{FF2B5EF4-FFF2-40B4-BE49-F238E27FC236}">
+                  <a16:creationId xmlns:a16="http://schemas.microsoft.com/office/drawing/2014/main" id="{B56E7D0D-A37F-8F43-921B-5BD8CE0858BC}"/>
+                </a:ext>
+              </a:extLst>
+            </p:cNvPr>
+            <p:cNvSpPr txBox="1"/>
+            <p:nvPr/>
+          </p:nvSpPr>
+          <p:spPr bwMode="auto">
+            <a:xfrm>
+              <a:off x="3488773" y="3009898"/>
+              <a:ext cx="2413959" cy="276999"/>
+            </a:xfrm>
+            <a:prstGeom prst="rect">
+              <a:avLst/>
+            </a:prstGeom>
+            <a:noFill/>
+            <a:effectLst/>
+          </p:spPr>
+          <p:txBody>
+            <a:bodyPr wrap="square" anchor="ctr">
+              <a:spAutoFit/>
+            </a:bodyPr>
+            <a:lstStyle>
+              <a:defPPr>
+                <a:defRPr lang="ko-KR"/>
+              </a:defPPr>
+              <a:lvl1pPr marL="0" algn="l" defTabSz="914400" rtl="0" eaLnBrk="1" latinLnBrk="1" hangingPunct="1">
+                <a:defRPr sz="1800" kern="1200">
+                  <a:solidFill>
+                    <a:schemeClr val="tx1"/>
+                  </a:solidFill>
+                  <a:latin typeface="+mn-lt"/>
+                  <a:ea typeface="+mn-ea"/>
+                  <a:cs typeface="+mn-cs"/>
+                </a:defRPr>
+              </a:lvl1pPr>
+              <a:lvl2pPr marL="457200" algn="l" defTabSz="914400" rtl="0" eaLnBrk="1" latinLnBrk="1" hangingPunct="1">
+                <a:defRPr sz="1800" kern="1200">
+                  <a:solidFill>
+                    <a:schemeClr val="tx1"/>
+                  </a:solidFill>
+                  <a:latin typeface="+mn-lt"/>
+                  <a:ea typeface="+mn-ea"/>
+                  <a:cs typeface="+mn-cs"/>
+                </a:defRPr>
+              </a:lvl2pPr>
+              <a:lvl3pPr marL="914400" algn="l" defTabSz="914400" rtl="0" eaLnBrk="1" latinLnBrk="1" hangingPunct="1">
+                <a:defRPr sz="1800" kern="1200">
+                  <a:solidFill>
+                    <a:schemeClr val="tx1"/>
+                  </a:solidFill>
+                  <a:latin typeface="+mn-lt"/>
+                  <a:ea typeface="+mn-ea"/>
+                  <a:cs typeface="+mn-cs"/>
+                </a:defRPr>
+              </a:lvl3pPr>
+              <a:lvl4pPr marL="1371600" algn="l" defTabSz="914400" rtl="0" eaLnBrk="1" latinLnBrk="1" hangingPunct="1">
+                <a:defRPr sz="1800" kern="1200">
+                  <a:solidFill>
+                    <a:schemeClr val="tx1"/>
+                  </a:solidFill>
+                  <a:latin typeface="+mn-lt"/>
+                  <a:ea typeface="+mn-ea"/>
+                  <a:cs typeface="+mn-cs"/>
+                </a:defRPr>
+              </a:lvl4pPr>
+              <a:lvl5pPr marL="1828800" algn="l" defTabSz="914400" rtl="0" eaLnBrk="1" latinLnBrk="1" hangingPunct="1">
+                <a:defRPr sz="1800" kern="1200">
+                  <a:solidFill>
+                    <a:schemeClr val="tx1"/>
+                  </a:solidFill>
+                  <a:latin typeface="+mn-lt"/>
+                  <a:ea typeface="+mn-ea"/>
+                  <a:cs typeface="+mn-cs"/>
+                </a:defRPr>
+              </a:lvl5pPr>
+              <a:lvl6pPr marL="2286000" algn="l" defTabSz="914400" rtl="0" eaLnBrk="1" latinLnBrk="1" hangingPunct="1">
+                <a:defRPr sz="1800" kern="1200">
+                  <a:solidFill>
+                    <a:schemeClr val="tx1"/>
+                  </a:solidFill>
+                  <a:latin typeface="+mn-lt"/>
+                  <a:ea typeface="+mn-ea"/>
+                  <a:cs typeface="+mn-cs"/>
+                </a:defRPr>
+              </a:lvl6pPr>
+              <a:lvl7pPr marL="2743200" algn="l" defTabSz="914400" rtl="0" eaLnBrk="1" latinLnBrk="1" hangingPunct="1">
+                <a:defRPr sz="1800" kern="1200">
+                  <a:solidFill>
+                    <a:schemeClr val="tx1"/>
+                  </a:solidFill>
+                  <a:latin typeface="+mn-lt"/>
+                  <a:ea typeface="+mn-ea"/>
+                  <a:cs typeface="+mn-cs"/>
+                </a:defRPr>
+              </a:lvl7pPr>
+              <a:lvl8pPr marL="3200400" algn="l" defTabSz="914400" rtl="0" eaLnBrk="1" latinLnBrk="1" hangingPunct="1">
+                <a:defRPr sz="1800" kern="1200">
+                  <a:solidFill>
+                    <a:schemeClr val="tx1"/>
+                  </a:solidFill>
+                  <a:latin typeface="+mn-lt"/>
+                  <a:ea typeface="+mn-ea"/>
+                  <a:cs typeface="+mn-cs"/>
+                </a:defRPr>
+              </a:lvl8pPr>
+              <a:lvl9pPr marL="3657600" algn="l" defTabSz="914400" rtl="0" eaLnBrk="1" latinLnBrk="1" hangingPunct="1">
+                <a:defRPr sz="1800" kern="1200">
+                  <a:solidFill>
+                    <a:schemeClr val="tx1"/>
+                  </a:solidFill>
+                  <a:latin typeface="+mn-lt"/>
+                  <a:ea typeface="+mn-ea"/>
+                  <a:cs typeface="+mn-cs"/>
+                </a:defRPr>
+              </a:lvl9pPr>
+            </a:lstStyle>
+            <a:p>
+              <a:pPr>
+                <a:defRPr/>
+              </a:pPr>
+              <a:r>
+                <a:rPr lang="en-US" altLang="ko-KR" sz="1200" b="1" dirty="0" smtClean="0">
+                  <a:solidFill>
+                    <a:schemeClr val="bg1"/>
+                  </a:solidFill>
+                  <a:cs typeface="Arial" pitchFamily="34" charset="0"/>
+                </a:rPr>
+                <a:t>Maven Goal</a:t>
+              </a:r>
+              <a:endParaRPr lang="en-US" altLang="ko-KR" sz="1200" b="1" dirty="0">
+                <a:solidFill>
+                  <a:schemeClr val="bg1"/>
+                </a:solidFill>
+                <a:cs typeface="Arial" pitchFamily="34" charset="0"/>
+              </a:endParaRPr>
+            </a:p>
+          </p:txBody>
+        </p:sp>
+      </p:grpSp>
+      <p:grpSp>
+        <p:nvGrpSpPr>
+          <p:cNvPr id="78" name="Group 77">
+            <a:extLst>
+              <a:ext uri="{FF2B5EF4-FFF2-40B4-BE49-F238E27FC236}">
+                <a16:creationId xmlns:a16="http://schemas.microsoft.com/office/drawing/2014/main" id="{3E4754C4-4BD2-4D44-8B51-4EEB6A459C34}"/>
+              </a:ext>
+            </a:extLst>
+          </p:cNvPr>
+          <p:cNvGrpSpPr/>
+          <p:nvPr/>
+        </p:nvGrpSpPr>
+        <p:grpSpPr>
+          <a:xfrm>
+            <a:off x="5505257" y="4183392"/>
+            <a:ext cx="3004522" cy="466247"/>
+            <a:chOff x="2934123" y="2915275"/>
+            <a:chExt cx="3004522" cy="466247"/>
+          </a:xfrm>
+          <a:effectLst>
+            <a:outerShdw blurRad="63500" sx="102000" sy="102000" algn="ctr" rotWithShape="0">
+              <a:prstClr val="black">
+                <a:alpha val="40000"/>
+              </a:prstClr>
+            </a:outerShdw>
+          </a:effectLst>
+        </p:grpSpPr>
+        <p:sp>
+          <p:nvSpPr>
+            <p:cNvPr id="84" name="Round Same Side Corner Rectangle 83">
+              <a:extLst>
+                <a:ext uri="{FF2B5EF4-FFF2-40B4-BE49-F238E27FC236}">
+                  <a16:creationId xmlns:a16="http://schemas.microsoft.com/office/drawing/2014/main" id="{73EE23E9-243B-1C48-A73D-D174E7CD0D00}"/>
+                </a:ext>
+              </a:extLst>
+            </p:cNvPr>
+            <p:cNvSpPr/>
+            <p:nvPr/>
+          </p:nvSpPr>
+          <p:spPr>
+            <a:xfrm rot="5400000">
+              <a:off x="4504647" y="1870679"/>
+              <a:ext cx="317675" cy="2550321"/>
+            </a:xfrm>
+            <a:prstGeom prst="round2SameRect">
+              <a:avLst>
+                <a:gd name="adj1" fmla="val 50000"/>
+                <a:gd name="adj2" fmla="val 0"/>
+              </a:avLst>
+            </a:prstGeom>
+            <a:solidFill>
+              <a:schemeClr val="accent3"/>
+            </a:solidFill>
+            <a:ln>
+              <a:noFill/>
+            </a:ln>
+          </p:spPr>
+          <p:style>
+            <a:lnRef idx="2">
+              <a:schemeClr val="accent1">
+                <a:shade val="50000"/>
+              </a:schemeClr>
+            </a:lnRef>
+            <a:fillRef idx="1">
+              <a:schemeClr val="accent1"/>
+            </a:fillRef>
+            <a:effectRef idx="0">
+              <a:schemeClr val="accent1"/>
+            </a:effectRef>
+            <a:fontRef idx="minor">
+              <a:schemeClr val="lt1"/>
+            </a:fontRef>
+          </p:style>
+          <p:txBody>
+            <a:bodyPr rot="0" spcFirstLastPara="0" vertOverflow="overflow" horzOverflow="overflow" vert="horz" wrap="square" lIns="91440" tIns="45720" rIns="91440" bIns="45720" numCol="1" spcCol="0" rtlCol="0" fromWordArt="0" anchor="ctr" anchorCtr="0" forceAA="0" compatLnSpc="1">
+              <a:prstTxWarp prst="textNoShape">
+                <a:avLst/>
+              </a:prstTxWarp>
+              <a:noAutofit/>
+            </a:bodyPr>
+            <a:lstStyle/>
+            <a:p>
+              <a:pPr algn="ctr"/>
+              <a:endParaRPr lang="ko-KR" altLang="en-US" dirty="0"/>
+            </a:p>
+          </p:txBody>
+        </p:sp>
+        <p:sp>
+          <p:nvSpPr>
+            <p:cNvPr id="85" name="AutoShape 92">
+              <a:extLst>
+                <a:ext uri="{FF2B5EF4-FFF2-40B4-BE49-F238E27FC236}">
+                  <a16:creationId xmlns:a16="http://schemas.microsoft.com/office/drawing/2014/main" id="{84013981-5F6A-D446-B770-1DFB5DF75F88}"/>
+                </a:ext>
+              </a:extLst>
+            </p:cNvPr>
+            <p:cNvSpPr>
+              <a:spLocks noChangeAspect="1" noChangeArrowheads="1"/>
+            </p:cNvSpPr>
+            <p:nvPr/>
+          </p:nvSpPr>
+          <p:spPr bwMode="auto">
+            <a:xfrm rot="16200000" flipH="1">
+              <a:off x="2984973" y="2915275"/>
+              <a:ext cx="466247" cy="466247"/>
+            </a:xfrm>
+            <a:prstGeom prst="ellipse">
+              <a:avLst/>
+            </a:prstGeom>
+            <a:solidFill>
+              <a:schemeClr val="bg1"/>
+            </a:solidFill>
+            <a:ln w="50800">
+              <a:solidFill>
+                <a:schemeClr val="accent3"/>
+              </a:solidFill>
+              <a:headEnd/>
+              <a:tailEnd/>
+            </a:ln>
+            <a:effectLst/>
+            <a:scene3d>
+              <a:camera prst="orthographicFront">
+                <a:rot lat="0" lon="0" rev="0"/>
+              </a:camera>
+              <a:lightRig rig="contrasting" dir="t">
+                <a:rot lat="0" lon="0" rev="1500000"/>
+              </a:lightRig>
+            </a:scene3d>
+            <a:sp3d prstMaterial="metal">
+              <a:bevelT w="0" h="0"/>
+            </a:sp3d>
+          </p:spPr>
+          <p:style>
+            <a:lnRef idx="1">
+              <a:schemeClr val="accent1"/>
+            </a:lnRef>
+            <a:fillRef idx="3">
+              <a:schemeClr val="accent1"/>
+            </a:fillRef>
+            <a:effectRef idx="2">
+              <a:schemeClr val="accent1"/>
+            </a:effectRef>
+            <a:fontRef idx="minor">
+              <a:schemeClr val="lt1"/>
+            </a:fontRef>
+          </p:style>
+          <p:txBody>
+            <a:bodyPr wrap="none" anchor="ctr"/>
+            <a:lstStyle>
+              <a:defPPr>
+                <a:defRPr lang="ko-KR"/>
+              </a:defPPr>
+              <a:lvl1pPr marL="0" algn="l" defTabSz="914400" rtl="0" eaLnBrk="1" latinLnBrk="1" hangingPunct="1">
+                <a:defRPr sz="1800" kern="1200">
+                  <a:solidFill>
+                    <a:schemeClr val="lt1"/>
+                  </a:solidFill>
+                  <a:latin typeface="+mn-lt"/>
+                  <a:ea typeface="+mn-ea"/>
+                  <a:cs typeface="+mn-cs"/>
+                </a:defRPr>
+              </a:lvl1pPr>
+              <a:lvl2pPr marL="457200" algn="l" defTabSz="914400" rtl="0" eaLnBrk="1" latinLnBrk="1" hangingPunct="1">
+                <a:defRPr sz="1800" kern="1200">
+                  <a:solidFill>
+                    <a:schemeClr val="lt1"/>
+                  </a:solidFill>
+                  <a:latin typeface="+mn-lt"/>
+                  <a:ea typeface="+mn-ea"/>
+                  <a:cs typeface="+mn-cs"/>
+                </a:defRPr>
+              </a:lvl2pPr>
+              <a:lvl3pPr marL="914400" algn="l" defTabSz="914400" rtl="0" eaLnBrk="1" latinLnBrk="1" hangingPunct="1">
+                <a:defRPr sz="1800" kern="1200">
+                  <a:solidFill>
+                    <a:schemeClr val="lt1"/>
+                  </a:solidFill>
+                  <a:latin typeface="+mn-lt"/>
+                  <a:ea typeface="+mn-ea"/>
+                  <a:cs typeface="+mn-cs"/>
+                </a:defRPr>
+              </a:lvl3pPr>
+              <a:lvl4pPr marL="1371600" algn="l" defTabSz="914400" rtl="0" eaLnBrk="1" latinLnBrk="1" hangingPunct="1">
+                <a:defRPr sz="1800" kern="1200">
+                  <a:solidFill>
+                    <a:schemeClr val="lt1"/>
+                  </a:solidFill>
+                  <a:latin typeface="+mn-lt"/>
+                  <a:ea typeface="+mn-ea"/>
+                  <a:cs typeface="+mn-cs"/>
+                </a:defRPr>
+              </a:lvl4pPr>
+              <a:lvl5pPr marL="1828800" algn="l" defTabSz="914400" rtl="0" eaLnBrk="1" latinLnBrk="1" hangingPunct="1">
+                <a:defRPr sz="1800" kern="1200">
+                  <a:solidFill>
+                    <a:schemeClr val="lt1"/>
+                  </a:solidFill>
+                  <a:latin typeface="+mn-lt"/>
+                  <a:ea typeface="+mn-ea"/>
+                  <a:cs typeface="+mn-cs"/>
+                </a:defRPr>
+              </a:lvl5pPr>
+              <a:lvl6pPr marL="2286000" algn="l" defTabSz="914400" rtl="0" eaLnBrk="1" latinLnBrk="1" hangingPunct="1">
+                <a:defRPr sz="1800" kern="1200">
+                  <a:solidFill>
+                    <a:schemeClr val="lt1"/>
+                  </a:solidFill>
+                  <a:latin typeface="+mn-lt"/>
+                  <a:ea typeface="+mn-ea"/>
+                  <a:cs typeface="+mn-cs"/>
+                </a:defRPr>
+              </a:lvl6pPr>
+              <a:lvl7pPr marL="2743200" algn="l" defTabSz="914400" rtl="0" eaLnBrk="1" latinLnBrk="1" hangingPunct="1">
+                <a:defRPr sz="1800" kern="1200">
+                  <a:solidFill>
+                    <a:schemeClr val="lt1"/>
+                  </a:solidFill>
+                  <a:latin typeface="+mn-lt"/>
+                  <a:ea typeface="+mn-ea"/>
+                  <a:cs typeface="+mn-cs"/>
+                </a:defRPr>
+              </a:lvl7pPr>
+              <a:lvl8pPr marL="3200400" algn="l" defTabSz="914400" rtl="0" eaLnBrk="1" latinLnBrk="1" hangingPunct="1">
+                <a:defRPr sz="1800" kern="1200">
+                  <a:solidFill>
+                    <a:schemeClr val="lt1"/>
+                  </a:solidFill>
+                  <a:latin typeface="+mn-lt"/>
+                  <a:ea typeface="+mn-ea"/>
+                  <a:cs typeface="+mn-cs"/>
+                </a:defRPr>
+              </a:lvl8pPr>
+              <a:lvl9pPr marL="3657600" algn="l" defTabSz="914400" rtl="0" eaLnBrk="1" latinLnBrk="1" hangingPunct="1">
+                <a:defRPr sz="1800" kern="1200">
+                  <a:solidFill>
+                    <a:schemeClr val="lt1"/>
+                  </a:solidFill>
+                  <a:latin typeface="+mn-lt"/>
+                  <a:ea typeface="+mn-ea"/>
+                  <a:cs typeface="+mn-cs"/>
+                </a:defRPr>
+              </a:lvl9pPr>
+            </a:lstStyle>
+            <a:p>
+              <a:pPr algn="ctr" fontAlgn="auto">
+                <a:spcBef>
+                  <a:spcPts val="0"/>
+                </a:spcBef>
+                <a:spcAft>
+                  <a:spcPts val="0"/>
+                </a:spcAft>
+                <a:defRPr/>
+              </a:pPr>
+              <a:endParaRPr kumimoji="0" lang="ko-KR" altLang="en-US" sz="2800" dirty="0">
+                <a:solidFill>
+                  <a:schemeClr val="bg1"/>
+                </a:solidFill>
+              </a:endParaRPr>
+            </a:p>
+          </p:txBody>
+        </p:sp>
+        <p:sp>
+          <p:nvSpPr>
+            <p:cNvPr id="86" name="TextBox 85">
+              <a:extLst>
+                <a:ext uri="{FF2B5EF4-FFF2-40B4-BE49-F238E27FC236}">
+                  <a16:creationId xmlns:a16="http://schemas.microsoft.com/office/drawing/2014/main" id="{D263CFB8-2D32-AD48-820F-0304E4FBACA4}"/>
+                </a:ext>
+              </a:extLst>
+            </p:cNvPr>
+            <p:cNvSpPr txBox="1"/>
+            <p:nvPr/>
+          </p:nvSpPr>
+          <p:spPr>
+            <a:xfrm>
+              <a:off x="2934123" y="3003506"/>
+              <a:ext cx="569802" cy="276999"/>
+            </a:xfrm>
+            <a:prstGeom prst="rect">
+              <a:avLst/>
+            </a:prstGeom>
+            <a:noFill/>
+          </p:spPr>
+          <p:txBody>
+            <a:bodyPr wrap="square" tIns="0" bIns="0" rtlCol="0" anchor="ctr">
+              <a:spAutoFit/>
+            </a:bodyPr>
+            <a:lstStyle/>
+            <a:p>
+              <a:pPr algn="ctr"/>
+              <a:r>
+                <a:rPr lang="en-US" altLang="ko-KR" b="1" dirty="0">
+                  <a:solidFill>
+                    <a:schemeClr val="accent3"/>
+                  </a:solidFill>
+                  <a:cs typeface="Arial" pitchFamily="34" charset="0"/>
+                </a:rPr>
+                <a:t>14</a:t>
+              </a:r>
+            </a:p>
+          </p:txBody>
+        </p:sp>
+        <p:sp>
+          <p:nvSpPr>
+            <p:cNvPr id="87" name="TextBox 86">
+              <a:extLst>
+                <a:ext uri="{FF2B5EF4-FFF2-40B4-BE49-F238E27FC236}">
+                  <a16:creationId xmlns:a16="http://schemas.microsoft.com/office/drawing/2014/main" id="{E92E1C0C-D62B-7240-AAD1-5BD5E302A7ED}"/>
+                </a:ext>
+              </a:extLst>
+            </p:cNvPr>
+            <p:cNvSpPr txBox="1"/>
+            <p:nvPr/>
+          </p:nvSpPr>
+          <p:spPr bwMode="auto">
+            <a:xfrm>
+              <a:off x="3488773" y="3009898"/>
+              <a:ext cx="2413959" cy="276999"/>
+            </a:xfrm>
+            <a:prstGeom prst="rect">
+              <a:avLst/>
+            </a:prstGeom>
+            <a:noFill/>
+            <a:effectLst/>
+          </p:spPr>
+          <p:txBody>
+            <a:bodyPr wrap="square" anchor="ctr">
+              <a:spAutoFit/>
+            </a:bodyPr>
+            <a:lstStyle>
+              <a:defPPr>
+                <a:defRPr lang="ko-KR"/>
+              </a:defPPr>
+              <a:lvl1pPr marL="0" algn="l" defTabSz="914400" rtl="0" eaLnBrk="1" latinLnBrk="1" hangingPunct="1">
+                <a:defRPr sz="1800" kern="1200">
+                  <a:solidFill>
+                    <a:schemeClr val="tx1"/>
+                  </a:solidFill>
+                  <a:latin typeface="+mn-lt"/>
+                  <a:ea typeface="+mn-ea"/>
+                  <a:cs typeface="+mn-cs"/>
+                </a:defRPr>
+              </a:lvl1pPr>
+              <a:lvl2pPr marL="457200" algn="l" defTabSz="914400" rtl="0" eaLnBrk="1" latinLnBrk="1" hangingPunct="1">
+                <a:defRPr sz="1800" kern="1200">
+                  <a:solidFill>
+                    <a:schemeClr val="tx1"/>
+                  </a:solidFill>
+                  <a:latin typeface="+mn-lt"/>
+                  <a:ea typeface="+mn-ea"/>
+                  <a:cs typeface="+mn-cs"/>
+                </a:defRPr>
+              </a:lvl2pPr>
+              <a:lvl3pPr marL="914400" algn="l" defTabSz="914400" rtl="0" eaLnBrk="1" latinLnBrk="1" hangingPunct="1">
+                <a:defRPr sz="1800" kern="1200">
+                  <a:solidFill>
+                    <a:schemeClr val="tx1"/>
+                  </a:solidFill>
+                  <a:latin typeface="+mn-lt"/>
+                  <a:ea typeface="+mn-ea"/>
+                  <a:cs typeface="+mn-cs"/>
+                </a:defRPr>
+              </a:lvl3pPr>
+              <a:lvl4pPr marL="1371600" algn="l" defTabSz="914400" rtl="0" eaLnBrk="1" latinLnBrk="1" hangingPunct="1">
+                <a:defRPr sz="1800" kern="1200">
+                  <a:solidFill>
+                    <a:schemeClr val="tx1"/>
+                  </a:solidFill>
+                  <a:latin typeface="+mn-lt"/>
+                  <a:ea typeface="+mn-ea"/>
+                  <a:cs typeface="+mn-cs"/>
+                </a:defRPr>
+              </a:lvl4pPr>
+              <a:lvl5pPr marL="1828800" algn="l" defTabSz="914400" rtl="0" eaLnBrk="1" latinLnBrk="1" hangingPunct="1">
+                <a:defRPr sz="1800" kern="1200">
+                  <a:solidFill>
+                    <a:schemeClr val="tx1"/>
+                  </a:solidFill>
+                  <a:latin typeface="+mn-lt"/>
+                  <a:ea typeface="+mn-ea"/>
+                  <a:cs typeface="+mn-cs"/>
+                </a:defRPr>
+              </a:lvl5pPr>
+              <a:lvl6pPr marL="2286000" algn="l" defTabSz="914400" rtl="0" eaLnBrk="1" latinLnBrk="1" hangingPunct="1">
+                <a:defRPr sz="1800" kern="1200">
+                  <a:solidFill>
+                    <a:schemeClr val="tx1"/>
+                  </a:solidFill>
+                  <a:latin typeface="+mn-lt"/>
+                  <a:ea typeface="+mn-ea"/>
+                  <a:cs typeface="+mn-cs"/>
+                </a:defRPr>
+              </a:lvl6pPr>
+              <a:lvl7pPr marL="2743200" algn="l" defTabSz="914400" rtl="0" eaLnBrk="1" latinLnBrk="1" hangingPunct="1">
+                <a:defRPr sz="1800" kern="1200">
+                  <a:solidFill>
+                    <a:schemeClr val="tx1"/>
+                  </a:solidFill>
+                  <a:latin typeface="+mn-lt"/>
+                  <a:ea typeface="+mn-ea"/>
+                  <a:cs typeface="+mn-cs"/>
+                </a:defRPr>
+              </a:lvl7pPr>
+              <a:lvl8pPr marL="3200400" algn="l" defTabSz="914400" rtl="0" eaLnBrk="1" latinLnBrk="1" hangingPunct="1">
+                <a:defRPr sz="1800" kern="1200">
+                  <a:solidFill>
+                    <a:schemeClr val="tx1"/>
+                  </a:solidFill>
+                  <a:latin typeface="+mn-lt"/>
+                  <a:ea typeface="+mn-ea"/>
+                  <a:cs typeface="+mn-cs"/>
+                </a:defRPr>
+              </a:lvl8pPr>
+              <a:lvl9pPr marL="3657600" algn="l" defTabSz="914400" rtl="0" eaLnBrk="1" latinLnBrk="1" hangingPunct="1">
+                <a:defRPr sz="1800" kern="1200">
+                  <a:solidFill>
+                    <a:schemeClr val="tx1"/>
+                  </a:solidFill>
+                  <a:latin typeface="+mn-lt"/>
+                  <a:ea typeface="+mn-ea"/>
+                  <a:cs typeface="+mn-cs"/>
+                </a:defRPr>
+              </a:lvl9pPr>
+            </a:lstStyle>
+            <a:p>
+              <a:pPr>
+                <a:defRPr/>
+              </a:pPr>
+              <a:r>
+                <a:rPr lang="en-US" altLang="ko-KR" sz="1200" b="1" dirty="0" smtClean="0">
+                  <a:solidFill>
+                    <a:schemeClr val="bg1"/>
+                  </a:solidFill>
+                  <a:cs typeface="Arial" pitchFamily="34" charset="0"/>
+                </a:rPr>
+                <a:t>Maven Site</a:t>
+              </a:r>
+              <a:endParaRPr lang="en-US" altLang="ko-KR" sz="1200" b="1" dirty="0">
+                <a:solidFill>
+                  <a:schemeClr val="bg1"/>
+                </a:solidFill>
+                <a:cs typeface="Arial" pitchFamily="34" charset="0"/>
+              </a:endParaRPr>
             </a:p>
           </p:txBody>
         </p:sp>
@@ -22074,6 +24897,13 @@
   <p:clrMapOvr>
     <a:masterClrMapping/>
   </p:clrMapOvr>
+  <p:timing>
+    <p:tnLst>
+      <p:par>
+        <p:cTn id="1" dur="indefinite" restart="never" nodeType="tmRoot"/>
+      </p:par>
+    </p:tnLst>
+  </p:timing>
 </p:sld>
 </file>
 
@@ -22112,29 +24942,6 @@
             <a:r>
               <a:rPr lang="en-US" altLang="ko-KR" dirty="0"/>
               <a:t>Maven Identity</a:t>
-            </a:r>
-          </a:p>
-        </p:txBody>
-      </p:sp>
-      <p:sp>
-        <p:nvSpPr>
-          <p:cNvPr id="3" name="Text Placeholder 2"/>
-          <p:cNvSpPr>
-            <a:spLocks noGrp="1"/>
-          </p:cNvSpPr>
-          <p:nvPr>
-            <p:ph type="body" sz="quarter" idx="11"/>
-          </p:nvPr>
-        </p:nvSpPr>
-        <p:spPr/>
-        <p:txBody>
-          <a:bodyPr anchor="ctr"/>
-          <a:lstStyle/>
-          <a:p>
-            <a:pPr lvl="0"/>
-            <a:r>
-              <a:rPr lang="en-US" altLang="ko-KR" dirty="0"/>
-              <a:t>A Project Management Tool</a:t>
             </a:r>
           </a:p>
         </p:txBody>
@@ -22251,8 +25058,29 @@
                   </a:solidFill>
                   <a:cs typeface="Arial" pitchFamily="34" charset="0"/>
                 </a:rPr>
-                <a:t>Dependency System</a:t>
+                <a:t>Dependency </a:t>
               </a:r>
+              <a:r>
+                <a:rPr lang="en-US" altLang="ko-KR" sz="1200" b="1" dirty="0" smtClean="0">
+                  <a:solidFill>
+                    <a:schemeClr val="tx1">
+                      <a:lumMod val="75000"/>
+                      <a:lumOff val="25000"/>
+                    </a:schemeClr>
+                  </a:solidFill>
+                  <a:cs typeface="Arial" pitchFamily="34" charset="0"/>
+                </a:rPr>
+                <a:t>Resolver</a:t>
+              </a:r>
+              <a:endParaRPr lang="en-US" altLang="ko-KR" sz="1200" b="1" dirty="0">
+                <a:solidFill>
+                  <a:schemeClr val="tx1">
+                    <a:lumMod val="75000"/>
+                    <a:lumOff val="25000"/>
+                  </a:schemeClr>
+                </a:solidFill>
+                <a:cs typeface="Arial" pitchFamily="34" charset="0"/>
+              </a:endParaRPr>
             </a:p>
           </p:txBody>
         </p:sp>
@@ -22298,8 +25126,29 @@
                   </a:solidFill>
                   <a:cs typeface="Arial" pitchFamily="34" charset="0"/>
                 </a:rPr>
-                <a:t>Multi-module Builds</a:t>
+                <a:t>Multi-module </a:t>
               </a:r>
+              <a:r>
+                <a:rPr lang="en-US" altLang="ko-KR" sz="1200" b="1" dirty="0" smtClean="0">
+                  <a:solidFill>
+                    <a:schemeClr val="tx1">
+                      <a:lumMod val="75000"/>
+                      <a:lumOff val="25000"/>
+                    </a:schemeClr>
+                  </a:solidFill>
+                  <a:cs typeface="Arial" pitchFamily="34" charset="0"/>
+                </a:rPr>
+                <a:t>Build</a:t>
+              </a:r>
+              <a:endParaRPr lang="en-US" altLang="ko-KR" sz="1200" b="1" dirty="0">
+                <a:solidFill>
+                  <a:schemeClr val="tx1">
+                    <a:lumMod val="75000"/>
+                    <a:lumOff val="25000"/>
+                  </a:schemeClr>
+                </a:solidFill>
+                <a:cs typeface="Arial" pitchFamily="34" charset="0"/>
+              </a:endParaRPr>
             </a:p>
           </p:txBody>
         </p:sp>
@@ -22439,8 +25288,29 @@
                   </a:solidFill>
                   <a:cs typeface="Arial" pitchFamily="34" charset="0"/>
                 </a:rPr>
-                <a:t>Central JAR repository</a:t>
+                <a:t>Central JAR </a:t>
               </a:r>
+              <a:r>
+                <a:rPr lang="en-US" altLang="ko-KR" sz="1200" b="1" dirty="0" smtClean="0">
+                  <a:solidFill>
+                    <a:schemeClr val="tx1">
+                      <a:lumMod val="75000"/>
+                      <a:lumOff val="25000"/>
+                    </a:schemeClr>
+                  </a:solidFill>
+                  <a:cs typeface="Arial" pitchFamily="34" charset="0"/>
+                </a:rPr>
+                <a:t>Repository</a:t>
+              </a:r>
+              <a:endParaRPr lang="en-US" altLang="ko-KR" sz="1200" b="1" dirty="0">
+                <a:solidFill>
+                  <a:schemeClr val="tx1">
+                    <a:lumMod val="75000"/>
+                    <a:lumOff val="25000"/>
+                  </a:schemeClr>
+                </a:solidFill>
+                <a:cs typeface="Arial" pitchFamily="34" charset="0"/>
+              </a:endParaRPr>
             </a:p>
           </p:txBody>
         </p:sp>
@@ -22486,8 +25356,29 @@
                   </a:solidFill>
                   <a:cs typeface="Arial" pitchFamily="34" charset="0"/>
                 </a:rPr>
-                <a:t>Parallel Builds</a:t>
+                <a:t>Parallel </a:t>
               </a:r>
+              <a:r>
+                <a:rPr lang="en-US" altLang="ko-KR" sz="1200" b="1" dirty="0" smtClean="0">
+                  <a:solidFill>
+                    <a:schemeClr val="tx1">
+                      <a:lumMod val="75000"/>
+                      <a:lumOff val="25000"/>
+                    </a:schemeClr>
+                  </a:solidFill>
+                  <a:cs typeface="Arial" pitchFamily="34" charset="0"/>
+                </a:rPr>
+                <a:t>Build</a:t>
+              </a:r>
+              <a:endParaRPr lang="en-US" altLang="ko-KR" sz="1200" b="1" dirty="0">
+                <a:solidFill>
+                  <a:schemeClr val="tx1">
+                    <a:lumMod val="75000"/>
+                    <a:lumOff val="25000"/>
+                  </a:schemeClr>
+                </a:solidFill>
+                <a:cs typeface="Arial" pitchFamily="34" charset="0"/>
+              </a:endParaRPr>
             </a:p>
           </p:txBody>
         </p:sp>
@@ -22533,8 +25424,29 @@
                   </a:solidFill>
                   <a:cs typeface="Arial" pitchFamily="34" charset="0"/>
                 </a:rPr>
-                <a:t>Polyglot Builds</a:t>
+                <a:t>Polyglot </a:t>
               </a:r>
+              <a:r>
+                <a:rPr lang="en-US" altLang="ko-KR" sz="1200" b="1" dirty="0" smtClean="0">
+                  <a:solidFill>
+                    <a:schemeClr val="tx1">
+                      <a:lumMod val="75000"/>
+                      <a:lumOff val="25000"/>
+                    </a:schemeClr>
+                  </a:solidFill>
+                  <a:cs typeface="Arial" pitchFamily="34" charset="0"/>
+                </a:rPr>
+                <a:t>Build</a:t>
+              </a:r>
+              <a:endParaRPr lang="en-US" altLang="ko-KR" sz="1200" b="1" dirty="0">
+                <a:solidFill>
+                  <a:schemeClr val="tx1">
+                    <a:lumMod val="75000"/>
+                    <a:lumOff val="25000"/>
+                  </a:schemeClr>
+                </a:solidFill>
+                <a:cs typeface="Arial" pitchFamily="34" charset="0"/>
+              </a:endParaRPr>
             </a:p>
           </p:txBody>
         </p:sp>
@@ -22580,8 +25492,29 @@
                   </a:solidFill>
                   <a:cs typeface="Arial" pitchFamily="34" charset="0"/>
                 </a:rPr>
-                <a:t>Maven Shell</a:t>
+                <a:t>Maven </a:t>
               </a:r>
+              <a:r>
+                <a:rPr lang="en-US" altLang="ko-KR" sz="1200" b="1" dirty="0" smtClean="0">
+                  <a:solidFill>
+                    <a:schemeClr val="tx1">
+                      <a:lumMod val="75000"/>
+                      <a:lumOff val="25000"/>
+                    </a:schemeClr>
+                  </a:solidFill>
+                  <a:cs typeface="Arial" pitchFamily="34" charset="0"/>
+                </a:rPr>
+                <a:t>Shell / CLI</a:t>
+              </a:r>
+              <a:endParaRPr lang="en-US" altLang="ko-KR" sz="1200" b="1" dirty="0">
+                <a:solidFill>
+                  <a:schemeClr val="tx1">
+                    <a:lumMod val="75000"/>
+                    <a:lumOff val="25000"/>
+                  </a:schemeClr>
+                </a:solidFill>
+                <a:cs typeface="Arial" pitchFamily="34" charset="0"/>
+              </a:endParaRPr>
             </a:p>
           </p:txBody>
         </p:sp>
@@ -25132,6 +28065,13 @@
   <p:clrMapOvr>
     <a:masterClrMapping/>
   </p:clrMapOvr>
+  <p:timing>
+    <p:tnLst>
+      <p:par>
+        <p:cTn id="1" dur="indefinite" restart="never" nodeType="tmRoot"/>
+      </p:par>
+    </p:tnLst>
+  </p:timing>
 </p:sld>
 </file>
 
@@ -25206,28 +28146,6 @@
             <a:r>
               <a:rPr lang="en-US" altLang="ko-KR" dirty="0"/>
               <a:t>Maven Workflow</a:t>
-            </a:r>
-          </a:p>
-        </p:txBody>
-      </p:sp>
-      <p:sp>
-        <p:nvSpPr>
-          <p:cNvPr id="3" name="Text Placeholder 2"/>
-          <p:cNvSpPr>
-            <a:spLocks noGrp="1"/>
-          </p:cNvSpPr>
-          <p:nvPr>
-            <p:ph type="body" sz="quarter" idx="11"/>
-          </p:nvPr>
-        </p:nvSpPr>
-        <p:spPr/>
-        <p:txBody>
-          <a:bodyPr anchor="ctr"/>
-          <a:lstStyle/>
-          <a:p>
-            <a:r>
-              <a:rPr lang="en-US" altLang="ko-KR" dirty="0"/>
-              <a:t>A Build Automation Tool</a:t>
             </a:r>
           </a:p>
         </p:txBody>
@@ -28590,6 +31508,13 @@
   <p:clrMapOvr>
     <a:masterClrMapping/>
   </p:clrMapOvr>
+  <p:timing>
+    <p:tnLst>
+      <p:par>
+        <p:cTn id="1" dur="indefinite" restart="never" nodeType="tmRoot"/>
+      </p:par>
+    </p:tnLst>
+  </p:timing>
 </p:sld>
 </file>
 
@@ -28817,33 +31742,6 @@
               <a:t>Maven In Action</a:t>
             </a:r>
             <a:endParaRPr lang="ko-KR" altLang="en-US" dirty="0"/>
-          </a:p>
-        </p:txBody>
-      </p:sp>
-      <p:sp>
-        <p:nvSpPr>
-          <p:cNvPr id="3" name="Text Placeholder 2"/>
-          <p:cNvSpPr>
-            <a:spLocks noGrp="1"/>
-          </p:cNvSpPr>
-          <p:nvPr>
-            <p:ph type="body" sz="quarter" idx="11"/>
-          </p:nvPr>
-        </p:nvSpPr>
-        <p:spPr>
-          <a:xfrm>
-            <a:off x="0" y="699542"/>
-            <a:ext cx="9144000" cy="288032"/>
-          </a:xfrm>
-        </p:spPr>
-        <p:txBody>
-          <a:bodyPr/>
-          <a:lstStyle/>
-          <a:p>
-            <a:r>
-              <a:rPr lang="en-US" altLang="ko-KR" dirty="0"/>
-              <a:t>An Organized Ecosystems</a:t>
-            </a:r>
           </a:p>
         </p:txBody>
       </p:sp>
@@ -29128,7 +32026,7 @@
           <a:p>
             <a:pPr algn="ctr"/>
             <a:r>
-              <a:rPr lang="en-US" altLang="ko-KR" sz="900" dirty="0">
+              <a:rPr lang="en-US" altLang="ko-KR" sz="800" dirty="0">
                 <a:solidFill>
                   <a:schemeClr val="bg1">
                     <a:lumMod val="50000"/>
@@ -29141,7 +32039,7 @@
           <a:p>
             <a:pPr algn="ctr"/>
             <a:r>
-              <a:rPr lang="en-US" altLang="ko-KR" sz="900" dirty="0">
+              <a:rPr lang="en-US" altLang="ko-KR" sz="800" dirty="0">
                 <a:solidFill>
                   <a:schemeClr val="bg1">
                     <a:lumMod val="50000"/>
@@ -29154,7 +32052,7 @@
           <a:p>
             <a:pPr algn="ctr"/>
             <a:r>
-              <a:rPr lang="en-US" altLang="ko-KR" sz="900" dirty="0">
+              <a:rPr lang="en-US" altLang="ko-KR" sz="800" dirty="0">
                 <a:solidFill>
                   <a:schemeClr val="bg1">
                     <a:lumMod val="50000"/>
@@ -29163,7 +32061,7 @@
               </a:rPr>
               <a:t>M</a:t>
             </a:r>
-            <a:endParaRPr lang="ko-KR" altLang="en-US" sz="900" dirty="0">
+            <a:endParaRPr lang="ko-KR" altLang="en-US" sz="800" dirty="0">
               <a:solidFill>
                 <a:schemeClr val="bg1">
                   <a:lumMod val="50000"/>
@@ -31783,6 +34681,13 @@
   <p:clrMapOvr>
     <a:masterClrMapping/>
   </p:clrMapOvr>
+  <p:timing>
+    <p:tnLst>
+      <p:par>
+        <p:cTn id="1" dur="indefinite" restart="never" nodeType="tmRoot"/>
+      </p:par>
+    </p:tnLst>
+  </p:timing>
 </p:sld>
 </file>
 
@@ -31823,29 +34728,6 @@
               <a:t>Who is POM?</a:t>
             </a:r>
             <a:endParaRPr lang="ko-KR" altLang="en-US" dirty="0"/>
-          </a:p>
-        </p:txBody>
-      </p:sp>
-      <p:sp>
-        <p:nvSpPr>
-          <p:cNvPr id="3" name="Text Placeholder 2"/>
-          <p:cNvSpPr>
-            <a:spLocks noGrp="1"/>
-          </p:cNvSpPr>
-          <p:nvPr>
-            <p:ph type="body" sz="quarter" idx="11"/>
-          </p:nvPr>
-        </p:nvSpPr>
-        <p:spPr/>
-        <p:txBody>
-          <a:bodyPr/>
-          <a:lstStyle/>
-          <a:p>
-            <a:pPr lvl="0"/>
-            <a:r>
-              <a:rPr lang="en-US" altLang="ko-KR" dirty="0"/>
-              <a:t>Project Object Model - Build Descriptor</a:t>
-            </a:r>
           </a:p>
         </p:txBody>
       </p:sp>
@@ -31998,7 +34880,7 @@
             <a:lstStyle/>
             <a:p>
               <a:r>
-                <a:rPr lang="en-US" altLang="ko-KR" sz="1200" b="1" dirty="0">
+                <a:rPr lang="en-US" altLang="ko-KR" sz="1200" b="1" dirty="0" smtClean="0">
                   <a:solidFill>
                     <a:schemeClr val="tx1">
                       <a:lumMod val="75000"/>
@@ -32009,6 +34891,15 @@
                 </a:rPr>
                 <a:t>Dependencies Definition</a:t>
               </a:r>
+              <a:endParaRPr lang="en-US" altLang="ko-KR" sz="1200" b="1" dirty="0">
+                <a:solidFill>
+                  <a:schemeClr val="tx1">
+                    <a:lumMod val="75000"/>
+                    <a:lumOff val="25000"/>
+                  </a:schemeClr>
+                </a:solidFill>
+                <a:cs typeface="Arial" pitchFamily="34" charset="0"/>
+              </a:endParaRPr>
             </a:p>
           </p:txBody>
         </p:sp>
@@ -32237,8 +35128,29 @@
                   </a:solidFill>
                   <a:cs typeface="Arial" pitchFamily="34" charset="0"/>
                 </a:rPr>
-                <a:t>Polyglot Builds</a:t>
+                <a:t>Polyglot </a:t>
               </a:r>
+              <a:r>
+                <a:rPr lang="en-US" altLang="ko-KR" sz="1200" b="1" dirty="0" smtClean="0">
+                  <a:solidFill>
+                    <a:schemeClr val="tx1">
+                      <a:lumMod val="75000"/>
+                      <a:lumOff val="25000"/>
+                    </a:schemeClr>
+                  </a:solidFill>
+                  <a:cs typeface="Arial" pitchFamily="34" charset="0"/>
+                </a:rPr>
+                <a:t>Build – YML</a:t>
+              </a:r>
+              <a:endParaRPr lang="en-US" altLang="ko-KR" sz="1200" b="1" dirty="0">
+                <a:solidFill>
+                  <a:schemeClr val="tx1">
+                    <a:lumMod val="75000"/>
+                    <a:lumOff val="25000"/>
+                  </a:schemeClr>
+                </a:solidFill>
+                <a:cs typeface="Arial" pitchFamily="34" charset="0"/>
+              </a:endParaRPr>
             </a:p>
           </p:txBody>
         </p:sp>
@@ -32283,7 +35195,7 @@
                   </a:solidFill>
                   <a:cs typeface="Arial" pitchFamily="34" charset="0"/>
                 </a:rPr>
-                <a:t>BOM </a:t>
+                <a:t>BOM and Transitive Definition  </a:t>
               </a:r>
             </a:p>
           </p:txBody>
@@ -34835,6 +37747,13 @@
   <p:clrMapOvr>
     <a:masterClrMapping/>
   </p:clrMapOvr>
+  <p:timing>
+    <p:tnLst>
+      <p:par>
+        <p:cTn id="1" dur="indefinite" restart="never" nodeType="tmRoot"/>
+      </p:par>
+    </p:tnLst>
+  </p:timing>
 </p:sld>
 </file>
 
@@ -34938,34 +37857,6 @@
             <a:r>
               <a:rPr lang="en-US" altLang="ko-KR" dirty="0"/>
               <a:t>POM - Coordinate</a:t>
-            </a:r>
-          </a:p>
-        </p:txBody>
-      </p:sp>
-      <p:sp>
-        <p:nvSpPr>
-          <p:cNvPr id="3" name="Text Placeholder 2"/>
-          <p:cNvSpPr>
-            <a:spLocks noGrp="1"/>
-          </p:cNvSpPr>
-          <p:nvPr>
-            <p:ph type="body" sz="quarter" idx="11"/>
-          </p:nvPr>
-        </p:nvSpPr>
-        <p:spPr>
-          <a:xfrm>
-            <a:off x="0" y="699542"/>
-            <a:ext cx="9144000" cy="288032"/>
-          </a:xfrm>
-        </p:spPr>
-        <p:txBody>
-          <a:bodyPr/>
-          <a:lstStyle/>
-          <a:p>
-            <a:pPr lvl="0"/>
-            <a:r>
-              <a:rPr lang="en-US" altLang="ko-KR" dirty="0"/>
-              <a:t>Neighbor defines address</a:t>
             </a:r>
           </a:p>
         </p:txBody>
@@ -35689,10 +38580,10 @@
                   </a:solidFill>
                   <a:cs typeface="Arial" pitchFamily="34" charset="0"/>
                 </a:rPr>
-                <a:t>Format {Major}.{Minor}.{</a:t>
+                <a:t>Format {Major}.{Minor</a:t>
               </a:r>
               <a:r>
-                <a:rPr lang="en-US" altLang="ko-KR" sz="1200" dirty="0" err="1">
+                <a:rPr lang="en-US" altLang="ko-KR" sz="1200" dirty="0" smtClean="0">
                   <a:solidFill>
                     <a:schemeClr val="tx1">
                       <a:lumMod val="75000"/>
@@ -35701,20 +38592,17 @@
                   </a:solidFill>
                   <a:cs typeface="Arial" pitchFamily="34" charset="0"/>
                 </a:rPr>
-                <a:t>Maintanence</a:t>
+                <a:t>}.{Build Number}</a:t>
               </a:r>
-              <a:r>
-                <a:rPr lang="en-US" altLang="ko-KR" sz="1200" dirty="0">
-                  <a:solidFill>
-                    <a:schemeClr val="tx1">
-                      <a:lumMod val="75000"/>
-                      <a:lumOff val="25000"/>
-                    </a:schemeClr>
-                  </a:solidFill>
-                  <a:cs typeface="Arial" pitchFamily="34" charset="0"/>
-                </a:rPr>
-                <a:t>}</a:t>
-              </a:r>
+              <a:endParaRPr lang="en-US" altLang="ko-KR" sz="1200" dirty="0">
+                <a:solidFill>
+                  <a:schemeClr val="tx1">
+                    <a:lumMod val="75000"/>
+                    <a:lumOff val="25000"/>
+                  </a:schemeClr>
+                </a:solidFill>
+                <a:cs typeface="Arial" pitchFamily="34" charset="0"/>
+              </a:endParaRPr>
             </a:p>
             <a:p>
               <a:pPr marL="171450" indent="-171450" algn="just">
@@ -35798,6 +38686,13 @@
   <p:clrMapOvr>
     <a:masterClrMapping/>
   </p:clrMapOvr>
+  <p:timing>
+    <p:tnLst>
+      <p:par>
+        <p:cTn id="1" dur="indefinite" restart="never" nodeType="tmRoot"/>
+      </p:par>
+    </p:tnLst>
+  </p:timing>
 </p:sld>
 </file>
 
@@ -35907,34 +38802,6 @@
       </p:sp>
       <p:sp>
         <p:nvSpPr>
-          <p:cNvPr id="3" name="Text Placeholder 2"/>
-          <p:cNvSpPr>
-            <a:spLocks noGrp="1"/>
-          </p:cNvSpPr>
-          <p:nvPr>
-            <p:ph type="body" sz="quarter" idx="11"/>
-          </p:nvPr>
-        </p:nvSpPr>
-        <p:spPr>
-          <a:xfrm>
-            <a:off x="0" y="699542"/>
-            <a:ext cx="9144000" cy="288032"/>
-          </a:xfrm>
-        </p:spPr>
-        <p:txBody>
-          <a:bodyPr/>
-          <a:lstStyle/>
-          <a:p>
-            <a:pPr lvl="0"/>
-            <a:r>
-              <a:rPr lang="en-US" altLang="ko-KR" dirty="0"/>
-              <a:t>Neighbor defines address</a:t>
-            </a:r>
-          </a:p>
-        </p:txBody>
-      </p:sp>
-      <p:sp>
-        <p:nvSpPr>
           <p:cNvPr id="7" name="Freeform 6">
             <a:extLst>
               <a:ext uri="{FF2B5EF4-FFF2-40B4-BE49-F238E27FC236}">
@@ -35947,8 +38814,8 @@
         </p:nvSpPr>
         <p:spPr>
           <a:xfrm flipH="1">
-            <a:off x="3300737" y="1822364"/>
-            <a:ext cx="5303711" cy="1111285"/>
+            <a:off x="3300736" y="1822364"/>
+            <a:ext cx="5483731" cy="1111285"/>
           </a:xfrm>
           <a:custGeom>
             <a:avLst/>
@@ -36047,10 +38914,10 @@
         </p:nvGrpSpPr>
         <p:grpSpPr>
           <a:xfrm>
-            <a:off x="4463988" y="1544442"/>
-            <a:ext cx="4140461" cy="3543263"/>
+            <a:off x="4355976" y="1300361"/>
+            <a:ext cx="4701961" cy="3836268"/>
             <a:chOff x="2946545" y="3563281"/>
-            <a:chExt cx="2733710" cy="2565174"/>
+            <a:chExt cx="2733710" cy="2777297"/>
           </a:xfrm>
         </p:grpSpPr>
         <p:sp>
@@ -36067,8 +38934,8 @@
           </p:nvSpPr>
           <p:spPr>
             <a:xfrm>
-              <a:off x="2946545" y="3788873"/>
-              <a:ext cx="2733710" cy="2339582"/>
+              <a:off x="2946545" y="3733615"/>
+              <a:ext cx="2733710" cy="2606963"/>
             </a:xfrm>
             <a:prstGeom prst="rect">
               <a:avLst/>
@@ -36107,8 +38974,32 @@
                   </a:solidFill>
                   <a:cs typeface="Arial" pitchFamily="34" charset="0"/>
                 </a:rPr>
-                <a:t>below packaging type.</a:t>
+                <a:t>below packaging type</a:t>
               </a:r>
+              <a:r>
+                <a:rPr lang="en-US" sz="1200" dirty="0" smtClean="0">
+                  <a:solidFill>
+                    <a:schemeClr val="tx1">
+                      <a:lumMod val="75000"/>
+                      <a:lumOff val="25000"/>
+                    </a:schemeClr>
+                  </a:solidFill>
+                  <a:cs typeface="Arial" pitchFamily="34" charset="0"/>
+                </a:rPr>
+                <a:t>.</a:t>
+              </a:r>
+            </a:p>
+            <a:p>
+              <a:pPr algn="just"/>
+              <a:endParaRPr lang="en-US" sz="1200" dirty="0">
+                <a:solidFill>
+                  <a:schemeClr val="tx1">
+                    <a:lumMod val="75000"/>
+                    <a:lumOff val="25000"/>
+                  </a:schemeClr>
+                </a:solidFill>
+                <a:cs typeface="Arial" pitchFamily="34" charset="0"/>
+              </a:endParaRPr>
             </a:p>
             <a:p>
               <a:pPr algn="just"/>
@@ -36137,8 +39028,32 @@
                   </a:solidFill>
                   <a:cs typeface="Arial" pitchFamily="34" charset="0"/>
                 </a:rPr>
-                <a:t>Utilize to define parent project in multi-module project structure.</a:t>
+                <a:t>Utilize to define parent project in multi-module project structure</a:t>
               </a:r>
+              <a:r>
+                <a:rPr lang="en-US" sz="1200" dirty="0" smtClean="0">
+                  <a:solidFill>
+                    <a:schemeClr val="tx1">
+                      <a:lumMod val="75000"/>
+                      <a:lumOff val="25000"/>
+                    </a:schemeClr>
+                  </a:solidFill>
+                  <a:cs typeface="Arial" pitchFamily="34" charset="0"/>
+                </a:rPr>
+                <a:t>.</a:t>
+              </a:r>
+            </a:p>
+            <a:p>
+              <a:pPr algn="just"/>
+              <a:endParaRPr lang="en-US" sz="1200" dirty="0">
+                <a:solidFill>
+                  <a:schemeClr val="tx1">
+                    <a:lumMod val="75000"/>
+                    <a:lumOff val="25000"/>
+                  </a:schemeClr>
+                </a:solidFill>
+                <a:cs typeface="Arial" pitchFamily="34" charset="0"/>
+              </a:endParaRPr>
             </a:p>
             <a:p>
               <a:pPr algn="just"/>
@@ -36394,6 +39309,13 @@
   <p:clrMapOvr>
     <a:masterClrMapping/>
   </p:clrMapOvr>
+  <p:timing>
+    <p:tnLst>
+      <p:par>
+        <p:cTn id="1" dur="indefinite" restart="never" nodeType="tmRoot"/>
+      </p:par>
+    </p:tnLst>
+  </p:timing>
 </p:sld>
 </file>
 
@@ -36501,34 +39423,6 @@
           </a:p>
         </p:txBody>
       </p:sp>
-      <p:sp>
-        <p:nvSpPr>
-          <p:cNvPr id="3" name="Text Placeholder 2"/>
-          <p:cNvSpPr>
-            <a:spLocks noGrp="1"/>
-          </p:cNvSpPr>
-          <p:nvPr>
-            <p:ph type="body" sz="quarter" idx="11"/>
-          </p:nvPr>
-        </p:nvSpPr>
-        <p:spPr>
-          <a:xfrm>
-            <a:off x="0" y="699542"/>
-            <a:ext cx="9144000" cy="288032"/>
-          </a:xfrm>
-        </p:spPr>
-        <p:txBody>
-          <a:bodyPr/>
-          <a:lstStyle/>
-          <a:p>
-            <a:pPr lvl="0"/>
-            <a:r>
-              <a:rPr lang="en-US" altLang="ko-KR" dirty="0"/>
-              <a:t>Neighbor defines address</a:t>
-            </a:r>
-          </a:p>
-        </p:txBody>
-      </p:sp>
       <p:grpSp>
         <p:nvGrpSpPr>
           <p:cNvPr id="8" name="Group 7">
@@ -36543,7 +39437,7 @@
         </p:nvGrpSpPr>
         <p:grpSpPr>
           <a:xfrm>
-            <a:off x="4175957" y="2732867"/>
+            <a:off x="4314935" y="2660582"/>
             <a:ext cx="4292858" cy="686432"/>
             <a:chOff x="2946545" y="3563281"/>
             <a:chExt cx="2834329" cy="496948"/>
@@ -36591,7 +39485,31 @@
                   </a:solidFill>
                   <a:cs typeface="Arial" pitchFamily="34" charset="0"/>
                 </a:rPr>
-                <a:t>It will inherit module POM</a:t>
+                <a:t>It will inherit </a:t>
+              </a:r>
+              <a:r>
+                <a:rPr lang="en-US" altLang="ko-KR" sz="1200" dirty="0" smtClean="0">
+                  <a:solidFill>
+                    <a:schemeClr val="tx1">
+                      <a:lumMod val="75000"/>
+                      <a:lumOff val="25000"/>
+                    </a:schemeClr>
+                  </a:solidFill>
+                  <a:cs typeface="Arial" pitchFamily="34" charset="0"/>
+                </a:rPr>
+                <a:t>other project </a:t>
+              </a:r>
+              <a:r>
+                <a:rPr lang="en-US" altLang="ko-KR" sz="1200" dirty="0">
+                  <a:solidFill>
+                    <a:schemeClr val="tx1">
+                      <a:lumMod val="75000"/>
+                      <a:lumOff val="25000"/>
+                    </a:schemeClr>
+                  </a:solidFill>
+                  <a:cs typeface="Arial" pitchFamily="34" charset="0"/>
+                </a:rPr>
+                <a:t>POM</a:t>
               </a:r>
             </a:p>
           </p:txBody>
@@ -36874,7 +39792,7 @@
         </p:nvGrpSpPr>
         <p:grpSpPr>
           <a:xfrm>
-            <a:off x="4328355" y="1484975"/>
+            <a:off x="4572000" y="1477355"/>
             <a:ext cx="4140461" cy="706408"/>
             <a:chOff x="2946544" y="3563281"/>
             <a:chExt cx="2733710" cy="511410"/>
@@ -36993,7 +39911,7 @@
         </p:nvSpPr>
         <p:spPr>
           <a:xfrm flipH="1">
-            <a:off x="3347864" y="1755908"/>
+            <a:off x="3419872" y="1857026"/>
             <a:ext cx="4824536" cy="213110"/>
           </a:xfrm>
           <a:custGeom>
@@ -37089,6 +40007,13 @@
   <p:clrMapOvr>
     <a:masterClrMapping/>
   </p:clrMapOvr>
+  <p:timing>
+    <p:tnLst>
+      <p:par>
+        <p:cTn id="1" dur="indefinite" restart="never" nodeType="tmRoot"/>
+      </p:par>
+    </p:tnLst>
+  </p:timing>
 </p:sld>
 </file>
 
